--- a/Training/git-github-workflow-training.pptx
+++ b/Training/git-github-workflow-training.pptx
@@ -6,24 +6,23 @@
     <p:sldMasterId id="2147483672" r:id="rId5"/>
   </p:sldMasterIdLst>
   <p:notesMasterIdLst>
-    <p:notesMasterId r:id="rId21"/>
+    <p:notesMasterId r:id="rId20"/>
   </p:notesMasterIdLst>
   <p:sldIdLst>
     <p:sldId id="256" r:id="rId6"/>
     <p:sldId id="265" r:id="rId7"/>
     <p:sldId id="311" r:id="rId8"/>
-    <p:sldId id="312" r:id="rId9"/>
-    <p:sldId id="289" r:id="rId10"/>
-    <p:sldId id="267" r:id="rId11"/>
-    <p:sldId id="260" r:id="rId12"/>
-    <p:sldId id="308" r:id="rId13"/>
-    <p:sldId id="299" r:id="rId14"/>
-    <p:sldId id="304" r:id="rId15"/>
-    <p:sldId id="280" r:id="rId16"/>
-    <p:sldId id="302" r:id="rId17"/>
-    <p:sldId id="270" r:id="rId18"/>
-    <p:sldId id="309" r:id="rId19"/>
-    <p:sldId id="310" r:id="rId20"/>
+    <p:sldId id="289" r:id="rId9"/>
+    <p:sldId id="267" r:id="rId10"/>
+    <p:sldId id="260" r:id="rId11"/>
+    <p:sldId id="308" r:id="rId12"/>
+    <p:sldId id="299" r:id="rId13"/>
+    <p:sldId id="304" r:id="rId14"/>
+    <p:sldId id="280" r:id="rId15"/>
+    <p:sldId id="302" r:id="rId16"/>
+    <p:sldId id="270" r:id="rId17"/>
+    <p:sldId id="309" r:id="rId18"/>
+    <p:sldId id="310" r:id="rId19"/>
   </p:sldIdLst>
   <p:sldSz cx="12192000" cy="6858000"/>
   <p:notesSz cx="7010400" cy="9296400"/>
@@ -223,7 +222,7 @@
           <a:p>
             <a:fld id="{5B57F4E2-04AA-4970-B8C5-074FFF893E51}" type="datetimeFigureOut">
               <a:rPr lang="en-US" smtClean="0"/>
-              <a:t>6/15/2016</a:t>
+              <a:t>6/16/2016</a:t>
             </a:fld>
             <a:endParaRPr lang="en-US"/>
           </a:p>
@@ -619,7 +618,7 @@
           <a:p>
             <a:fld id="{00B0BDD1-F3F2-4AB7-BBFB-08C51CBA57B7}" type="datetime1">
               <a:rPr lang="en-US" smtClean="0"/>
-              <a:t>6/15/2016</a:t>
+              <a:t>6/16/2016</a:t>
             </a:fld>
             <a:endParaRPr lang="en-US"/>
           </a:p>
@@ -787,7 +786,7 @@
           <a:p>
             <a:fld id="{46BE53BB-B33E-45D9-9133-56B2FDC16CEE}" type="datetime1">
               <a:rPr lang="en-US" smtClean="0"/>
-              <a:t>6/15/2016</a:t>
+              <a:t>6/16/2016</a:t>
             </a:fld>
             <a:endParaRPr lang="en-US"/>
           </a:p>
@@ -965,7 +964,7 @@
           <a:p>
             <a:fld id="{E59FC588-C292-4154-A9EE-3A768A255F0F}" type="datetime1">
               <a:rPr lang="en-US" smtClean="0"/>
-              <a:t>6/15/2016</a:t>
+              <a:t>6/16/2016</a:t>
             </a:fld>
             <a:endParaRPr lang="en-US"/>
           </a:p>
@@ -1155,7 +1154,7 @@
           <a:p>
             <a:fld id="{00B0BDD1-F3F2-4AB7-BBFB-08C51CBA57B7}" type="datetime1">
               <a:rPr lang="en-US" smtClean="0"/>
-              <a:t>6/15/2016</a:t>
+              <a:t>6/16/2016</a:t>
             </a:fld>
             <a:endParaRPr lang="en-US"/>
           </a:p>
@@ -1323,7 +1322,7 @@
           <a:p>
             <a:fld id="{9CBFEA0D-A4BD-484A-A97F-09726C84111B}" type="datetime1">
               <a:rPr lang="en-US" smtClean="0"/>
-              <a:t>6/15/2016</a:t>
+              <a:t>6/16/2016</a:t>
             </a:fld>
             <a:endParaRPr lang="en-US"/>
           </a:p>
@@ -1568,7 +1567,7 @@
           <a:p>
             <a:fld id="{F8C3B2CC-146A-4FB7-9315-7C5A0188CCA7}" type="datetime1">
               <a:rPr lang="en-US" smtClean="0"/>
-              <a:t>6/15/2016</a:t>
+              <a:t>6/16/2016</a:t>
             </a:fld>
             <a:endParaRPr lang="en-US"/>
           </a:p>
@@ -1797,7 +1796,7 @@
           <a:p>
             <a:fld id="{5CE5B52F-65E4-4292-A4FF-27DE86454280}" type="datetime1">
               <a:rPr lang="en-US" smtClean="0"/>
-              <a:t>6/15/2016</a:t>
+              <a:t>6/16/2016</a:t>
             </a:fld>
             <a:endParaRPr lang="en-US"/>
           </a:p>
@@ -2161,7 +2160,7 @@
           <a:p>
             <a:fld id="{A67297C7-432B-494C-8F95-36E54C627ABE}" type="datetime1">
               <a:rPr lang="en-US" smtClean="0"/>
-              <a:t>6/15/2016</a:t>
+              <a:t>6/16/2016</a:t>
             </a:fld>
             <a:endParaRPr lang="en-US"/>
           </a:p>
@@ -2278,7 +2277,7 @@
           <a:p>
             <a:fld id="{087D1111-421C-40D7-B63B-F78F9A785BDB}" type="datetime1">
               <a:rPr lang="en-US" smtClean="0"/>
-              <a:t>6/15/2016</a:t>
+              <a:t>6/16/2016</a:t>
             </a:fld>
             <a:endParaRPr lang="en-US"/>
           </a:p>
@@ -2373,7 +2372,7 @@
           <a:p>
             <a:fld id="{480075E8-AE1D-4B36-80F2-2618B413D0A8}" type="datetime1">
               <a:rPr lang="en-US" smtClean="0"/>
-              <a:t>6/15/2016</a:t>
+              <a:t>6/16/2016</a:t>
             </a:fld>
             <a:endParaRPr lang="en-US"/>
           </a:p>
@@ -2648,7 +2647,7 @@
           <a:p>
             <a:fld id="{ED77ADDF-4D57-4835-82BD-C265E7E775F2}" type="datetime1">
               <a:rPr lang="en-US" smtClean="0"/>
-              <a:t>6/15/2016</a:t>
+              <a:t>6/16/2016</a:t>
             </a:fld>
             <a:endParaRPr lang="en-US"/>
           </a:p>
@@ -2816,7 +2815,7 @@
           <a:p>
             <a:fld id="{9CBFEA0D-A4BD-484A-A97F-09726C84111B}" type="datetime1">
               <a:rPr lang="en-US" smtClean="0"/>
-              <a:t>6/15/2016</a:t>
+              <a:t>6/16/2016</a:t>
             </a:fld>
             <a:endParaRPr lang="en-US"/>
           </a:p>
@@ -3068,7 +3067,7 @@
           <a:p>
             <a:fld id="{8AFD0C0A-1AE2-4136-8C03-104D64C1DF93}" type="datetime1">
               <a:rPr lang="en-US" smtClean="0"/>
-              <a:t>6/15/2016</a:t>
+              <a:t>6/16/2016</a:t>
             </a:fld>
             <a:endParaRPr lang="en-US"/>
           </a:p>
@@ -3236,7 +3235,7 @@
           <a:p>
             <a:fld id="{46BE53BB-B33E-45D9-9133-56B2FDC16CEE}" type="datetime1">
               <a:rPr lang="en-US" smtClean="0"/>
-              <a:t>6/15/2016</a:t>
+              <a:t>6/16/2016</a:t>
             </a:fld>
             <a:endParaRPr lang="en-US"/>
           </a:p>
@@ -3414,7 +3413,7 @@
           <a:p>
             <a:fld id="{E59FC588-C292-4154-A9EE-3A768A255F0F}" type="datetime1">
               <a:rPr lang="en-US" smtClean="0"/>
-              <a:t>6/15/2016</a:t>
+              <a:t>6/16/2016</a:t>
             </a:fld>
             <a:endParaRPr lang="en-US"/>
           </a:p>
@@ -3659,7 +3658,7 @@
           <a:p>
             <a:fld id="{F8C3B2CC-146A-4FB7-9315-7C5A0188CCA7}" type="datetime1">
               <a:rPr lang="en-US" smtClean="0"/>
-              <a:t>6/15/2016</a:t>
+              <a:t>6/16/2016</a:t>
             </a:fld>
             <a:endParaRPr lang="en-US"/>
           </a:p>
@@ -3888,7 +3887,7 @@
           <a:p>
             <a:fld id="{5CE5B52F-65E4-4292-A4FF-27DE86454280}" type="datetime1">
               <a:rPr lang="en-US" smtClean="0"/>
-              <a:t>6/15/2016</a:t>
+              <a:t>6/16/2016</a:t>
             </a:fld>
             <a:endParaRPr lang="en-US"/>
           </a:p>
@@ -4252,7 +4251,7 @@
           <a:p>
             <a:fld id="{A67297C7-432B-494C-8F95-36E54C627ABE}" type="datetime1">
               <a:rPr lang="en-US" smtClean="0"/>
-              <a:t>6/15/2016</a:t>
+              <a:t>6/16/2016</a:t>
             </a:fld>
             <a:endParaRPr lang="en-US"/>
           </a:p>
@@ -4369,7 +4368,7 @@
           <a:p>
             <a:fld id="{087D1111-421C-40D7-B63B-F78F9A785BDB}" type="datetime1">
               <a:rPr lang="en-US" smtClean="0"/>
-              <a:t>6/15/2016</a:t>
+              <a:t>6/16/2016</a:t>
             </a:fld>
             <a:endParaRPr lang="en-US"/>
           </a:p>
@@ -4464,7 +4463,7 @@
           <a:p>
             <a:fld id="{480075E8-AE1D-4B36-80F2-2618B413D0A8}" type="datetime1">
               <a:rPr lang="en-US" smtClean="0"/>
-              <a:t>6/15/2016</a:t>
+              <a:t>6/16/2016</a:t>
             </a:fld>
             <a:endParaRPr lang="en-US"/>
           </a:p>
@@ -4739,7 +4738,7 @@
           <a:p>
             <a:fld id="{ED77ADDF-4D57-4835-82BD-C265E7E775F2}" type="datetime1">
               <a:rPr lang="en-US" smtClean="0"/>
-              <a:t>6/15/2016</a:t>
+              <a:t>6/16/2016</a:t>
             </a:fld>
             <a:endParaRPr lang="en-US"/>
           </a:p>
@@ -4991,7 +4990,7 @@
           <a:p>
             <a:fld id="{8AFD0C0A-1AE2-4136-8C03-104D64C1DF93}" type="datetime1">
               <a:rPr lang="en-US" smtClean="0"/>
-              <a:t>6/15/2016</a:t>
+              <a:t>6/16/2016</a:t>
             </a:fld>
             <a:endParaRPr lang="en-US"/>
           </a:p>
@@ -5202,7 +5201,7 @@
           <a:p>
             <a:fld id="{F5E7B167-E9C4-451B-BDDD-E74BDCA7147A}" type="datetime1">
               <a:rPr lang="en-US" smtClean="0"/>
-              <a:t>6/15/2016</a:t>
+              <a:t>6/16/2016</a:t>
             </a:fld>
             <a:endParaRPr lang="en-US"/>
           </a:p>
@@ -5741,7 +5740,7 @@
           <a:p>
             <a:fld id="{F5E7B167-E9C4-451B-BDDD-E74BDCA7147A}" type="datetime1">
               <a:rPr lang="en-US" smtClean="0"/>
-              <a:t>6/15/2016</a:t>
+              <a:t>6/16/2016</a:t>
             </a:fld>
             <a:endParaRPr lang="en-US"/>
           </a:p>
@@ -6353,7 +6352,7 @@
           <a:p>
             <a:r>
               <a:rPr lang="en-US" dirty="0"/>
-              <a:t>Pull request</a:t>
+              <a:t>Publishing</a:t>
             </a:r>
           </a:p>
         </p:txBody>
@@ -6370,19 +6369,39 @@
         </p:nvSpPr>
         <p:spPr>
           <a:xfrm>
-            <a:off x="265176" y="1825625"/>
-            <a:ext cx="3813048" cy="4351338"/>
+            <a:off x="838200" y="1825625"/>
+            <a:ext cx="7160491" cy="4351338"/>
           </a:xfrm>
         </p:spPr>
         <p:txBody>
           <a:bodyPr>
-            <a:normAutofit fontScale="85000" lnSpcReduction="20000"/>
+            <a:normAutofit/>
           </a:bodyPr>
           <a:lstStyle/>
           <a:p>
             <a:r>
               <a:rPr lang="en-US" dirty="0"/>
-              <a:t>You move changes from one branch to another using a pull request.</a:t>
+              <a:t>Any content present in the </a:t>
+            </a:r>
+            <a:r>
+              <a:rPr lang="en-US" b="1" dirty="0"/>
+              <a:t>master</a:t>
+            </a:r>
+            <a:r>
+              <a:rPr lang="en-US" dirty="0"/>
+              <a:t> branch of </a:t>
+            </a:r>
+            <a:r>
+              <a:rPr lang="en-US" b="1" dirty="0" smtClean="0"/>
+              <a:t>a private repo</a:t>
+            </a:r>
+            <a:r>
+              <a:rPr lang="en-US" dirty="0" smtClean="0"/>
+              <a:t> </a:t>
+            </a:r>
+            <a:r>
+              <a:rPr lang="en-US" dirty="0"/>
+              <a:t>is published live at 10 AM and 3 PM Monday - Friday.</a:t>
             </a:r>
             <a:br>
               <a:rPr lang="en-US" dirty="0"/>
@@ -6390,41 +6409,33 @@
             <a:endParaRPr lang="en-US" dirty="0"/>
           </a:p>
           <a:p>
+            <a:pPr marL="0" indent="0">
+              <a:buNone/>
+            </a:pPr>
+            <a:r>
+              <a:rPr lang="en-US" u="sng" dirty="0"/>
+              <a:t/>
+            </a:r>
+            <a:br>
+              <a:rPr lang="en-US" u="sng" dirty="0"/>
+            </a:br>
+            <a:endParaRPr lang="en-US" dirty="0"/>
+          </a:p>
+          <a:p>
             <a:r>
               <a:rPr lang="en-US" dirty="0"/>
-              <a:t>All pull requests must be reviewed and accepted by a pull request acceptor.</a:t>
+              <a:t>Pull requests have to be accepted before the content can be published. </a:t>
             </a:r>
             <a:br>
               <a:rPr lang="en-US" dirty="0"/>
             </a:br>
             <a:endParaRPr lang="en-US" dirty="0"/>
           </a:p>
-          <a:p>
-            <a:r>
-              <a:rPr lang="en-US" dirty="0"/>
-              <a:t>Pull requests protect the repo’s integrity.</a:t>
-            </a:r>
-            <a:br>
-              <a:rPr lang="en-US" dirty="0"/>
-            </a:br>
-            <a:endParaRPr lang="en-US" dirty="0"/>
-          </a:p>
-          <a:p>
-            <a:r>
-              <a:rPr lang="en-US" dirty="0"/>
-              <a:t>Pull requests are reviewed by a designated person on the content team. </a:t>
-            </a:r>
-            <a:r>
-              <a:rPr lang="en-US"/>
-              <a:t>Expect feedback!</a:t>
-            </a:r>
-            <a:endParaRPr lang="en-US" dirty="0"/>
-          </a:p>
-        </p:txBody>
-      </p:sp>
-      <p:sp>
-        <p:nvSpPr>
-          <p:cNvPr id="4" name="Slide Number Placeholder 3"/>
+        </p:txBody>
+      </p:sp>
+      <p:sp>
+        <p:nvSpPr>
+          <p:cNvPr id="5" name="Slide Number Placeholder 4"/>
           <p:cNvSpPr>
             <a:spLocks noGrp="1"/>
           </p:cNvSpPr>
@@ -6445,9 +6456,202 @@
           </a:p>
         </p:txBody>
       </p:sp>
+    </p:spTree>
+    <p:extLst>
+      <p:ext uri="{BB962C8B-B14F-4D97-AF65-F5344CB8AC3E}">
+        <p14:creationId xmlns:p14="http://schemas.microsoft.com/office/powerpoint/2010/main" val="3383347230"/>
+      </p:ext>
+    </p:extLst>
+  </p:cSld>
+  <p:clrMapOvr>
+    <a:masterClrMapping/>
+  </p:clrMapOvr>
+</p:sld>
+</file>
+
+<file path=ppt/slides/slide11.xml><?xml version="1.0" encoding="utf-8"?>
+<p:sld xmlns:a="http://schemas.openxmlformats.org/drawingml/2006/main" xmlns:r="http://schemas.openxmlformats.org/officeDocument/2006/relationships" xmlns:p="http://schemas.openxmlformats.org/presentationml/2006/main">
+  <p:cSld>
+    <p:spTree>
+      <p:nvGrpSpPr>
+        <p:cNvPr id="1" name=""/>
+        <p:cNvGrpSpPr/>
+        <p:nvPr/>
+      </p:nvGrpSpPr>
+      <p:grpSpPr>
+        <a:xfrm>
+          <a:off x="0" y="0"/>
+          <a:ext cx="0" cy="0"/>
+          <a:chOff x="0" y="0"/>
+          <a:chExt cx="0" cy="0"/>
+        </a:xfrm>
+      </p:grpSpPr>
+      <p:sp>
+        <p:nvSpPr>
+          <p:cNvPr id="2" name="Title 1"/>
+          <p:cNvSpPr>
+            <a:spLocks noGrp="1"/>
+          </p:cNvSpPr>
+          <p:nvPr>
+            <p:ph type="title"/>
+          </p:nvPr>
+        </p:nvSpPr>
+        <p:spPr/>
+        <p:txBody>
+          <a:bodyPr/>
+          <a:lstStyle/>
+          <a:p>
+            <a:r>
+              <a:rPr lang="en-US" dirty="0"/>
+              <a:t>Check your pull requests in GitHub</a:t>
+            </a:r>
+          </a:p>
+        </p:txBody>
+      </p:sp>
+      <p:sp>
+        <p:nvSpPr>
+          <p:cNvPr id="3" name="Content Placeholder 2"/>
+          <p:cNvSpPr>
+            <a:spLocks noGrp="1"/>
+          </p:cNvSpPr>
+          <p:nvPr>
+            <p:ph idx="1"/>
+          </p:nvPr>
+        </p:nvSpPr>
+        <p:spPr>
+          <a:xfrm>
+            <a:off x="838200" y="1542473"/>
+            <a:ext cx="3587496" cy="5041850"/>
+          </a:xfrm>
+        </p:spPr>
+        <p:txBody>
+          <a:bodyPr>
+            <a:normAutofit/>
+          </a:bodyPr>
+          <a:lstStyle/>
+          <a:p>
+            <a:pPr>
+              <a:lnSpc>
+                <a:spcPct val="110000"/>
+              </a:lnSpc>
+            </a:pPr>
+            <a:r>
+              <a:rPr lang="en-US" sz="1600" dirty="0"/>
+              <a:t>Content loss can occur in our repo if correct processes are not followed.</a:t>
+            </a:r>
+          </a:p>
+          <a:p>
+            <a:pPr>
+              <a:lnSpc>
+                <a:spcPct val="110000"/>
+              </a:lnSpc>
+            </a:pPr>
+            <a:r>
+              <a:rPr lang="en-US" sz="1600" dirty="0"/>
+              <a:t>Review your pull requests CAREFULLY when you submit them.</a:t>
+            </a:r>
+          </a:p>
+          <a:p>
+            <a:pPr>
+              <a:lnSpc>
+                <a:spcPct val="110000"/>
+              </a:lnSpc>
+            </a:pPr>
+            <a:r>
+              <a:rPr lang="en-US" sz="1600" dirty="0"/>
+              <a:t>If there are unexpected files listed, </a:t>
+            </a:r>
+            <a:r>
+              <a:rPr lang="en-US" sz="1600" b="1" dirty="0">
+                <a:solidFill>
+                  <a:srgbClr val="FF0000"/>
+                </a:solidFill>
+              </a:rPr>
+              <a:t>cancel</a:t>
+            </a:r>
+            <a:r>
+              <a:rPr lang="en-US" sz="1600" dirty="0"/>
+              <a:t> the pull request and troubleshoot.</a:t>
+            </a:r>
+          </a:p>
+          <a:p>
+            <a:pPr>
+              <a:lnSpc>
+                <a:spcPct val="110000"/>
+              </a:lnSpc>
+            </a:pPr>
+            <a:r>
+              <a:rPr lang="en-US" sz="1600" dirty="0"/>
+              <a:t>Ask a peer to review your pull request prior to official review by a pull request reviewer.</a:t>
+            </a:r>
+          </a:p>
+          <a:p>
+            <a:pPr>
+              <a:lnSpc>
+                <a:spcPct val="110000"/>
+              </a:lnSpc>
+            </a:pPr>
+            <a:r>
+              <a:rPr lang="en-US" sz="1600" dirty="0"/>
+              <a:t>Resolve all validation issues called out by the validation bot.</a:t>
+            </a:r>
+            <a:br>
+              <a:rPr lang="en-US" sz="1600" dirty="0"/>
+            </a:br>
+            <a:endParaRPr lang="en-US" sz="1600" dirty="0"/>
+          </a:p>
+          <a:p>
+            <a:pPr>
+              <a:lnSpc>
+                <a:spcPct val="110000"/>
+              </a:lnSpc>
+            </a:pPr>
+            <a:r>
+              <a:rPr lang="en-US" sz="1600" dirty="0"/>
+              <a:t>Check comments for feedback on your pull requests.</a:t>
+            </a:r>
+          </a:p>
+        </p:txBody>
+      </p:sp>
+      <p:sp>
+        <p:nvSpPr>
+          <p:cNvPr id="4" name="TextBox 3"/>
+          <p:cNvSpPr txBox="1"/>
+          <p:nvPr/>
+        </p:nvSpPr>
+        <p:spPr>
+          <a:xfrm>
+            <a:off x="4727447" y="1449431"/>
+            <a:ext cx="6549725" cy="646331"/>
+          </a:xfrm>
+          <a:prstGeom prst="rect">
+            <a:avLst/>
+          </a:prstGeom>
+          <a:noFill/>
+        </p:spPr>
+        <p:txBody>
+          <a:bodyPr wrap="square" rtlCol="0">
+            <a:spAutoFit/>
+          </a:bodyPr>
+          <a:lstStyle/>
+          <a:p>
+            <a:r>
+              <a:rPr lang="en-US" b="1" dirty="0"/>
+              <a:t>What are you supposed to look for? </a:t>
+            </a:r>
+            <a:br>
+              <a:rPr lang="en-US" b="1" dirty="0"/>
+            </a:br>
+            <a:r>
+              <a:rPr lang="en-US" dirty="0"/>
+              <a:t>Files that are in the change list that you did not intend to change.</a:t>
+            </a:r>
+          </a:p>
+        </p:txBody>
+      </p:sp>
       <p:pic>
         <p:nvPicPr>
-          <p:cNvPr id="2050" name="Picture 2"/>
+          <p:cNvPr id="1026" name="Picture 2" descr="cid:image002.png@01D04773.214B0480"/>
           <p:cNvPicPr>
             <a:picLocks noChangeAspect="1" noChangeArrowheads="1"/>
           </p:cNvPicPr>
@@ -6468,8 +6672,370 @@
         </p:blipFill>
         <p:spPr bwMode="auto">
           <a:xfrm>
-            <a:off x="4620104" y="1563623"/>
-            <a:ext cx="7096408" cy="4817745"/>
+            <a:off x="4715683" y="2242066"/>
+            <a:ext cx="6735226" cy="4342257"/>
+          </a:xfrm>
+          <a:prstGeom prst="rect">
+            <a:avLst/>
+          </a:prstGeom>
+          <a:noFill/>
+          <a:ln w="9525">
+            <a:solidFill>
+              <a:srgbClr val="000000"/>
+            </a:solidFill>
+            <a:miter lim="800000"/>
+            <a:headEnd/>
+            <a:tailEnd/>
+          </a:ln>
+          <a:extLst>
+            <a:ext uri="{909E8E84-426E-40DD-AFC4-6F175D3DCCD1}">
+              <a14:hiddenFill xmlns:a14="http://schemas.microsoft.com/office/drawing/2010/main">
+                <a:solidFill>
+                  <a:srgbClr val="FFFFFF"/>
+                </a:solidFill>
+              </a14:hiddenFill>
+            </a:ext>
+          </a:extLst>
+        </p:spPr>
+      </p:pic>
+      <p:pic>
+        <p:nvPicPr>
+          <p:cNvPr id="7" name="Picture 4" descr="http://upload.wikimedia.org/wikipedia/commons/thumb/e/e7/South_Africa_-_General_Warning_sign_(temporary).svg/563px-South_Africa_-_General_Warning_sign_(temporary).svg.png"/>
+          <p:cNvPicPr>
+            <a:picLocks noChangeAspect="1" noChangeArrowheads="1"/>
+          </p:cNvPicPr>
+          <p:nvPr/>
+        </p:nvPicPr>
+        <p:blipFill>
+          <a:blip r:embed="rId3" cstate="print">
+            <a:extLst>
+              <a:ext uri="{28A0092B-C50C-407E-A947-70E740481C1C}">
+                <a14:useLocalDpi xmlns:a14="http://schemas.microsoft.com/office/drawing/2010/main" val="0"/>
+              </a:ext>
+            </a:extLst>
+          </a:blip>
+          <a:srcRect/>
+          <a:stretch>
+            <a:fillRect/>
+          </a:stretch>
+        </p:blipFill>
+        <p:spPr bwMode="auto">
+          <a:xfrm>
+            <a:off x="10315331" y="600346"/>
+            <a:ext cx="961841" cy="849085"/>
+          </a:xfrm>
+          <a:prstGeom prst="rect">
+            <a:avLst/>
+          </a:prstGeom>
+          <a:noFill/>
+          <a:extLst>
+            <a:ext uri="{909E8E84-426E-40DD-AFC4-6F175D3DCCD1}">
+              <a14:hiddenFill xmlns:a14="http://schemas.microsoft.com/office/drawing/2010/main">
+                <a:solidFill>
+                  <a:srgbClr val="FFFFFF"/>
+                </a:solidFill>
+              </a14:hiddenFill>
+            </a:ext>
+          </a:extLst>
+        </p:spPr>
+      </p:pic>
+    </p:spTree>
+    <p:extLst>
+      <p:ext uri="{BB962C8B-B14F-4D97-AF65-F5344CB8AC3E}">
+        <p14:creationId xmlns:p14="http://schemas.microsoft.com/office/powerpoint/2010/main" val="2214597092"/>
+      </p:ext>
+    </p:extLst>
+  </p:cSld>
+  <p:clrMapOvr>
+    <a:masterClrMapping/>
+  </p:clrMapOvr>
+</p:sld>
+</file>
+
+<file path=ppt/slides/slide12.xml><?xml version="1.0" encoding="utf-8"?>
+<p:sld xmlns:a="http://schemas.openxmlformats.org/drawingml/2006/main" xmlns:r="http://schemas.openxmlformats.org/officeDocument/2006/relationships" xmlns:p="http://schemas.openxmlformats.org/presentationml/2006/main">
+  <p:cSld>
+    <p:spTree>
+      <p:nvGrpSpPr>
+        <p:cNvPr id="1" name=""/>
+        <p:cNvGrpSpPr/>
+        <p:nvPr/>
+      </p:nvGrpSpPr>
+      <p:grpSpPr>
+        <a:xfrm>
+          <a:off x="0" y="0"/>
+          <a:ext cx="0" cy="0"/>
+          <a:chOff x="0" y="0"/>
+          <a:chExt cx="0" cy="0"/>
+        </a:xfrm>
+      </p:grpSpPr>
+      <p:sp>
+        <p:nvSpPr>
+          <p:cNvPr id="2" name="Title 1"/>
+          <p:cNvSpPr>
+            <a:spLocks noGrp="1"/>
+          </p:cNvSpPr>
+          <p:nvPr>
+            <p:ph type="title"/>
+          </p:nvPr>
+        </p:nvSpPr>
+        <p:spPr>
+          <a:xfrm>
+            <a:off x="732065" y="130629"/>
+            <a:ext cx="10515600" cy="661308"/>
+          </a:xfrm>
+        </p:spPr>
+        <p:txBody>
+          <a:bodyPr>
+            <a:normAutofit fontScale="90000"/>
+          </a:bodyPr>
+          <a:lstStyle/>
+          <a:p>
+            <a:r>
+              <a:rPr lang="en-US" dirty="0"/>
+              <a:t>Creating and editing articles</a:t>
+            </a:r>
+          </a:p>
+        </p:txBody>
+      </p:sp>
+      <p:sp>
+        <p:nvSpPr>
+          <p:cNvPr id="3" name="Content Placeholder 2"/>
+          <p:cNvSpPr>
+            <a:spLocks noGrp="1"/>
+          </p:cNvSpPr>
+          <p:nvPr>
+            <p:ph idx="1"/>
+          </p:nvPr>
+        </p:nvSpPr>
+        <p:spPr>
+          <a:xfrm>
+            <a:off x="81642" y="791937"/>
+            <a:ext cx="6163710" cy="5900732"/>
+          </a:xfrm>
+        </p:spPr>
+        <p:txBody>
+          <a:bodyPr>
+            <a:noAutofit/>
+          </a:bodyPr>
+          <a:lstStyle/>
+          <a:p>
+            <a:r>
+              <a:rPr lang="en-US" sz="1600" dirty="0"/>
+              <a:t>We use Markdown to format content.</a:t>
+            </a:r>
+            <a:br>
+              <a:rPr lang="en-US" sz="1600" dirty="0"/>
+            </a:br>
+            <a:r>
+              <a:rPr lang="en-US" sz="1600" dirty="0"/>
+              <a:t/>
+            </a:r>
+            <a:br>
+              <a:rPr lang="en-US" sz="1600" dirty="0"/>
+            </a:br>
+            <a:r>
+              <a:rPr lang="en-US" sz="1600" dirty="0"/>
+              <a:t/>
+            </a:r>
+            <a:br>
+              <a:rPr lang="en-US" sz="1600" dirty="0"/>
+            </a:br>
+            <a:r>
+              <a:rPr lang="en-US" sz="1600" dirty="0"/>
+              <a:t/>
+            </a:r>
+            <a:br>
+              <a:rPr lang="en-US" sz="1600" dirty="0"/>
+            </a:br>
+            <a:r>
+              <a:rPr lang="en-US" sz="1600" dirty="0"/>
+              <a:t/>
+            </a:r>
+            <a:br>
+              <a:rPr lang="en-US" sz="1600" dirty="0"/>
+            </a:br>
+            <a:r>
+              <a:rPr lang="en-US" sz="1600" dirty="0"/>
+              <a:t/>
+            </a:r>
+            <a:br>
+              <a:rPr lang="en-US" sz="1600" dirty="0"/>
+            </a:br>
+            <a:endParaRPr lang="en-US" sz="1600" dirty="0"/>
+          </a:p>
+          <a:p>
+            <a:r>
+              <a:rPr lang="en-US" sz="1600" dirty="0"/>
+              <a:t>We use GitHub flavored markdown.</a:t>
+            </a:r>
+          </a:p>
+          <a:p>
+            <a:r>
+              <a:rPr lang="en-US" sz="1600" dirty="0" smtClean="0"/>
+              <a:t>You can use whatever editor you prefer (we recommend ATOM)</a:t>
+            </a:r>
+            <a:endParaRPr lang="en-US" sz="1600" dirty="0"/>
+          </a:p>
+          <a:p>
+            <a:r>
+              <a:rPr lang="en-US" sz="1600" dirty="0"/>
+              <a:t>You can create new articles directly in Windows Explorer,  Atom, or at the command line.</a:t>
+            </a:r>
+          </a:p>
+          <a:p>
+            <a:r>
+              <a:rPr lang="en-US" sz="1600" dirty="0"/>
+              <a:t>We have </a:t>
+            </a:r>
+            <a:r>
+              <a:rPr lang="en-US" sz="1600" dirty="0">
+                <a:hlinkClick r:id="rId2"/>
+              </a:rPr>
+              <a:t>a template article</a:t>
+            </a:r>
+            <a:r>
+              <a:rPr lang="en-US" sz="1600" dirty="0">
+                <a:hlinkClick r:id="rId3"/>
+              </a:rPr>
+              <a:t> </a:t>
+            </a:r>
+            <a:r>
+              <a:rPr lang="en-US" sz="1600" dirty="0"/>
+              <a:t>with common formatting so you can learn markdown by using it.</a:t>
+            </a:r>
+          </a:p>
+          <a:p>
+            <a:r>
+              <a:rPr lang="en-US" sz="1600" dirty="0"/>
+              <a:t>Special things like notes, videos, and other elements are enabled by extensions. </a:t>
+            </a:r>
+            <a:r>
+              <a:rPr lang="en-US" sz="1600" dirty="0" smtClean="0"/>
+              <a:t>See </a:t>
+            </a:r>
+            <a:r>
+              <a:rPr lang="en-US" sz="1600" dirty="0">
+                <a:hlinkClick r:id="rId2"/>
+              </a:rPr>
+              <a:t>a template article</a:t>
+            </a:r>
+            <a:r>
+              <a:rPr lang="en-US" sz="1600" dirty="0">
+                <a:hlinkClick r:id="rId3"/>
+              </a:rPr>
+              <a:t> </a:t>
+            </a:r>
+            <a:r>
+              <a:rPr lang="en-US" sz="1600" dirty="0" smtClean="0"/>
+              <a:t>for syntax.</a:t>
+            </a:r>
+          </a:p>
+          <a:p>
+            <a:r>
+              <a:rPr lang="en-US" sz="1600" dirty="0" smtClean="0"/>
+              <a:t>To </a:t>
+            </a:r>
+            <a:r>
+              <a:rPr lang="en-US" sz="1600" dirty="0"/>
+              <a:t>add images, you must create a folder in the “media” folder for each article, and then put your images in that folder. The folder name must be identical to the topic name. Each topic must have it’s own image folder – do not share images across topics.</a:t>
+            </a:r>
+          </a:p>
+          <a:p>
+            <a:r>
+              <a:rPr lang="en-US" sz="1600" dirty="0"/>
+              <a:t>More info – </a:t>
+            </a:r>
+            <a:r>
+              <a:rPr lang="en-US" sz="1600" dirty="0">
+                <a:hlinkClick r:id="rId4"/>
+              </a:rPr>
+              <a:t>see the contributors guide</a:t>
+            </a:r>
+            <a:r>
+              <a:rPr lang="en-US" sz="1600" dirty="0"/>
+              <a:t>.</a:t>
+            </a:r>
+          </a:p>
+          <a:p>
+            <a:endParaRPr lang="en-US" sz="1600" dirty="0"/>
+          </a:p>
+        </p:txBody>
+      </p:sp>
+      <p:pic>
+        <p:nvPicPr>
+          <p:cNvPr id="8194" name="Picture 2"/>
+          <p:cNvPicPr>
+            <a:picLocks noChangeAspect="1" noChangeArrowheads="1"/>
+          </p:cNvPicPr>
+          <p:nvPr/>
+        </p:nvPicPr>
+        <p:blipFill>
+          <a:blip r:embed="rId5">
+            <a:extLst>
+              <a:ext uri="{28A0092B-C50C-407E-A947-70E740481C1C}">
+                <a14:useLocalDpi xmlns:a14="http://schemas.microsoft.com/office/drawing/2010/main" val="0"/>
+              </a:ext>
+            </a:extLst>
+          </a:blip>
+          <a:srcRect/>
+          <a:stretch>
+            <a:fillRect/>
+          </a:stretch>
+        </p:blipFill>
+        <p:spPr bwMode="auto">
+          <a:xfrm>
+            <a:off x="403861" y="1198483"/>
+            <a:ext cx="4751613" cy="1137354"/>
+          </a:xfrm>
+          <a:prstGeom prst="rect">
+            <a:avLst/>
+          </a:prstGeom>
+          <a:noFill/>
+          <a:ln w="9525">
+            <a:solidFill>
+              <a:schemeClr val="tx1"/>
+            </a:solidFill>
+            <a:miter lim="800000"/>
+            <a:headEnd/>
+            <a:tailEnd/>
+          </a:ln>
+          <a:extLst>
+            <a:ext uri="{909E8E84-426E-40DD-AFC4-6F175D3DCCD1}">
+              <a14:hiddenFill xmlns:a14="http://schemas.microsoft.com/office/drawing/2010/main">
+                <a:solidFill>
+                  <a:schemeClr val="accent1"/>
+                </a:solidFill>
+              </a14:hiddenFill>
+            </a:ext>
+          </a:extLst>
+        </p:spPr>
+      </p:pic>
+      <p:pic>
+        <p:nvPicPr>
+          <p:cNvPr id="8195" name="Picture 3"/>
+          <p:cNvPicPr>
+            <a:picLocks noChangeAspect="1" noChangeArrowheads="1"/>
+          </p:cNvPicPr>
+          <p:nvPr/>
+        </p:nvPicPr>
+        <p:blipFill>
+          <a:blip r:embed="rId6">
+            <a:extLst>
+              <a:ext uri="{28A0092B-C50C-407E-A947-70E740481C1C}">
+                <a14:useLocalDpi xmlns:a14="http://schemas.microsoft.com/office/drawing/2010/main" val="0"/>
+              </a:ext>
+            </a:extLst>
+          </a:blip>
+          <a:srcRect/>
+          <a:stretch>
+            <a:fillRect/>
+          </a:stretch>
+        </p:blipFill>
+        <p:spPr bwMode="auto">
+          <a:xfrm>
+            <a:off x="6362688" y="1107043"/>
+            <a:ext cx="5737899" cy="4966417"/>
           </a:xfrm>
           <a:prstGeom prst="rect">
             <a:avLst/>
@@ -6501,560 +7067,31 @@
       </p:pic>
       <p:sp>
         <p:nvSpPr>
-          <p:cNvPr id="7" name="Rectangular Callout 6"/>
-          <p:cNvSpPr/>
-          <p:nvPr/>
-        </p:nvSpPr>
-        <p:spPr>
-          <a:xfrm>
-            <a:off x="4150070" y="188519"/>
-            <a:ext cx="1839250" cy="1042002"/>
-          </a:xfrm>
-          <a:prstGeom prst="wedgeRectCallout">
-            <a:avLst>
-              <a:gd name="adj1" fmla="val 65427"/>
-              <a:gd name="adj2" fmla="val 172364"/>
-            </a:avLst>
-          </a:prstGeom>
-          <a:solidFill>
-            <a:srgbClr val="00B0F0"/>
-          </a:solidFill>
-          <a:ln>
-            <a:solidFill>
-              <a:schemeClr val="bg1">
-                <a:lumMod val="75000"/>
-              </a:schemeClr>
-            </a:solidFill>
-          </a:ln>
-        </p:spPr>
-        <p:style>
-          <a:lnRef idx="2">
-            <a:schemeClr val="accent1">
-              <a:shade val="50000"/>
-            </a:schemeClr>
-          </a:lnRef>
-          <a:fillRef idx="1">
-            <a:schemeClr val="accent1"/>
-          </a:fillRef>
-          <a:effectRef idx="0">
-            <a:schemeClr val="accent1"/>
-          </a:effectRef>
-          <a:fontRef idx="minor">
-            <a:schemeClr val="lt1"/>
-          </a:fontRef>
-        </p:style>
-        <p:txBody>
-          <a:bodyPr rtlCol="0" anchor="ctr"/>
-          <a:lstStyle/>
-          <a:p>
-            <a:r>
-              <a:rPr lang="en-US" sz="1200" dirty="0">
-                <a:solidFill>
-                  <a:schemeClr val="tx1"/>
-                </a:solidFill>
-              </a:rPr>
-              <a:t>On the left, you select where you want to move the changes to. Usually, it is to the upstream repo.</a:t>
-            </a:r>
-          </a:p>
-        </p:txBody>
-      </p:sp>
-      <p:sp>
-        <p:nvSpPr>
-          <p:cNvPr id="8" name="Rectangular Callout 7"/>
-          <p:cNvSpPr/>
-          <p:nvPr/>
-        </p:nvSpPr>
-        <p:spPr>
-          <a:xfrm>
-            <a:off x="8563574" y="188519"/>
-            <a:ext cx="1839250" cy="1042002"/>
-          </a:xfrm>
-          <a:prstGeom prst="wedgeRectCallout">
-            <a:avLst>
-              <a:gd name="adj1" fmla="val -35496"/>
-              <a:gd name="adj2" fmla="val 175874"/>
-            </a:avLst>
-          </a:prstGeom>
-          <a:solidFill>
-            <a:srgbClr val="00B0F0"/>
-          </a:solidFill>
-          <a:ln>
-            <a:solidFill>
-              <a:schemeClr val="bg1">
-                <a:lumMod val="75000"/>
-              </a:schemeClr>
-            </a:solidFill>
-          </a:ln>
-        </p:spPr>
-        <p:style>
-          <a:lnRef idx="2">
-            <a:schemeClr val="accent1">
-              <a:shade val="50000"/>
-            </a:schemeClr>
-          </a:lnRef>
-          <a:fillRef idx="1">
-            <a:schemeClr val="accent1"/>
-          </a:fillRef>
-          <a:effectRef idx="0">
-            <a:schemeClr val="accent1"/>
-          </a:effectRef>
-          <a:fontRef idx="minor">
-            <a:schemeClr val="lt1"/>
-          </a:fontRef>
-        </p:style>
-        <p:txBody>
-          <a:bodyPr rtlCol="0" anchor="ctr"/>
-          <a:lstStyle/>
-          <a:p>
-            <a:r>
-              <a:rPr lang="en-US" sz="1200" dirty="0">
-                <a:solidFill>
-                  <a:schemeClr val="tx1"/>
-                </a:solidFill>
-              </a:rPr>
-              <a:t>On the right, you select the source of the changes. Usually, this is your fork and a branch in your fork.</a:t>
-            </a:r>
+          <p:cNvPr id="4" name="Slide Number Placeholder 3"/>
+          <p:cNvSpPr>
+            <a:spLocks noGrp="1"/>
+          </p:cNvSpPr>
+          <p:nvPr>
+            <p:ph type="sldNum" sz="quarter" idx="12"/>
+          </p:nvPr>
+        </p:nvSpPr>
+        <p:spPr/>
+        <p:txBody>
+          <a:bodyPr/>
+          <a:lstStyle/>
+          <a:p>
+            <a:fld id="{17894036-FA33-48B5-BBDE-1535D6213033}" type="slidenum">
+              <a:rPr lang="en-US" smtClean="0"/>
+              <a:t>12</a:t>
+            </a:fld>
+            <a:endParaRPr lang="en-US"/>
           </a:p>
         </p:txBody>
       </p:sp>
     </p:spTree>
     <p:extLst>
       <p:ext uri="{BB962C8B-B14F-4D97-AF65-F5344CB8AC3E}">
-        <p14:creationId xmlns:p14="http://schemas.microsoft.com/office/powerpoint/2010/main" val="175369041"/>
-      </p:ext>
-    </p:extLst>
-  </p:cSld>
-  <p:clrMapOvr>
-    <a:masterClrMapping/>
-  </p:clrMapOvr>
-</p:sld>
-</file>
-
-<file path=ppt/slides/slide11.xml><?xml version="1.0" encoding="utf-8"?>
-<p:sld xmlns:a="http://schemas.openxmlformats.org/drawingml/2006/main" xmlns:r="http://schemas.openxmlformats.org/officeDocument/2006/relationships" xmlns:p="http://schemas.openxmlformats.org/presentationml/2006/main">
-  <p:cSld>
-    <p:spTree>
-      <p:nvGrpSpPr>
-        <p:cNvPr id="1" name=""/>
-        <p:cNvGrpSpPr/>
-        <p:nvPr/>
-      </p:nvGrpSpPr>
-      <p:grpSpPr>
-        <a:xfrm>
-          <a:off x="0" y="0"/>
-          <a:ext cx="0" cy="0"/>
-          <a:chOff x="0" y="0"/>
-          <a:chExt cx="0" cy="0"/>
-        </a:xfrm>
-      </p:grpSpPr>
-      <p:sp>
-        <p:nvSpPr>
-          <p:cNvPr id="2" name="Title 1"/>
-          <p:cNvSpPr>
-            <a:spLocks noGrp="1"/>
-          </p:cNvSpPr>
-          <p:nvPr>
-            <p:ph type="title"/>
-          </p:nvPr>
-        </p:nvSpPr>
-        <p:spPr/>
-        <p:txBody>
-          <a:bodyPr/>
-          <a:lstStyle/>
-          <a:p>
-            <a:r>
-              <a:rPr lang="en-US" dirty="0"/>
-              <a:t>Publishing</a:t>
-            </a:r>
-          </a:p>
-        </p:txBody>
-      </p:sp>
-      <p:sp>
-        <p:nvSpPr>
-          <p:cNvPr id="3" name="Content Placeholder 2"/>
-          <p:cNvSpPr>
-            <a:spLocks noGrp="1"/>
-          </p:cNvSpPr>
-          <p:nvPr>
-            <p:ph idx="1"/>
-          </p:nvPr>
-        </p:nvSpPr>
-        <p:spPr>
-          <a:xfrm>
-            <a:off x="838200" y="1825625"/>
-            <a:ext cx="7160491" cy="4351338"/>
-          </a:xfrm>
-        </p:spPr>
-        <p:txBody>
-          <a:bodyPr>
-            <a:normAutofit/>
-          </a:bodyPr>
-          <a:lstStyle/>
-          <a:p>
-            <a:r>
-              <a:rPr lang="en-US" dirty="0"/>
-              <a:t>Any content present in the </a:t>
-            </a:r>
-            <a:r>
-              <a:rPr lang="en-US" b="1" dirty="0"/>
-              <a:t>master</a:t>
-            </a:r>
-            <a:r>
-              <a:rPr lang="en-US" dirty="0"/>
-              <a:t> branch of </a:t>
-            </a:r>
-            <a:r>
-              <a:rPr lang="en-US" b="1" dirty="0" smtClean="0"/>
-              <a:t>a private repo</a:t>
-            </a:r>
-            <a:r>
-              <a:rPr lang="en-US" dirty="0" smtClean="0"/>
-              <a:t> </a:t>
-            </a:r>
-            <a:r>
-              <a:rPr lang="en-US" dirty="0"/>
-              <a:t>is published live at 10 AM and 3 PM Monday - Friday.</a:t>
-            </a:r>
-            <a:br>
-              <a:rPr lang="en-US" dirty="0"/>
-            </a:br>
-            <a:endParaRPr lang="en-US" dirty="0"/>
-          </a:p>
-          <a:p>
-            <a:pPr marL="0" indent="0">
-              <a:buNone/>
-            </a:pPr>
-            <a:r>
-              <a:rPr lang="en-US" u="sng" dirty="0"/>
-              <a:t/>
-            </a:r>
-            <a:br>
-              <a:rPr lang="en-US" u="sng" dirty="0"/>
-            </a:br>
-            <a:endParaRPr lang="en-US" dirty="0"/>
-          </a:p>
-          <a:p>
-            <a:r>
-              <a:rPr lang="en-US" dirty="0"/>
-              <a:t>Pull requests have to be accepted before the content can be published. </a:t>
-            </a:r>
-            <a:br>
-              <a:rPr lang="en-US" dirty="0"/>
-            </a:br>
-            <a:endParaRPr lang="en-US" dirty="0"/>
-          </a:p>
-        </p:txBody>
-      </p:sp>
-      <p:sp>
-        <p:nvSpPr>
-          <p:cNvPr id="5" name="Slide Number Placeholder 4"/>
-          <p:cNvSpPr>
-            <a:spLocks noGrp="1"/>
-          </p:cNvSpPr>
-          <p:nvPr>
-            <p:ph type="sldNum" sz="quarter" idx="12"/>
-          </p:nvPr>
-        </p:nvSpPr>
-        <p:spPr/>
-        <p:txBody>
-          <a:bodyPr/>
-          <a:lstStyle/>
-          <a:p>
-            <a:fld id="{17894036-FA33-48B5-BBDE-1535D6213033}" type="slidenum">
-              <a:rPr lang="en-US" smtClean="0"/>
-              <a:t>11</a:t>
-            </a:fld>
-            <a:endParaRPr lang="en-US"/>
-          </a:p>
-        </p:txBody>
-      </p:sp>
-    </p:spTree>
-    <p:extLst>
-      <p:ext uri="{BB962C8B-B14F-4D97-AF65-F5344CB8AC3E}">
-        <p14:creationId xmlns:p14="http://schemas.microsoft.com/office/powerpoint/2010/main" val="3383347230"/>
-      </p:ext>
-    </p:extLst>
-  </p:cSld>
-  <p:clrMapOvr>
-    <a:masterClrMapping/>
-  </p:clrMapOvr>
-</p:sld>
-</file>
-
-<file path=ppt/slides/slide12.xml><?xml version="1.0" encoding="utf-8"?>
-<p:sld xmlns:a="http://schemas.openxmlformats.org/drawingml/2006/main" xmlns:r="http://schemas.openxmlformats.org/officeDocument/2006/relationships" xmlns:p="http://schemas.openxmlformats.org/presentationml/2006/main">
-  <p:cSld>
-    <p:spTree>
-      <p:nvGrpSpPr>
-        <p:cNvPr id="1" name=""/>
-        <p:cNvGrpSpPr/>
-        <p:nvPr/>
-      </p:nvGrpSpPr>
-      <p:grpSpPr>
-        <a:xfrm>
-          <a:off x="0" y="0"/>
-          <a:ext cx="0" cy="0"/>
-          <a:chOff x="0" y="0"/>
-          <a:chExt cx="0" cy="0"/>
-        </a:xfrm>
-      </p:grpSpPr>
-      <p:sp>
-        <p:nvSpPr>
-          <p:cNvPr id="2" name="Title 1"/>
-          <p:cNvSpPr>
-            <a:spLocks noGrp="1"/>
-          </p:cNvSpPr>
-          <p:nvPr>
-            <p:ph type="title"/>
-          </p:nvPr>
-        </p:nvSpPr>
-        <p:spPr/>
-        <p:txBody>
-          <a:bodyPr/>
-          <a:lstStyle/>
-          <a:p>
-            <a:r>
-              <a:rPr lang="en-US" dirty="0"/>
-              <a:t>Check your pull requests in GitHub</a:t>
-            </a:r>
-          </a:p>
-        </p:txBody>
-      </p:sp>
-      <p:sp>
-        <p:nvSpPr>
-          <p:cNvPr id="3" name="Content Placeholder 2"/>
-          <p:cNvSpPr>
-            <a:spLocks noGrp="1"/>
-          </p:cNvSpPr>
-          <p:nvPr>
-            <p:ph idx="1"/>
-          </p:nvPr>
-        </p:nvSpPr>
-        <p:spPr>
-          <a:xfrm>
-            <a:off x="838200" y="1542473"/>
-            <a:ext cx="3587496" cy="5041850"/>
-          </a:xfrm>
-        </p:spPr>
-        <p:txBody>
-          <a:bodyPr>
-            <a:normAutofit/>
-          </a:bodyPr>
-          <a:lstStyle/>
-          <a:p>
-            <a:pPr>
-              <a:lnSpc>
-                <a:spcPct val="110000"/>
-              </a:lnSpc>
-            </a:pPr>
-            <a:r>
-              <a:rPr lang="en-US" sz="1600" dirty="0"/>
-              <a:t>Content loss can occur in our repo if correct processes are not followed.</a:t>
-            </a:r>
-          </a:p>
-          <a:p>
-            <a:pPr>
-              <a:lnSpc>
-                <a:spcPct val="110000"/>
-              </a:lnSpc>
-            </a:pPr>
-            <a:r>
-              <a:rPr lang="en-US" sz="1600" dirty="0"/>
-              <a:t>Review your pull requests CAREFULLY when you submit them.</a:t>
-            </a:r>
-          </a:p>
-          <a:p>
-            <a:pPr>
-              <a:lnSpc>
-                <a:spcPct val="110000"/>
-              </a:lnSpc>
-            </a:pPr>
-            <a:r>
-              <a:rPr lang="en-US" sz="1600" dirty="0"/>
-              <a:t>If there are unexpected files listed, </a:t>
-            </a:r>
-            <a:r>
-              <a:rPr lang="en-US" sz="1600" b="1" dirty="0">
-                <a:solidFill>
-                  <a:srgbClr val="FF0000"/>
-                </a:solidFill>
-              </a:rPr>
-              <a:t>cancel</a:t>
-            </a:r>
-            <a:r>
-              <a:rPr lang="en-US" sz="1600" dirty="0"/>
-              <a:t> the pull request and troubleshoot.</a:t>
-            </a:r>
-          </a:p>
-          <a:p>
-            <a:pPr>
-              <a:lnSpc>
-                <a:spcPct val="110000"/>
-              </a:lnSpc>
-            </a:pPr>
-            <a:r>
-              <a:rPr lang="en-US" sz="1600" dirty="0"/>
-              <a:t>Ask a peer to review your pull request prior to official review by a pull request reviewer.</a:t>
-            </a:r>
-          </a:p>
-          <a:p>
-            <a:pPr>
-              <a:lnSpc>
-                <a:spcPct val="110000"/>
-              </a:lnSpc>
-            </a:pPr>
-            <a:r>
-              <a:rPr lang="en-US" sz="1600" dirty="0"/>
-              <a:t>Resolve all validation issues called out by the validation bot.</a:t>
-            </a:r>
-            <a:br>
-              <a:rPr lang="en-US" sz="1600" dirty="0"/>
-            </a:br>
-            <a:endParaRPr lang="en-US" sz="1600" dirty="0"/>
-          </a:p>
-          <a:p>
-            <a:pPr>
-              <a:lnSpc>
-                <a:spcPct val="110000"/>
-              </a:lnSpc>
-            </a:pPr>
-            <a:r>
-              <a:rPr lang="en-US" sz="1600" dirty="0"/>
-              <a:t>Check comments for feedback on your pull requests.</a:t>
-            </a:r>
-          </a:p>
-        </p:txBody>
-      </p:sp>
-      <p:sp>
-        <p:nvSpPr>
-          <p:cNvPr id="4" name="TextBox 3"/>
-          <p:cNvSpPr txBox="1"/>
-          <p:nvPr/>
-        </p:nvSpPr>
-        <p:spPr>
-          <a:xfrm>
-            <a:off x="4727447" y="1449431"/>
-            <a:ext cx="6549725" cy="646331"/>
-          </a:xfrm>
-          <a:prstGeom prst="rect">
-            <a:avLst/>
-          </a:prstGeom>
-          <a:noFill/>
-        </p:spPr>
-        <p:txBody>
-          <a:bodyPr wrap="square" rtlCol="0">
-            <a:spAutoFit/>
-          </a:bodyPr>
-          <a:lstStyle/>
-          <a:p>
-            <a:r>
-              <a:rPr lang="en-US" b="1" dirty="0"/>
-              <a:t>What are you supposed to look for? </a:t>
-            </a:r>
-            <a:br>
-              <a:rPr lang="en-US" b="1" dirty="0"/>
-            </a:br>
-            <a:r>
-              <a:rPr lang="en-US" dirty="0"/>
-              <a:t>Files that are in the change list that you did not intend to change.</a:t>
-            </a:r>
-          </a:p>
-        </p:txBody>
-      </p:sp>
-      <p:pic>
-        <p:nvPicPr>
-          <p:cNvPr id="1026" name="Picture 2" descr="cid:image002.png@01D04773.214B0480"/>
-          <p:cNvPicPr>
-            <a:picLocks noChangeAspect="1" noChangeArrowheads="1"/>
-          </p:cNvPicPr>
-          <p:nvPr/>
-        </p:nvPicPr>
-        <p:blipFill>
-          <a:blip r:embed="rId2">
-            <a:extLst>
-              <a:ext uri="{28A0092B-C50C-407E-A947-70E740481C1C}">
-                <a14:useLocalDpi xmlns:a14="http://schemas.microsoft.com/office/drawing/2010/main" val="0"/>
-              </a:ext>
-            </a:extLst>
-          </a:blip>
-          <a:srcRect/>
-          <a:stretch>
-            <a:fillRect/>
-          </a:stretch>
-        </p:blipFill>
-        <p:spPr bwMode="auto">
-          <a:xfrm>
-            <a:off x="4715683" y="2242066"/>
-            <a:ext cx="6735226" cy="4342257"/>
-          </a:xfrm>
-          <a:prstGeom prst="rect">
-            <a:avLst/>
-          </a:prstGeom>
-          <a:noFill/>
-          <a:ln w="9525">
-            <a:solidFill>
-              <a:srgbClr val="000000"/>
-            </a:solidFill>
-            <a:miter lim="800000"/>
-            <a:headEnd/>
-            <a:tailEnd/>
-          </a:ln>
-          <a:extLst>
-            <a:ext uri="{909E8E84-426E-40DD-AFC4-6F175D3DCCD1}">
-              <a14:hiddenFill xmlns:a14="http://schemas.microsoft.com/office/drawing/2010/main">
-                <a:solidFill>
-                  <a:srgbClr val="FFFFFF"/>
-                </a:solidFill>
-              </a14:hiddenFill>
-            </a:ext>
-          </a:extLst>
-        </p:spPr>
-      </p:pic>
-      <p:pic>
-        <p:nvPicPr>
-          <p:cNvPr id="7" name="Picture 4" descr="http://upload.wikimedia.org/wikipedia/commons/thumb/e/e7/South_Africa_-_General_Warning_sign_(temporary).svg/563px-South_Africa_-_General_Warning_sign_(temporary).svg.png"/>
-          <p:cNvPicPr>
-            <a:picLocks noChangeAspect="1" noChangeArrowheads="1"/>
-          </p:cNvPicPr>
-          <p:nvPr/>
-        </p:nvPicPr>
-        <p:blipFill>
-          <a:blip r:embed="rId3" cstate="print">
-            <a:extLst>
-              <a:ext uri="{28A0092B-C50C-407E-A947-70E740481C1C}">
-                <a14:useLocalDpi xmlns:a14="http://schemas.microsoft.com/office/drawing/2010/main" val="0"/>
-              </a:ext>
-            </a:extLst>
-          </a:blip>
-          <a:srcRect/>
-          <a:stretch>
-            <a:fillRect/>
-          </a:stretch>
-        </p:blipFill>
-        <p:spPr bwMode="auto">
-          <a:xfrm>
-            <a:off x="10315331" y="600346"/>
-            <a:ext cx="961841" cy="849085"/>
-          </a:xfrm>
-          <a:prstGeom prst="rect">
-            <a:avLst/>
-          </a:prstGeom>
-          <a:noFill/>
-          <a:extLst>
-            <a:ext uri="{909E8E84-426E-40DD-AFC4-6F175D3DCCD1}">
-              <a14:hiddenFill xmlns:a14="http://schemas.microsoft.com/office/drawing/2010/main">
-                <a:solidFill>
-                  <a:srgbClr val="FFFFFF"/>
-                </a:solidFill>
-              </a14:hiddenFill>
-            </a:ext>
-          </a:extLst>
-        </p:spPr>
-      </p:pic>
-    </p:spTree>
-    <p:extLst>
-      <p:ext uri="{BB962C8B-B14F-4D97-AF65-F5344CB8AC3E}">
-        <p14:creationId xmlns:p14="http://schemas.microsoft.com/office/powerpoint/2010/main" val="2214597092"/>
+        <p14:creationId xmlns:p14="http://schemas.microsoft.com/office/powerpoint/2010/main" val="1285417630"/>
       </p:ext>
     </p:extLst>
   </p:cSld>
@@ -7093,318 +7130,270 @@
         </p:nvSpPr>
         <p:spPr>
           <a:xfrm>
-            <a:off x="732065" y="130629"/>
-            <a:ext cx="10515600" cy="661308"/>
+            <a:off x="637309" y="365125"/>
+            <a:ext cx="10889673" cy="1325563"/>
           </a:xfrm>
         </p:spPr>
         <p:txBody>
           <a:bodyPr>
-            <a:normAutofit fontScale="90000"/>
+            <a:normAutofit/>
           </a:bodyPr>
           <a:lstStyle/>
           <a:p>
             <a:r>
+              <a:rPr lang="en-US" sz="4000" dirty="0"/>
+              <a:t>Understand what you’re getting into</a:t>
+            </a:r>
+            <a:endParaRPr lang="en-US" dirty="0"/>
+          </a:p>
+        </p:txBody>
+      </p:sp>
+      <p:sp>
+        <p:nvSpPr>
+          <p:cNvPr id="3" name="Content Placeholder 2"/>
+          <p:cNvSpPr>
+            <a:spLocks noGrp="1"/>
+          </p:cNvSpPr>
+          <p:nvPr>
+            <p:ph idx="1"/>
+          </p:nvPr>
+        </p:nvSpPr>
+        <p:spPr>
+          <a:xfrm>
+            <a:off x="838199" y="1717964"/>
+            <a:ext cx="5682673" cy="4458998"/>
+          </a:xfrm>
+        </p:spPr>
+        <p:txBody>
+          <a:bodyPr>
+            <a:normAutofit fontScale="92500" lnSpcReduction="20000"/>
+          </a:bodyPr>
+          <a:lstStyle/>
+          <a:p>
+            <a:r>
               <a:rPr lang="en-US" dirty="0"/>
-              <a:t>Creating and editing articles</a:t>
-            </a:r>
-          </a:p>
-        </p:txBody>
-      </p:sp>
-      <p:sp>
-        <p:nvSpPr>
-          <p:cNvPr id="3" name="Content Placeholder 2"/>
-          <p:cNvSpPr>
-            <a:spLocks noGrp="1"/>
-          </p:cNvSpPr>
-          <p:nvPr>
-            <p:ph idx="1"/>
-          </p:nvPr>
+              <a:t>When you publish an article, it’s like having a child – you are committing to a long term effort around the article.</a:t>
+            </a:r>
+            <a:br>
+              <a:rPr lang="en-US" dirty="0"/>
+            </a:br>
+            <a:endParaRPr lang="en-US" dirty="0"/>
+          </a:p>
+          <a:p>
+            <a:r>
+              <a:rPr lang="en-US" dirty="0"/>
+              <a:t>You’ll review and update articles every 3 months to ensure they are fresh.</a:t>
+            </a:r>
+            <a:br>
+              <a:rPr lang="en-US" dirty="0"/>
+            </a:br>
+            <a:endParaRPr lang="en-US" dirty="0"/>
+          </a:p>
+          <a:p>
+            <a:r>
+              <a:rPr lang="en-US" dirty="0"/>
+              <a:t>You’ll monitor and respond to </a:t>
+            </a:r>
+            <a:r>
+              <a:rPr lang="en-US" dirty="0" err="1" smtClean="0"/>
+              <a:t>LiveFyre</a:t>
+            </a:r>
+            <a:r>
+              <a:rPr lang="en-US" dirty="0" smtClean="0"/>
+              <a:t> </a:t>
+            </a:r>
+            <a:r>
+              <a:rPr lang="en-US" dirty="0"/>
+              <a:t>comments on articles.</a:t>
+            </a:r>
+            <a:br>
+              <a:rPr lang="en-US" dirty="0"/>
+            </a:br>
+            <a:endParaRPr lang="en-US" dirty="0"/>
+          </a:p>
+          <a:p>
+            <a:r>
+              <a:rPr lang="en-US" dirty="0"/>
+              <a:t>You’ll review customer feedback submitted through the site and make improvements to address the feedback.</a:t>
+            </a:r>
+          </a:p>
+        </p:txBody>
+      </p:sp>
+      <p:sp>
+        <p:nvSpPr>
+          <p:cNvPr id="4" name="Slide Number Placeholder 3"/>
+          <p:cNvSpPr>
+            <a:spLocks noGrp="1"/>
+          </p:cNvSpPr>
+          <p:nvPr>
+            <p:ph type="sldNum" sz="quarter" idx="12"/>
+          </p:nvPr>
+        </p:nvSpPr>
+        <p:spPr/>
+        <p:txBody>
+          <a:bodyPr/>
+          <a:lstStyle/>
+          <a:p>
+            <a:fld id="{17894036-FA33-48B5-BBDE-1535D6213033}" type="slidenum">
+              <a:rPr lang="en-US" smtClean="0"/>
+              <a:t>13</a:t>
+            </a:fld>
+            <a:endParaRPr lang="en-US"/>
+          </a:p>
+        </p:txBody>
+      </p:sp>
+      <p:sp>
+        <p:nvSpPr>
+          <p:cNvPr id="5" name="TextBox 4"/>
+          <p:cNvSpPr txBox="1"/>
+          <p:nvPr/>
         </p:nvSpPr>
         <p:spPr>
           <a:xfrm>
-            <a:off x="81642" y="791937"/>
-            <a:ext cx="6163710" cy="5900732"/>
-          </a:xfrm>
-        </p:spPr>
-        <p:txBody>
-          <a:bodyPr>
-            <a:noAutofit/>
-          </a:bodyPr>
-          <a:lstStyle/>
-          <a:p>
-            <a:r>
-              <a:rPr lang="en-US" sz="1600" dirty="0"/>
-              <a:t>We use Markdown to format content.</a:t>
-            </a:r>
-            <a:br>
-              <a:rPr lang="en-US" sz="1600" dirty="0"/>
-            </a:br>
-            <a:r>
-              <a:rPr lang="en-US" sz="1600" dirty="0"/>
-              <a:t/>
-            </a:r>
-            <a:br>
-              <a:rPr lang="en-US" sz="1600" dirty="0"/>
-            </a:br>
-            <a:r>
-              <a:rPr lang="en-US" sz="1600" dirty="0"/>
-              <a:t/>
-            </a:r>
-            <a:br>
-              <a:rPr lang="en-US" sz="1600" dirty="0"/>
-            </a:br>
-            <a:r>
-              <a:rPr lang="en-US" sz="1600" dirty="0"/>
-              <a:t/>
-            </a:r>
-            <a:br>
-              <a:rPr lang="en-US" sz="1600" dirty="0"/>
-            </a:br>
-            <a:r>
-              <a:rPr lang="en-US" sz="1600" dirty="0"/>
-              <a:t/>
-            </a:r>
-            <a:br>
-              <a:rPr lang="en-US" sz="1600" dirty="0"/>
-            </a:br>
-            <a:r>
-              <a:rPr lang="en-US" sz="1600" dirty="0"/>
-              <a:t/>
-            </a:r>
-            <a:br>
-              <a:rPr lang="en-US" sz="1600" dirty="0"/>
-            </a:br>
-            <a:endParaRPr lang="en-US" sz="1600" dirty="0"/>
-          </a:p>
-          <a:p>
-            <a:r>
-              <a:rPr lang="en-US" sz="1600" dirty="0"/>
-              <a:t>We use GitHub flavored markdown.</a:t>
-            </a:r>
-          </a:p>
-          <a:p>
-            <a:r>
-              <a:rPr lang="en-US" sz="1600" dirty="0" smtClean="0"/>
-              <a:t>You can use whatever editor you prefer (we recommend ATOM)</a:t>
-            </a:r>
-            <a:endParaRPr lang="en-US" sz="1600" dirty="0"/>
-          </a:p>
-          <a:p>
-            <a:r>
-              <a:rPr lang="en-US" sz="1600" dirty="0"/>
-              <a:t>You can create new articles directly in Windows Explorer,  Atom, or at the command line.</a:t>
-            </a:r>
-          </a:p>
-          <a:p>
-            <a:r>
-              <a:rPr lang="en-US" sz="1600" dirty="0"/>
-              <a:t>We have </a:t>
-            </a:r>
-            <a:r>
-              <a:rPr lang="en-US" sz="1600" dirty="0">
-                <a:hlinkClick r:id="rId2"/>
-              </a:rPr>
-              <a:t>a template article</a:t>
-            </a:r>
-            <a:r>
-              <a:rPr lang="en-US" sz="1600" dirty="0">
-                <a:hlinkClick r:id="rId3"/>
-              </a:rPr>
-              <a:t> </a:t>
-            </a:r>
-            <a:r>
-              <a:rPr lang="en-US" sz="1600" dirty="0"/>
-              <a:t>with common formatting so you can learn markdown by using it.</a:t>
-            </a:r>
-          </a:p>
-          <a:p>
-            <a:r>
-              <a:rPr lang="en-US" sz="1600" dirty="0"/>
-              <a:t>Special things like notes, videos, and other elements are enabled by extensions. </a:t>
-            </a:r>
-            <a:r>
-              <a:rPr lang="en-US" sz="1600" dirty="0" smtClean="0"/>
-              <a:t>See </a:t>
-            </a:r>
-            <a:r>
-              <a:rPr lang="en-US" sz="1600" dirty="0">
-                <a:hlinkClick r:id="rId2"/>
-              </a:rPr>
-              <a:t>a template article</a:t>
-            </a:r>
-            <a:r>
-              <a:rPr lang="en-US" sz="1600" dirty="0">
-                <a:hlinkClick r:id="rId3"/>
-              </a:rPr>
-              <a:t> </a:t>
-            </a:r>
-            <a:r>
-              <a:rPr lang="en-US" sz="1600" dirty="0" smtClean="0"/>
-              <a:t>for syntax.</a:t>
-            </a:r>
-            <a:endParaRPr lang="en-US" sz="1600" dirty="0" smtClean="0"/>
-          </a:p>
-          <a:p>
-            <a:r>
-              <a:rPr lang="en-US" sz="1600" dirty="0" smtClean="0"/>
-              <a:t>To </a:t>
-            </a:r>
-            <a:r>
-              <a:rPr lang="en-US" sz="1600" dirty="0"/>
-              <a:t>add images, you must create a folder in the “media” folder for each article, and then put your images in that folder. The folder name must be identical to the topic name. Each topic must have it’s own image folder – do not share images across topics.</a:t>
-            </a:r>
-          </a:p>
-          <a:p>
-            <a:r>
-              <a:rPr lang="en-US" sz="1600" dirty="0"/>
-              <a:t>More info – </a:t>
-            </a:r>
-            <a:r>
-              <a:rPr lang="en-US" sz="1600" dirty="0">
-                <a:hlinkClick r:id="rId4"/>
-              </a:rPr>
-              <a:t>see the contributors guide</a:t>
-            </a:r>
-            <a:r>
-              <a:rPr lang="en-US" sz="1600" dirty="0"/>
-              <a:t>.</a:t>
-            </a:r>
-          </a:p>
-          <a:p>
-            <a:endParaRPr lang="en-US" sz="1600" dirty="0"/>
-          </a:p>
-        </p:txBody>
-      </p:sp>
-      <p:pic>
-        <p:nvPicPr>
-          <p:cNvPr id="8194" name="Picture 2"/>
-          <p:cNvPicPr>
-            <a:picLocks noChangeAspect="1" noChangeArrowheads="1"/>
-          </p:cNvPicPr>
-          <p:nvPr/>
-        </p:nvPicPr>
-        <p:blipFill>
-          <a:blip r:embed="rId5">
-            <a:extLst>
-              <a:ext uri="{28A0092B-C50C-407E-A947-70E740481C1C}">
-                <a14:useLocalDpi xmlns:a14="http://schemas.microsoft.com/office/drawing/2010/main" val="0"/>
-              </a:ext>
-            </a:extLst>
-          </a:blip>
-          <a:srcRect/>
-          <a:stretch>
-            <a:fillRect/>
-          </a:stretch>
-        </p:blipFill>
-        <p:spPr bwMode="auto">
-          <a:xfrm>
-            <a:off x="403861" y="1198483"/>
-            <a:ext cx="4751613" cy="1137354"/>
+            <a:off x="7379854" y="2179768"/>
+            <a:ext cx="3611419" cy="369332"/>
           </a:xfrm>
           <a:prstGeom prst="rect">
             <a:avLst/>
           </a:prstGeom>
           <a:noFill/>
-          <a:ln w="9525">
-            <a:solidFill>
-              <a:schemeClr val="tx1"/>
-            </a:solidFill>
-            <a:miter lim="800000"/>
-            <a:headEnd/>
-            <a:tailEnd/>
-          </a:ln>
-          <a:extLst>
-            <a:ext uri="{909E8E84-426E-40DD-AFC4-6F175D3DCCD1}">
-              <a14:hiddenFill xmlns:a14="http://schemas.microsoft.com/office/drawing/2010/main">
-                <a:solidFill>
-                  <a:schemeClr val="accent1"/>
-                </a:solidFill>
-              </a14:hiddenFill>
-            </a:ext>
-          </a:extLst>
-        </p:spPr>
-      </p:pic>
-      <p:pic>
-        <p:nvPicPr>
-          <p:cNvPr id="8195" name="Picture 3"/>
-          <p:cNvPicPr>
-            <a:picLocks noChangeAspect="1" noChangeArrowheads="1"/>
-          </p:cNvPicPr>
+        </p:spPr>
+        <p:txBody>
+          <a:bodyPr wrap="square" rtlCol="0">
+            <a:spAutoFit/>
+          </a:bodyPr>
+          <a:lstStyle/>
+          <a:p>
+            <a:r>
+              <a:rPr lang="en-US" b="1" dirty="0"/>
+              <a:t>Content Freshness KPI</a:t>
+            </a:r>
+          </a:p>
+        </p:txBody>
+      </p:sp>
+      <p:sp>
+        <p:nvSpPr>
+          <p:cNvPr id="6" name="TextBox 5"/>
+          <p:cNvSpPr txBox="1"/>
           <p:nvPr/>
-        </p:nvPicPr>
-        <p:blipFill>
-          <a:blip r:embed="rId6">
-            <a:extLst>
-              <a:ext uri="{28A0092B-C50C-407E-A947-70E740481C1C}">
-                <a14:useLocalDpi xmlns:a14="http://schemas.microsoft.com/office/drawing/2010/main" val="0"/>
-              </a:ext>
-            </a:extLst>
-          </a:blip>
-          <a:srcRect/>
-          <a:stretch>
-            <a:fillRect/>
-          </a:stretch>
-        </p:blipFill>
-        <p:spPr bwMode="auto">
-          <a:xfrm>
-            <a:off x="6362688" y="1107043"/>
-            <a:ext cx="5737899" cy="4966417"/>
+        </p:nvSpPr>
+        <p:spPr>
+          <a:xfrm>
+            <a:off x="7379854" y="2770955"/>
+            <a:ext cx="3611418" cy="1477328"/>
           </a:xfrm>
           <a:prstGeom prst="rect">
             <a:avLst/>
           </a:prstGeom>
           <a:noFill/>
           <a:ln>
-            <a:noFill/>
+            <a:solidFill>
+              <a:schemeClr val="bg1">
+                <a:lumMod val="85000"/>
+              </a:schemeClr>
+            </a:solidFill>
           </a:ln>
-          <a:extLst>
-            <a:ext uri="{909E8E84-426E-40DD-AFC4-6F175D3DCCD1}">
-              <a14:hiddenFill xmlns:a14="http://schemas.microsoft.com/office/drawing/2010/main">
+        </p:spPr>
+        <p:txBody>
+          <a:bodyPr wrap="square" rtlCol="0">
+            <a:spAutoFit/>
+          </a:bodyPr>
+          <a:lstStyle/>
+          <a:p>
+            <a:r>
+              <a:rPr lang="en-US" dirty="0">
                 <a:solidFill>
-                  <a:schemeClr val="accent1"/>
+                  <a:srgbClr val="00B050"/>
                 </a:solidFill>
-              </a14:hiddenFill>
-            </a:ext>
-            <a:ext uri="{91240B29-F687-4F45-9708-019B960494DF}">
-              <a14:hiddenLine xmlns:a14="http://schemas.microsoft.com/office/drawing/2010/main" w="9525">
+                <a:sym typeface="Wingdings"/>
+              </a:rPr>
+              <a:t></a:t>
+            </a:r>
+            <a:r>
+              <a:rPr lang="en-US" dirty="0">
+                <a:sym typeface="Wingdings"/>
+              </a:rPr>
+              <a:t> </a:t>
+            </a:r>
+            <a:r>
+              <a:rPr lang="en-US" dirty="0"/>
+              <a:t>Most Fresh (0-60 days)</a:t>
+            </a:r>
+          </a:p>
+          <a:p>
+            <a:r>
+              <a:rPr lang="en-US" dirty="0">
                 <a:solidFill>
-                  <a:schemeClr val="tx1"/>
+                  <a:srgbClr val="FFC000"/>
                 </a:solidFill>
-                <a:miter lim="800000"/>
-                <a:headEnd/>
-                <a:tailEnd/>
-              </a14:hiddenLine>
-            </a:ext>
-          </a:extLst>
-        </p:spPr>
-      </p:pic>
-      <p:sp>
-        <p:nvSpPr>
-          <p:cNvPr id="4" name="Slide Number Placeholder 3"/>
-          <p:cNvSpPr>
-            <a:spLocks noGrp="1"/>
-          </p:cNvSpPr>
-          <p:nvPr>
-            <p:ph type="sldNum" sz="quarter" idx="12"/>
-          </p:nvPr>
-        </p:nvSpPr>
-        <p:spPr/>
-        <p:txBody>
-          <a:bodyPr/>
-          <a:lstStyle/>
-          <a:p>
-            <a:fld id="{17894036-FA33-48B5-BBDE-1535D6213033}" type="slidenum">
-              <a:rPr lang="en-US" smtClean="0"/>
-              <a:t>13</a:t>
-            </a:fld>
-            <a:endParaRPr lang="en-US"/>
+                <a:sym typeface="Wingdings"/>
+              </a:rPr>
+              <a:t></a:t>
+            </a:r>
+            <a:r>
+              <a:rPr lang="en-US" dirty="0">
+                <a:sym typeface="Wingdings"/>
+              </a:rPr>
+              <a:t> </a:t>
+            </a:r>
+            <a:r>
+              <a:rPr lang="en-US" dirty="0"/>
+              <a:t>Fresh (61-90 days)</a:t>
+            </a:r>
+          </a:p>
+          <a:p>
+            <a:r>
+              <a:rPr lang="en-US" dirty="0">
+                <a:solidFill>
+                  <a:srgbClr val="FF0000"/>
+                </a:solidFill>
+                <a:sym typeface="Wingdings"/>
+              </a:rPr>
+              <a:t></a:t>
+            </a:r>
+            <a:r>
+              <a:rPr lang="en-US" dirty="0">
+                <a:sym typeface="Wingdings"/>
+              </a:rPr>
+              <a:t> </a:t>
+            </a:r>
+            <a:r>
+              <a:rPr lang="en-US" dirty="0"/>
+              <a:t>Stale (91-120 days)</a:t>
+            </a:r>
+          </a:p>
+          <a:p>
+            <a:r>
+              <a:rPr lang="en-US" dirty="0">
+                <a:solidFill>
+                  <a:schemeClr val="bg1">
+                    <a:lumMod val="50000"/>
+                  </a:schemeClr>
+                </a:solidFill>
+                <a:sym typeface="Wingdings"/>
+              </a:rPr>
+              <a:t></a:t>
+            </a:r>
+            <a:r>
+              <a:rPr lang="en-US" dirty="0">
+                <a:sym typeface="Wingdings"/>
+              </a:rPr>
+              <a:t> </a:t>
+            </a:r>
+            <a:r>
+              <a:rPr lang="en-US" dirty="0"/>
+              <a:t>Abandoned (121 days +)</a:t>
+            </a:r>
+          </a:p>
+          <a:p>
+            <a:endParaRPr lang="en-US" dirty="0"/>
           </a:p>
         </p:txBody>
       </p:sp>
     </p:spTree>
     <p:extLst>
       <p:ext uri="{BB962C8B-B14F-4D97-AF65-F5344CB8AC3E}">
-        <p14:creationId xmlns:p14="http://schemas.microsoft.com/office/powerpoint/2010/main" val="1285417630"/>
+        <p14:creationId xmlns:p14="http://schemas.microsoft.com/office/powerpoint/2010/main" val="3879570229"/>
       </p:ext>
     </p:extLst>
   </p:cSld>
@@ -7441,51 +7430,51 @@
             <p:ph type="title"/>
           </p:nvPr>
         </p:nvSpPr>
-        <p:spPr>
-          <a:xfrm>
-            <a:off x="637309" y="365125"/>
-            <a:ext cx="10889673" cy="1325563"/>
-          </a:xfrm>
-        </p:spPr>
+        <p:spPr/>
+        <p:txBody>
+          <a:bodyPr/>
+          <a:lstStyle/>
+          <a:p>
+            <a:r>
+              <a:rPr lang="en-US" dirty="0"/>
+              <a:t>Next steps</a:t>
+            </a:r>
+          </a:p>
+        </p:txBody>
+      </p:sp>
+      <p:sp>
+        <p:nvSpPr>
+          <p:cNvPr id="3" name="Content Placeholder 2"/>
+          <p:cNvSpPr>
+            <a:spLocks noGrp="1"/>
+          </p:cNvSpPr>
+          <p:nvPr>
+            <p:ph idx="1"/>
+          </p:nvPr>
+        </p:nvSpPr>
+        <p:spPr/>
         <p:txBody>
           <a:bodyPr>
-            <a:normAutofit/>
+            <a:normAutofit lnSpcReduction="10000"/>
           </a:bodyPr>
           <a:lstStyle/>
           <a:p>
             <a:r>
-              <a:rPr lang="en-US" sz="4000" dirty="0"/>
-              <a:t>Understand what you’re getting into</a:t>
-            </a:r>
-            <a:endParaRPr lang="en-US" dirty="0"/>
-          </a:p>
-        </p:txBody>
-      </p:sp>
-      <p:sp>
-        <p:nvSpPr>
-          <p:cNvPr id="3" name="Content Placeholder 2"/>
-          <p:cNvSpPr>
-            <a:spLocks noGrp="1"/>
-          </p:cNvSpPr>
-          <p:nvPr>
-            <p:ph idx="1"/>
-          </p:nvPr>
-        </p:nvSpPr>
-        <p:spPr>
-          <a:xfrm>
-            <a:off x="838199" y="1717964"/>
-            <a:ext cx="5682673" cy="4458998"/>
-          </a:xfrm>
-        </p:spPr>
-        <p:txBody>
-          <a:bodyPr>
-            <a:normAutofit fontScale="92500" lnSpcReduction="20000"/>
-          </a:bodyPr>
-          <a:lstStyle/>
-          <a:p>
-            <a:r>
               <a:rPr lang="en-US" dirty="0"/>
-              <a:t>When you publish an article, it’s like having a child – you are committing to a long term effort around the article.</a:t>
+              <a:t>Set up your GitHub account and install the tools: </a:t>
+            </a:r>
+            <a:br>
+              <a:rPr lang="en-US" dirty="0"/>
+            </a:br>
+            <a:r>
+              <a:rPr lang="en-US" dirty="0">
+                <a:hlinkClick r:id="rId2"/>
+              </a:rPr>
+              <a:t>Tools and setup for authoring in GitHub</a:t>
+            </a:r>
+            <a:r>
+              <a:rPr lang="en-US" dirty="0"/>
+              <a:t/>
             </a:r>
             <a:br>
               <a:rPr lang="en-US" dirty="0"/>
@@ -7495,7 +7484,20 @@
           <a:p>
             <a:r>
               <a:rPr lang="en-US" dirty="0"/>
-              <a:t>You’ll review and update articles every 3 months to ensure they are fresh.</a:t>
+              <a:t>External facing contributors’ guide:</a:t>
+            </a:r>
+            <a:br>
+              <a:rPr lang="en-US" dirty="0"/>
+            </a:br>
+            <a:r>
+              <a:rPr lang="en-US" sz="1800" dirty="0">
+                <a:hlinkClick r:id="rId3"/>
+              </a:rPr>
+              <a:t>https://github.com/Azure/azure-content/blob/master/contributor-guide/contributor-guide-index.md</a:t>
+            </a:r>
+            <a:r>
+              <a:rPr lang="en-US" dirty="0"/>
+              <a:t/>
             </a:r>
             <a:br>
               <a:rPr lang="en-US" dirty="0"/>
@@ -7505,19 +7507,17 @@
           <a:p>
             <a:r>
               <a:rPr lang="en-US" dirty="0"/>
-              <a:t>You’ll monitor and respond to </a:t>
-            </a:r>
-            <a:r>
-              <a:rPr lang="en-US" dirty="0" err="1" smtClean="0"/>
-              <a:t>LiveFyre</a:t>
-            </a:r>
-            <a:r>
-              <a:rPr lang="en-US" dirty="0" smtClean="0"/>
+              <a:t>Internal wiki: </a:t>
+            </a:r>
+            <a:r>
+              <a:rPr lang="en-US" dirty="0">
+                <a:hlinkClick r:id="rId4"/>
+              </a:rPr>
+              <a:t>https://microsoft.sharepoint.com/teams/azurecontentguidance</a:t>
+            </a:r>
+            <a:r>
+              <a:rPr lang="en-US" dirty="0"/>
               <a:t> </a:t>
-            </a:r>
-            <a:r>
-              <a:rPr lang="en-US" dirty="0"/>
-              <a:t>comments on articles.</a:t>
             </a:r>
             <a:br>
               <a:rPr lang="en-US" dirty="0"/>
@@ -7527,319 +7527,6 @@
           <a:p>
             <a:r>
               <a:rPr lang="en-US" dirty="0"/>
-              <a:t>You’ll review customer feedback submitted through the site and make improvements to address the feedback.</a:t>
-            </a:r>
-          </a:p>
-        </p:txBody>
-      </p:sp>
-      <p:sp>
-        <p:nvSpPr>
-          <p:cNvPr id="4" name="Slide Number Placeholder 3"/>
-          <p:cNvSpPr>
-            <a:spLocks noGrp="1"/>
-          </p:cNvSpPr>
-          <p:nvPr>
-            <p:ph type="sldNum" sz="quarter" idx="12"/>
-          </p:nvPr>
-        </p:nvSpPr>
-        <p:spPr/>
-        <p:txBody>
-          <a:bodyPr/>
-          <a:lstStyle/>
-          <a:p>
-            <a:fld id="{17894036-FA33-48B5-BBDE-1535D6213033}" type="slidenum">
-              <a:rPr lang="en-US" smtClean="0"/>
-              <a:t>14</a:t>
-            </a:fld>
-            <a:endParaRPr lang="en-US"/>
-          </a:p>
-        </p:txBody>
-      </p:sp>
-      <p:sp>
-        <p:nvSpPr>
-          <p:cNvPr id="5" name="TextBox 4"/>
-          <p:cNvSpPr txBox="1"/>
-          <p:nvPr/>
-        </p:nvSpPr>
-        <p:spPr>
-          <a:xfrm>
-            <a:off x="7379854" y="2179768"/>
-            <a:ext cx="3611419" cy="369332"/>
-          </a:xfrm>
-          <a:prstGeom prst="rect">
-            <a:avLst/>
-          </a:prstGeom>
-          <a:noFill/>
-        </p:spPr>
-        <p:txBody>
-          <a:bodyPr wrap="square" rtlCol="0">
-            <a:spAutoFit/>
-          </a:bodyPr>
-          <a:lstStyle/>
-          <a:p>
-            <a:r>
-              <a:rPr lang="en-US" b="1" dirty="0"/>
-              <a:t>Content Freshness KPI</a:t>
-            </a:r>
-          </a:p>
-        </p:txBody>
-      </p:sp>
-      <p:sp>
-        <p:nvSpPr>
-          <p:cNvPr id="6" name="TextBox 5"/>
-          <p:cNvSpPr txBox="1"/>
-          <p:nvPr/>
-        </p:nvSpPr>
-        <p:spPr>
-          <a:xfrm>
-            <a:off x="7379854" y="2770955"/>
-            <a:ext cx="3611418" cy="1477328"/>
-          </a:xfrm>
-          <a:prstGeom prst="rect">
-            <a:avLst/>
-          </a:prstGeom>
-          <a:noFill/>
-          <a:ln>
-            <a:solidFill>
-              <a:schemeClr val="bg1">
-                <a:lumMod val="85000"/>
-              </a:schemeClr>
-            </a:solidFill>
-          </a:ln>
-        </p:spPr>
-        <p:txBody>
-          <a:bodyPr wrap="square" rtlCol="0">
-            <a:spAutoFit/>
-          </a:bodyPr>
-          <a:lstStyle/>
-          <a:p>
-            <a:r>
-              <a:rPr lang="en-US" dirty="0">
-                <a:solidFill>
-                  <a:srgbClr val="00B050"/>
-                </a:solidFill>
-                <a:sym typeface="Wingdings"/>
-              </a:rPr>
-              <a:t></a:t>
-            </a:r>
-            <a:r>
-              <a:rPr lang="en-US" dirty="0">
-                <a:sym typeface="Wingdings"/>
-              </a:rPr>
-              <a:t> </a:t>
-            </a:r>
-            <a:r>
-              <a:rPr lang="en-US" dirty="0"/>
-              <a:t>Most Fresh (0-60 days)</a:t>
-            </a:r>
-          </a:p>
-          <a:p>
-            <a:r>
-              <a:rPr lang="en-US" dirty="0">
-                <a:solidFill>
-                  <a:srgbClr val="FFC000"/>
-                </a:solidFill>
-                <a:sym typeface="Wingdings"/>
-              </a:rPr>
-              <a:t></a:t>
-            </a:r>
-            <a:r>
-              <a:rPr lang="en-US" dirty="0">
-                <a:sym typeface="Wingdings"/>
-              </a:rPr>
-              <a:t> </a:t>
-            </a:r>
-            <a:r>
-              <a:rPr lang="en-US" dirty="0"/>
-              <a:t>Fresh (61-90 days)</a:t>
-            </a:r>
-          </a:p>
-          <a:p>
-            <a:r>
-              <a:rPr lang="en-US" dirty="0">
-                <a:solidFill>
-                  <a:srgbClr val="FF0000"/>
-                </a:solidFill>
-                <a:sym typeface="Wingdings"/>
-              </a:rPr>
-              <a:t></a:t>
-            </a:r>
-            <a:r>
-              <a:rPr lang="en-US" dirty="0">
-                <a:sym typeface="Wingdings"/>
-              </a:rPr>
-              <a:t> </a:t>
-            </a:r>
-            <a:r>
-              <a:rPr lang="en-US" dirty="0"/>
-              <a:t>Stale (91-120 days)</a:t>
-            </a:r>
-          </a:p>
-          <a:p>
-            <a:r>
-              <a:rPr lang="en-US" dirty="0">
-                <a:solidFill>
-                  <a:schemeClr val="bg1">
-                    <a:lumMod val="50000"/>
-                  </a:schemeClr>
-                </a:solidFill>
-                <a:sym typeface="Wingdings"/>
-              </a:rPr>
-              <a:t></a:t>
-            </a:r>
-            <a:r>
-              <a:rPr lang="en-US" dirty="0">
-                <a:sym typeface="Wingdings"/>
-              </a:rPr>
-              <a:t> </a:t>
-            </a:r>
-            <a:r>
-              <a:rPr lang="en-US" dirty="0"/>
-              <a:t>Abandoned (121 days +)</a:t>
-            </a:r>
-          </a:p>
-          <a:p>
-            <a:endParaRPr lang="en-US" dirty="0"/>
-          </a:p>
-        </p:txBody>
-      </p:sp>
-    </p:spTree>
-    <p:extLst>
-      <p:ext uri="{BB962C8B-B14F-4D97-AF65-F5344CB8AC3E}">
-        <p14:creationId xmlns:p14="http://schemas.microsoft.com/office/powerpoint/2010/main" val="3879570229"/>
-      </p:ext>
-    </p:extLst>
-  </p:cSld>
-  <p:clrMapOvr>
-    <a:masterClrMapping/>
-  </p:clrMapOvr>
-</p:sld>
-</file>
-
-<file path=ppt/slides/slide15.xml><?xml version="1.0" encoding="utf-8"?>
-<p:sld xmlns:a="http://schemas.openxmlformats.org/drawingml/2006/main" xmlns:r="http://schemas.openxmlformats.org/officeDocument/2006/relationships" xmlns:p="http://schemas.openxmlformats.org/presentationml/2006/main">
-  <p:cSld>
-    <p:spTree>
-      <p:nvGrpSpPr>
-        <p:cNvPr id="1" name=""/>
-        <p:cNvGrpSpPr/>
-        <p:nvPr/>
-      </p:nvGrpSpPr>
-      <p:grpSpPr>
-        <a:xfrm>
-          <a:off x="0" y="0"/>
-          <a:ext cx="0" cy="0"/>
-          <a:chOff x="0" y="0"/>
-          <a:chExt cx="0" cy="0"/>
-        </a:xfrm>
-      </p:grpSpPr>
-      <p:sp>
-        <p:nvSpPr>
-          <p:cNvPr id="2" name="Title 1"/>
-          <p:cNvSpPr>
-            <a:spLocks noGrp="1"/>
-          </p:cNvSpPr>
-          <p:nvPr>
-            <p:ph type="title"/>
-          </p:nvPr>
-        </p:nvSpPr>
-        <p:spPr/>
-        <p:txBody>
-          <a:bodyPr/>
-          <a:lstStyle/>
-          <a:p>
-            <a:r>
-              <a:rPr lang="en-US" dirty="0"/>
-              <a:t>Next steps</a:t>
-            </a:r>
-          </a:p>
-        </p:txBody>
-      </p:sp>
-      <p:sp>
-        <p:nvSpPr>
-          <p:cNvPr id="3" name="Content Placeholder 2"/>
-          <p:cNvSpPr>
-            <a:spLocks noGrp="1"/>
-          </p:cNvSpPr>
-          <p:nvPr>
-            <p:ph idx="1"/>
-          </p:nvPr>
-        </p:nvSpPr>
-        <p:spPr/>
-        <p:txBody>
-          <a:bodyPr>
-            <a:normAutofit lnSpcReduction="10000"/>
-          </a:bodyPr>
-          <a:lstStyle/>
-          <a:p>
-            <a:r>
-              <a:rPr lang="en-US" dirty="0"/>
-              <a:t>Set up your GitHub account and install the tools: </a:t>
-            </a:r>
-            <a:br>
-              <a:rPr lang="en-US" dirty="0"/>
-            </a:br>
-            <a:r>
-              <a:rPr lang="en-US" dirty="0">
-                <a:hlinkClick r:id="rId2"/>
-              </a:rPr>
-              <a:t>Tools and setup for authoring in GitHub</a:t>
-            </a:r>
-            <a:r>
-              <a:rPr lang="en-US" dirty="0"/>
-              <a:t/>
-            </a:r>
-            <a:br>
-              <a:rPr lang="en-US" dirty="0"/>
-            </a:br>
-            <a:endParaRPr lang="en-US" dirty="0"/>
-          </a:p>
-          <a:p>
-            <a:r>
-              <a:rPr lang="en-US" dirty="0"/>
-              <a:t>External facing contributors’ guide:</a:t>
-            </a:r>
-            <a:br>
-              <a:rPr lang="en-US" dirty="0"/>
-            </a:br>
-            <a:r>
-              <a:rPr lang="en-US" sz="1800" dirty="0">
-                <a:hlinkClick r:id="rId3"/>
-              </a:rPr>
-              <a:t>https://github.com/Azure/azure-content/blob/master/contributor-guide/contributor-guide-index.md</a:t>
-            </a:r>
-            <a:r>
-              <a:rPr lang="en-US" dirty="0"/>
-              <a:t/>
-            </a:r>
-            <a:br>
-              <a:rPr lang="en-US" dirty="0"/>
-            </a:br>
-            <a:endParaRPr lang="en-US" dirty="0"/>
-          </a:p>
-          <a:p>
-            <a:r>
-              <a:rPr lang="en-US" dirty="0"/>
-              <a:t>Internal wiki: </a:t>
-            </a:r>
-            <a:r>
-              <a:rPr lang="en-US" dirty="0">
-                <a:hlinkClick r:id="rId4"/>
-              </a:rPr>
-              <a:t>https://microsoft.sharepoint.com/teams/azurecontentguidance</a:t>
-            </a:r>
-            <a:r>
-              <a:rPr lang="en-US" dirty="0"/>
-              <a:t> </a:t>
-            </a:r>
-            <a:br>
-              <a:rPr lang="en-US" dirty="0"/>
-            </a:br>
-            <a:endParaRPr lang="en-US" dirty="0"/>
-          </a:p>
-          <a:p>
-            <a:r>
-              <a:rPr lang="en-US" dirty="0"/>
               <a:t>A more complete version of this deck is available:</a:t>
             </a:r>
             <a:br>
@@ -7875,7 +7562,7 @@
           <a:p>
             <a:fld id="{17894036-FA33-48B5-BBDE-1535D6213033}" type="slidenum">
               <a:rPr lang="en-US" smtClean="0"/>
-              <a:t>15</a:t>
+              <a:t>14</a:t>
             </a:fld>
             <a:endParaRPr lang="en-US" dirty="0"/>
           </a:p>
@@ -7994,14 +7681,14 @@
           <p:nvPr>
             <p:extLst>
               <p:ext uri="{D42A27DB-BD31-4B8C-83A1-F6EECF244321}">
-                <p14:modId xmlns:p14="http://schemas.microsoft.com/office/powerpoint/2010/main" val="1714179222"/>
+                <p14:modId xmlns:p14="http://schemas.microsoft.com/office/powerpoint/2010/main" val="1097829346"/>
               </p:ext>
             </p:extLst>
           </p:nvPr>
         </p:nvGraphicFramePr>
         <p:xfrm>
           <a:off x="254334" y="822026"/>
-          <a:ext cx="11623249" cy="5720080"/>
+          <a:ext cx="11623249" cy="4582160"/>
         </p:xfrm>
         <a:graphic>
           <a:graphicData uri="http://schemas.openxmlformats.org/drawingml/2006/table">
@@ -8049,10 +7736,10 @@
                         <a:defRPr/>
                       </a:pPr>
                       <a:r>
-                        <a:rPr lang="en-US" sz="1600" b="1" dirty="0"/>
+                        <a:rPr lang="en-US" sz="1200" b="1" dirty="0"/>
                         <a:t>Git</a:t>
                       </a:r>
-                      <a:endParaRPr lang="en-US" sz="1600" dirty="0"/>
+                      <a:endParaRPr lang="en-US" sz="1200" dirty="0"/>
                     </a:p>
                   </a:txBody>
                   <a:tcPr/>
@@ -8080,16 +7767,8 @@
                         <a:defRPr/>
                       </a:pPr>
                       <a:r>
-                        <a:rPr lang="en-US" sz="1400" dirty="0"/>
-                        <a:t>An open-source version control system. Linus </a:t>
-                      </a:r>
-                      <a:r>
-                        <a:rPr lang="en-US" sz="1400" dirty="0" err="1"/>
-                        <a:t>Torvald</a:t>
-                      </a:r>
-                      <a:r>
-                        <a:rPr lang="en-US" sz="1400" dirty="0"/>
-                        <a:t> created it.</a:t>
+                        <a:rPr lang="en-US" sz="1200" dirty="0"/>
+                        <a:t>An open-source version control system. </a:t>
                       </a:r>
                     </a:p>
                   </a:txBody>
@@ -8125,10 +7804,10 @@
                         <a:defRPr/>
                       </a:pPr>
                       <a:r>
-                        <a:rPr lang="en-US" sz="1600" b="1" dirty="0"/>
+                        <a:rPr lang="en-US" sz="1200" b="1" dirty="0"/>
                         <a:t>GitHub</a:t>
                       </a:r>
-                      <a:endParaRPr lang="en-US" sz="1600" dirty="0"/>
+                      <a:endParaRPr lang="en-US" sz="1200" dirty="0"/>
                     </a:p>
                   </a:txBody>
                   <a:tcPr/>
@@ -8156,17 +7835,48 @@
                         <a:defRPr/>
                       </a:pPr>
                       <a:r>
-                        <a:rPr lang="en-US" sz="1400" dirty="0"/>
+                        <a:rPr lang="en-US" sz="1200" dirty="0"/>
                         <a:t>A company that provides open source code repository hosting as a service. We are using their</a:t>
                       </a:r>
                       <a:r>
-                        <a:rPr lang="en-US" sz="1400" baseline="0" dirty="0"/>
+                        <a:rPr lang="en-US" sz="1200" baseline="0" dirty="0"/>
                         <a:t> service </a:t>
                       </a:r>
                       <a:r>
-                        <a:rPr lang="en-US" sz="1400" dirty="0"/>
-                        <a:t>as a content management system. GitHub is built on top of Git. To interact with GitHub, you can use their web interface or install Git tools (like Git Bash) on your local machine.</a:t>
+                        <a:rPr lang="en-US" sz="1200" dirty="0"/>
+                        <a:t>as a content management system. GitHub is built on top of Git. To interact with GitHub, you can use their web interface </a:t>
                       </a:r>
+                      <a:r>
+                        <a:rPr lang="en-US" sz="1200" dirty="0" smtClean="0"/>
+                        <a:t>(</a:t>
+                      </a:r>
+                      <a:r>
+                        <a:rPr lang="en-US" sz="1200" dirty="0" smtClean="0">
+                          <a:hlinkClick r:id="rId2"/>
+                        </a:rPr>
+                        <a:t>github.com</a:t>
+                      </a:r>
+                      <a:r>
+                        <a:rPr lang="en-US" sz="1200" dirty="0" smtClean="0"/>
+                        <a:t>) or </a:t>
+                      </a:r>
+                      <a:r>
+                        <a:rPr lang="en-US" sz="1200" dirty="0"/>
+                        <a:t>install </a:t>
+                      </a:r>
+                      <a:r>
+                        <a:rPr lang="en-US" sz="1200" dirty="0" smtClean="0"/>
+                        <a:t>tools such as </a:t>
+                      </a:r>
+                      <a:r>
+                        <a:rPr lang="en-US" sz="1200" dirty="0" err="1" smtClean="0"/>
+                        <a:t>Git</a:t>
+                      </a:r>
+                      <a:r>
+                        <a:rPr lang="en-US" sz="1200" dirty="0" smtClean="0"/>
+                        <a:t> bash locally.</a:t>
+                      </a:r>
+                      <a:endParaRPr lang="en-US" sz="1200" dirty="0"/>
                     </a:p>
                   </a:txBody>
                   <a:tcPr/>
@@ -8184,12 +7894,12 @@
                     <a:lstStyle/>
                     <a:p>
                       <a:r>
-                        <a:rPr lang="en-US" sz="1600" b="1" dirty="0"/>
+                        <a:rPr lang="en-US" sz="1200" b="1" dirty="0"/>
                         <a:t>repository (repo)</a:t>
                       </a:r>
                     </a:p>
                     <a:p>
-                      <a:endParaRPr lang="en-US" sz="1600" dirty="0"/>
+                      <a:endParaRPr lang="en-US" sz="1200" dirty="0"/>
                     </a:p>
                   </a:txBody>
                   <a:tcPr/>
@@ -8217,19 +7927,82 @@
                         <a:defRPr/>
                       </a:pPr>
                       <a:r>
-                        <a:rPr lang="en-US" sz="1400" dirty="0"/>
-                        <a:t>Our content databases in GitHub. At the command line, commands that include “upstream” are acting on the repository. Ours is at </a:t>
+                        <a:rPr lang="en-US" sz="1200" dirty="0" smtClean="0"/>
+                        <a:t>A discrete project in </a:t>
                       </a:r>
                       <a:r>
-                        <a:rPr lang="en-US" sz="1400" dirty="0">
-                          <a:hlinkClick r:id="rId2"/>
-                        </a:rPr>
-                        <a:t>https://github.com/Azure/azure-content-pr</a:t>
+                        <a:rPr lang="en-US" sz="1200" dirty="0"/>
+                        <a:t>GitHub. </a:t>
                       </a:r>
                       <a:r>
-                        <a:rPr lang="en-US" sz="1400" dirty="0"/>
-                        <a:t>.</a:t>
+                        <a:rPr lang="en-US" sz="1200" baseline="0" dirty="0" smtClean="0"/>
+                        <a:t>Docs.ms repos are within the “Microsoft” org, and are either </a:t>
                       </a:r>
+                      <a:r>
+                        <a:rPr lang="en-US" sz="1200" dirty="0" smtClean="0"/>
+                        <a:t>external-facing public repos (e.g. </a:t>
+                      </a:r>
+                      <a:r>
+                        <a:rPr lang="en-US" sz="1200" i="0" dirty="0" smtClean="0">
+                          <a:hlinkClick r:id="rId3"/>
+                        </a:rPr>
+                        <a:t>Azure-</a:t>
+                      </a:r>
+                      <a:r>
+                        <a:rPr lang="en-US" sz="1200" i="0" dirty="0" err="1" smtClean="0">
+                          <a:hlinkClick r:id="rId3"/>
+                        </a:rPr>
+                        <a:t>RMSDocs</a:t>
+                      </a:r>
+                      <a:r>
+                        <a:rPr lang="en-US" sz="1200" i="0" dirty="0" smtClean="0"/>
+                        <a:t>) for </a:t>
+                      </a:r>
+                      <a:r>
+                        <a:rPr lang="en-US" sz="1200" dirty="0" smtClean="0"/>
+                        <a:t>customers and infrequent contributors, or internal-only</a:t>
+                      </a:r>
+                      <a:r>
+                        <a:rPr lang="en-US" sz="1200" baseline="0" dirty="0" smtClean="0"/>
+                        <a:t> </a:t>
+                      </a:r>
+                      <a:r>
+                        <a:rPr lang="en-US" sz="1200" dirty="0" smtClean="0"/>
+                        <a:t>private repos (e.g. </a:t>
+                      </a:r>
+                      <a:r>
+                        <a:rPr lang="en-US" sz="1200" i="0" dirty="0" smtClean="0">
+                          <a:hlinkClick r:id="rId4"/>
+                        </a:rPr>
+                        <a:t>Azure-</a:t>
+                      </a:r>
+                      <a:r>
+                        <a:rPr lang="en-US" sz="1200" i="0" dirty="0" err="1" smtClean="0">
+                          <a:hlinkClick r:id="rId4"/>
+                        </a:rPr>
+                        <a:t>RMSDocs</a:t>
+                      </a:r>
+                      <a:r>
+                        <a:rPr lang="en-US" sz="1200" i="0" dirty="0" smtClean="0">
+                          <a:hlinkClick r:id="rId4"/>
+                        </a:rPr>
+                        <a:t>-</a:t>
+                      </a:r>
+                      <a:r>
+                        <a:rPr lang="en-US" sz="1200" i="0" dirty="0" err="1" smtClean="0">
+                          <a:hlinkClick r:id="rId4"/>
+                        </a:rPr>
+                        <a:t>pr</a:t>
+                      </a:r>
+                      <a:r>
+                        <a:rPr lang="en-US" sz="1200" i="0" dirty="0" smtClean="0"/>
+                        <a:t>)</a:t>
+                      </a:r>
+                      <a:r>
+                        <a:rPr lang="en-US" sz="1200" i="0" baseline="0" dirty="0" smtClean="0"/>
+                        <a:t> for contributors inside of Microsoft.</a:t>
+                      </a:r>
+                      <a:endParaRPr lang="en-US" sz="1200" dirty="0"/>
                     </a:p>
                   </a:txBody>
                   <a:tcPr/>
@@ -8264,10 +8037,10 @@
                         <a:defRPr/>
                       </a:pPr>
                       <a:r>
-                        <a:rPr lang="en-US" sz="1600" b="1" dirty="0"/>
-                        <a:t>‘the public repo’</a:t>
+                        <a:rPr lang="en-US" sz="1200" b="1" dirty="0"/>
+                        <a:t>fork</a:t>
                       </a:r>
-                      <a:endParaRPr lang="en-US" sz="1600" dirty="0"/>
+                      <a:endParaRPr lang="en-US" sz="1200" dirty="0"/>
                     </a:p>
                   </a:txBody>
                   <a:tcPr/>
@@ -8295,40 +8068,97 @@
                         <a:defRPr/>
                       </a:pPr>
                       <a:r>
-                        <a:rPr lang="en-US" sz="1400" b="0" dirty="0"/>
-                        <a:t>E</a:t>
+                        <a:rPr lang="en-US" sz="1200" dirty="0" smtClean="0"/>
+                        <a:t>Your personal copy </a:t>
                       </a:r>
                       <a:r>
-                        <a:rPr lang="en-US" sz="1400" dirty="0"/>
-                        <a:t>xternal facing content repo </a:t>
+                        <a:rPr lang="en-US" sz="1200" dirty="0"/>
+                        <a:t>of </a:t>
                       </a:r>
                       <a:r>
-                        <a:rPr lang="en-US" sz="1400" dirty="0" smtClean="0"/>
-                        <a:t>(</a:t>
+                        <a:rPr lang="en-US" sz="1200" dirty="0" smtClean="0"/>
+                        <a:t>a </a:t>
                       </a:r>
                       <a:r>
-                        <a:rPr lang="en-US" sz="1400" i="1" dirty="0" smtClean="0"/>
-                        <a:t>e.g., Azure-</a:t>
+                        <a:rPr lang="en-US" sz="1200" dirty="0"/>
+                        <a:t>repository in </a:t>
                       </a:r>
                       <a:r>
-                        <a:rPr lang="en-US" sz="1400" i="1" dirty="0" err="1" smtClean="0"/>
+                        <a:rPr lang="en-US" sz="1200" dirty="0" smtClean="0"/>
+                        <a:t>GitHub; for instance,</a:t>
+                      </a:r>
+                      <a:r>
+                        <a:rPr lang="en-US" sz="1200" baseline="0" dirty="0" smtClean="0"/>
+                        <a:t> the Azure-</a:t>
+                      </a:r>
+                      <a:r>
+                        <a:rPr lang="en-US" sz="1200" baseline="0" dirty="0" err="1" smtClean="0"/>
                         <a:t>RMSDocs</a:t>
                       </a:r>
                       <a:r>
-                        <a:rPr lang="en-US" sz="1400" dirty="0" smtClean="0"/>
-                        <a:t>); </a:t>
+                        <a:rPr lang="en-US" sz="1200" baseline="0" dirty="0" smtClean="0"/>
+                        <a:t>-</a:t>
                       </a:r>
                       <a:r>
-                        <a:rPr lang="en-US" sz="1400" dirty="0"/>
-                        <a:t>customers and infrequent contributors can submit changes to articles.</a:t>
+                        <a:rPr lang="en-US" sz="1200" baseline="0" dirty="0" err="1" smtClean="0"/>
+                        <a:t>pr</a:t>
                       </a:r>
+                      <a:r>
+                        <a:rPr lang="en-US" sz="1200" baseline="0" dirty="0" smtClean="0"/>
+                        <a:t> fork for github user “</a:t>
+                      </a:r>
+                      <a:r>
+                        <a:rPr lang="en-US" sz="1200" baseline="0" dirty="0" err="1" smtClean="0"/>
+                        <a:t>msmbaldwin</a:t>
+                      </a:r>
+                      <a:r>
+                        <a:rPr lang="en-US" sz="1200" baseline="0" dirty="0" smtClean="0"/>
+                        <a:t>” would be found at </a:t>
+                      </a:r>
+                      <a:r>
+                        <a:rPr lang="en-US" sz="1200" dirty="0" smtClean="0">
+                          <a:hlinkClick r:id="rId5"/>
+                        </a:rPr>
+                        <a:t>https</a:t>
+                      </a:r>
+                      <a:r>
+                        <a:rPr lang="en-US" sz="1200" dirty="0" smtClean="0">
+                          <a:hlinkClick r:id="rId5"/>
+                        </a:rPr>
+                        <a:t>://github.com/</a:t>
+                      </a:r>
+                      <a:r>
+                        <a:rPr lang="en-US" sz="1200" b="1" dirty="0" smtClean="0">
+                          <a:hlinkClick r:id="rId5"/>
+                        </a:rPr>
+                        <a:t>msmbaldwin</a:t>
+                      </a:r>
+                      <a:r>
+                        <a:rPr lang="en-US" sz="1200" dirty="0" smtClean="0">
+                          <a:hlinkClick r:id="rId5"/>
+                        </a:rPr>
+                        <a:t>/Azure-RMSDocs-pr</a:t>
+                      </a:r>
+                      <a:r>
+                        <a:rPr lang="en-US" sz="1200" dirty="0" smtClean="0"/>
+                        <a:t>. </a:t>
+                      </a:r>
+                      <a:r>
+                        <a:rPr lang="en-US" sz="1200" dirty="0" smtClean="0"/>
+                        <a:t>A</a:t>
+                      </a:r>
+                      <a:r>
+                        <a:rPr lang="en-US" sz="1200" baseline="0" dirty="0" smtClean="0"/>
+                        <a:t> user has full permission to his fork and restricted permissions for the main repo, which allows </a:t>
+                      </a:r>
+                      <a:endParaRPr lang="en-US" sz="1200" dirty="0"/>
                     </a:p>
                   </a:txBody>
                   <a:tcPr/>
                 </a:tc>
                 <a:extLst>
                   <a:ext uri="{0D108BD9-81ED-4DB2-BD59-A6C34878D82A}">
-                    <a16:rowId xmlns:a16="http://schemas.microsoft.com/office/drawing/2014/main" val="10003"/>
+                    <a16:rowId xmlns:a16="http://schemas.microsoft.com/office/drawing/2014/main" val="10005"/>
                   </a:ext>
                 </a:extLst>
               </a:tr>
@@ -8338,28 +8168,11 @@
                     <a:bodyPr/>
                     <a:lstStyle/>
                     <a:p>
-                      <a:pPr marL="0" marR="0" lvl="1" indent="0" algn="l" defTabSz="914400" rtl="0" eaLnBrk="1" fontAlgn="auto" latinLnBrk="0" hangingPunct="1">
-                        <a:lnSpc>
-                          <a:spcPct val="100000"/>
-                        </a:lnSpc>
-                        <a:spcBef>
-                          <a:spcPts val="0"/>
-                        </a:spcBef>
-                        <a:spcAft>
-                          <a:spcPts val="0"/>
-                        </a:spcAft>
-                        <a:buClrTx/>
-                        <a:buSzTx/>
-                        <a:buFontTx/>
-                        <a:buNone/>
-                        <a:tabLst/>
-                        <a:defRPr/>
-                      </a:pPr>
                       <a:r>
-                        <a:rPr lang="en-US" sz="1600" b="1" dirty="0"/>
-                        <a:t>‘the private repo’</a:t>
+                        <a:rPr lang="en-US" sz="1200" b="1" dirty="0"/>
+                        <a:t>clone</a:t>
                       </a:r>
-                      <a:endParaRPr lang="en-US" sz="1600" dirty="0"/>
+                      <a:endParaRPr lang="en-US" sz="1200" dirty="0"/>
                     </a:p>
                   </a:txBody>
                   <a:tcPr/>
@@ -8369,63 +8182,17 @@
                     <a:bodyPr/>
                     <a:lstStyle/>
                     <a:p>
-                      <a:pPr marL="0" marR="0" lvl="1" indent="0" algn="l" defTabSz="914400" rtl="0" eaLnBrk="1" fontAlgn="auto" latinLnBrk="0" hangingPunct="1">
-                        <a:lnSpc>
-                          <a:spcPct val="100000"/>
-                        </a:lnSpc>
-                        <a:spcBef>
-                          <a:spcPts val="0"/>
-                        </a:spcBef>
-                        <a:spcAft>
-                          <a:spcPts val="0"/>
-                        </a:spcAft>
-                        <a:buClrTx/>
-                        <a:buSzTx/>
-                        <a:buFontTx/>
-                        <a:buNone/>
-                        <a:tabLst/>
-                        <a:defRPr/>
-                      </a:pPr>
                       <a:r>
-                        <a:rPr lang="en-US" sz="1400" dirty="0"/>
-                        <a:t>Internal facing content repo </a:t>
+                        <a:rPr lang="en-US" sz="1200" dirty="0"/>
+                        <a:t>The local copy of your fork on your computer. </a:t>
                       </a:r>
-                      <a:r>
-                        <a:rPr lang="en-US" sz="1400" dirty="0" smtClean="0"/>
-                        <a:t>(</a:t>
-                      </a:r>
-                      <a:r>
-                        <a:rPr lang="en-US" sz="1400" i="1" dirty="0" smtClean="0"/>
-                        <a:t>Azure-</a:t>
-                      </a:r>
-                      <a:r>
-                        <a:rPr lang="en-US" sz="1400" i="1" dirty="0" err="1" smtClean="0"/>
-                        <a:t>RMSDocs</a:t>
-                      </a:r>
-                      <a:r>
-                        <a:rPr lang="en-US" sz="1400" i="1" dirty="0" smtClean="0"/>
-                        <a:t>-</a:t>
-                      </a:r>
-                      <a:r>
-                        <a:rPr lang="en-US" sz="1400" i="1" dirty="0" err="1" smtClean="0"/>
-                        <a:t>pr</a:t>
-                      </a:r>
-                      <a:r>
-                        <a:rPr lang="en-US" sz="1400" dirty="0"/>
-                        <a:t>); anyone inside Microsoft can obtain perms and contribute new articles and changes to existing articles. Frequent</a:t>
-                      </a:r>
-                      <a:r>
-                        <a:rPr lang="en-US" sz="1400" baseline="0" dirty="0"/>
-                        <a:t> contributors should use the private repo, and all content with a disclosure date must be authored here.</a:t>
-                      </a:r>
-                      <a:endParaRPr lang="en-US" sz="1400" dirty="0"/>
                     </a:p>
                   </a:txBody>
                   <a:tcPr/>
                 </a:tc>
                 <a:extLst>
                   <a:ext uri="{0D108BD9-81ED-4DB2-BD59-A6C34878D82A}">
-                    <a16:rowId xmlns:a16="http://schemas.microsoft.com/office/drawing/2014/main" val="10004"/>
+                    <a16:rowId xmlns:a16="http://schemas.microsoft.com/office/drawing/2014/main" val="10006"/>
                   </a:ext>
                 </a:extLst>
               </a:tr>
@@ -8435,28 +8202,223 @@
                     <a:bodyPr/>
                     <a:lstStyle/>
                     <a:p>
-                      <a:pPr marL="0" marR="0" indent="0" algn="l" defTabSz="914400" rtl="0" eaLnBrk="1" fontAlgn="auto" latinLnBrk="0" hangingPunct="1">
-                        <a:lnSpc>
-                          <a:spcPct val="100000"/>
-                        </a:lnSpc>
-                        <a:spcBef>
-                          <a:spcPts val="0"/>
-                        </a:spcBef>
-                        <a:spcAft>
-                          <a:spcPts val="0"/>
-                        </a:spcAft>
-                        <a:buClrTx/>
-                        <a:buSzTx/>
-                        <a:buFontTx/>
-                        <a:buNone/>
-                        <a:tabLst/>
-                        <a:defRPr/>
-                      </a:pPr>
                       <a:r>
-                        <a:rPr lang="en-US" sz="1600" b="1" dirty="0"/>
-                        <a:t>fork</a:t>
+                        <a:rPr lang="en-US" sz="1200" b="1" dirty="0" smtClean="0"/>
+                        <a:t>“origin”</a:t>
                       </a:r>
-                      <a:endParaRPr lang="en-US" sz="1600" dirty="0"/>
+                      <a:endParaRPr lang="en-US" sz="1200" b="1" dirty="0"/>
+                    </a:p>
+                  </a:txBody>
+                  <a:tcPr/>
+                </a:tc>
+                <a:tc>
+                  <a:txBody>
+                    <a:bodyPr/>
+                    <a:lstStyle/>
+                    <a:p>
+                      <a:r>
+                        <a:rPr lang="en-US" sz="1200" dirty="0" smtClean="0"/>
+                        <a:t>An alias set to the Github source of a clone. If</a:t>
+                      </a:r>
+                      <a:r>
+                        <a:rPr lang="en-US" sz="1200" baseline="0" dirty="0" smtClean="0"/>
+                        <a:t> github user </a:t>
+                      </a:r>
+                      <a:r>
+                        <a:rPr lang="en-US" sz="1200" baseline="0" dirty="0" err="1" smtClean="0"/>
+                        <a:t>msmbaldwin</a:t>
+                      </a:r>
+                      <a:r>
+                        <a:rPr lang="en-US" sz="1200" baseline="0" dirty="0" smtClean="0"/>
+                        <a:t> cloned his fork of </a:t>
+                      </a:r>
+                      <a:r>
+                        <a:rPr lang="en-US" sz="1200" dirty="0" smtClean="0">
+                          <a:hlinkClick r:id="rId5"/>
+                        </a:rPr>
+                        <a:t>Azure-</a:t>
+                      </a:r>
+                      <a:r>
+                        <a:rPr lang="en-US" sz="1200" dirty="0" err="1" smtClean="0">
+                          <a:hlinkClick r:id="rId5"/>
+                        </a:rPr>
+                        <a:t>RMSDocs</a:t>
+                      </a:r>
+                      <a:r>
+                        <a:rPr lang="en-US" sz="1200" dirty="0" smtClean="0">
+                          <a:hlinkClick r:id="rId5"/>
+                        </a:rPr>
+                        <a:t>-</a:t>
+                      </a:r>
+                      <a:r>
+                        <a:rPr lang="en-US" sz="1200" dirty="0" err="1" smtClean="0">
+                          <a:hlinkClick r:id="rId5"/>
+                        </a:rPr>
+                        <a:t>pr</a:t>
+                      </a:r>
+                      <a:r>
+                        <a:rPr lang="en-US" sz="1200" dirty="0" smtClean="0"/>
+                        <a:t>, “origin” would </a:t>
+                      </a:r>
+                      <a:r>
+                        <a:rPr lang="en-US" sz="1200" smtClean="0"/>
+                        <a:t>be set to </a:t>
+                      </a:r>
+                      <a:r>
+                        <a:rPr lang="en-US" sz="1200" smtClean="0">
+                          <a:hlinkClick r:id="rId5"/>
+                        </a:rPr>
+                        <a:t>https</a:t>
+                      </a:r>
+                      <a:r>
+                        <a:rPr lang="en-US" sz="1200" dirty="0" smtClean="0">
+                          <a:hlinkClick r:id="rId5"/>
+                        </a:rPr>
+                        <a:t>://github.com/</a:t>
+                      </a:r>
+                      <a:r>
+                        <a:rPr lang="en-US" sz="1200" b="1" dirty="0" smtClean="0">
+                          <a:hlinkClick r:id="rId5"/>
+                        </a:rPr>
+                        <a:t>msmbaldwin</a:t>
+                      </a:r>
+                      <a:r>
+                        <a:rPr lang="en-US" sz="1200" dirty="0" smtClean="0">
+                          <a:hlinkClick r:id="rId5"/>
+                        </a:rPr>
+                        <a:t>/Azure-RMSDocs-pr</a:t>
+                      </a:r>
+                      <a:r>
+                        <a:rPr lang="en-US" sz="1200" dirty="0" smtClean="0"/>
+                        <a:t>. </a:t>
+                      </a:r>
+                      <a:endParaRPr lang="en-US" sz="1200" dirty="0"/>
+                    </a:p>
+                  </a:txBody>
+                  <a:tcPr/>
+                </a:tc>
+                <a:extLst>
+                  <a:ext uri="{0D108BD9-81ED-4DB2-BD59-A6C34878D82A}">
+                    <a16:rowId xmlns:a16="http://schemas.microsoft.com/office/drawing/2014/main" val="1584397738"/>
+                  </a:ext>
+                </a:extLst>
+              </a:tr>
+              <a:tr h="370840">
+                <a:tc>
+                  <a:txBody>
+                    <a:bodyPr/>
+                    <a:lstStyle/>
+                    <a:p>
+                      <a:r>
+                        <a:rPr lang="en-US" sz="1200" b="1" dirty="0" smtClean="0"/>
+                        <a:t>“upstream”</a:t>
+                      </a:r>
+                      <a:endParaRPr lang="en-US" sz="1200" b="1" dirty="0"/>
+                    </a:p>
+                  </a:txBody>
+                  <a:tcPr/>
+                </a:tc>
+                <a:tc>
+                  <a:txBody>
+                    <a:bodyPr/>
+                    <a:lstStyle/>
+                    <a:p>
+                      <a:r>
+                        <a:rPr lang="en-US" sz="1200" dirty="0" smtClean="0"/>
+                        <a:t>An alias set to the original repo from which the fork</a:t>
+                      </a:r>
+                      <a:r>
+                        <a:rPr lang="en-US" sz="1200" baseline="0" dirty="0" smtClean="0"/>
+                        <a:t> (and clone) were created. </a:t>
+                      </a:r>
+                      <a:r>
+                        <a:rPr lang="en-US" sz="1200" dirty="0" smtClean="0"/>
+                        <a:t>If</a:t>
+                      </a:r>
+                      <a:r>
+                        <a:rPr lang="en-US" sz="1200" baseline="0" dirty="0" smtClean="0"/>
+                        <a:t> github user </a:t>
+                      </a:r>
+                      <a:r>
+                        <a:rPr lang="en-US" sz="1200" baseline="0" dirty="0" err="1" smtClean="0"/>
+                        <a:t>msmbaldwin</a:t>
+                      </a:r>
+                      <a:r>
+                        <a:rPr lang="en-US" sz="1200" baseline="0" dirty="0" smtClean="0"/>
+                        <a:t> cloned his fork of </a:t>
+                      </a:r>
+                      <a:r>
+                        <a:rPr lang="en-US" sz="1200" dirty="0" smtClean="0">
+                          <a:hlinkClick r:id="rId5"/>
+                        </a:rPr>
+                        <a:t>Azure-</a:t>
+                      </a:r>
+                      <a:r>
+                        <a:rPr lang="en-US" sz="1200" dirty="0" err="1" smtClean="0">
+                          <a:hlinkClick r:id="rId5"/>
+                        </a:rPr>
+                        <a:t>RMSDocs</a:t>
+                      </a:r>
+                      <a:r>
+                        <a:rPr lang="en-US" sz="1200" dirty="0" smtClean="0">
+                          <a:hlinkClick r:id="rId5"/>
+                        </a:rPr>
+                        <a:t>-</a:t>
+                      </a:r>
+                      <a:r>
+                        <a:rPr lang="en-US" sz="1200" dirty="0" err="1" smtClean="0">
+                          <a:hlinkClick r:id="rId5"/>
+                        </a:rPr>
+                        <a:t>pr</a:t>
+                      </a:r>
+                      <a:r>
+                        <a:rPr lang="en-US" sz="1200" baseline="0" dirty="0" smtClean="0"/>
+                        <a:t>, “upstream” would be set to </a:t>
+                      </a:r>
+                      <a:r>
+                        <a:rPr lang="en-US" sz="1200" dirty="0" smtClean="0">
+                          <a:hlinkClick r:id="rId4"/>
+                        </a:rPr>
+                        <a:t>https://github.com/</a:t>
+                      </a:r>
+                      <a:r>
+                        <a:rPr lang="en-US" sz="1200" b="1" dirty="0" smtClean="0">
+                          <a:hlinkClick r:id="rId4"/>
+                        </a:rPr>
+                        <a:t>Microsoft</a:t>
+                      </a:r>
+                      <a:r>
+                        <a:rPr lang="en-US" sz="1200" dirty="0" smtClean="0">
+                          <a:hlinkClick r:id="rId4"/>
+                        </a:rPr>
+                        <a:t>/Azure-RMSDocs-pr</a:t>
+                      </a:r>
+                      <a:r>
+                        <a:rPr lang="en-US" sz="1200" dirty="0" smtClean="0"/>
+                        <a:t>.</a:t>
+                      </a:r>
+                      <a:endParaRPr lang="en-US" sz="1200" dirty="0"/>
+                    </a:p>
+                  </a:txBody>
+                  <a:tcPr/>
+                </a:tc>
+                <a:extLst>
+                  <a:ext uri="{0D108BD9-81ED-4DB2-BD59-A6C34878D82A}">
+                    <a16:rowId xmlns:a16="http://schemas.microsoft.com/office/drawing/2014/main" val="3693664498"/>
+                  </a:ext>
+                </a:extLst>
+              </a:tr>
+              <a:tr h="370840">
+                <a:tc>
+                  <a:txBody>
+                    <a:bodyPr/>
+                    <a:lstStyle/>
+                    <a:p>
+                      <a:r>
+                        <a:rPr lang="en-US" sz="1200" b="1" dirty="0"/>
+                        <a:t>branch</a:t>
+                      </a:r>
+                      <a:endParaRPr lang="en-US" sz="1200" dirty="0"/>
                     </a:p>
                   </a:txBody>
                   <a:tcPr/>
@@ -8484,37 +8446,21 @@
                         <a:defRPr/>
                       </a:pPr>
                       <a:r>
-                        <a:rPr lang="en-US" sz="1400" dirty="0"/>
-                        <a:t>Your online copy of the repository in GitHub. You push your changes into your fork first to help protect the core repository.</a:t>
-                      </a:r>
-                      <a:br>
-                        <a:rPr lang="en-US" sz="1400" dirty="0"/>
-                      </a:br>
-                      <a:r>
-                        <a:rPr lang="en-US" sz="1400" dirty="0"/>
-                        <a:t>My fork, for example, is at </a:t>
+                        <a:rPr lang="en-US" sz="1200" dirty="0" smtClean="0"/>
+                        <a:t>A working version of a repository, allowing you to make changes without modifying the main “master” branch. You will typically work</a:t>
                       </a:r>
                       <a:r>
-                        <a:rPr lang="en-US" sz="1400" dirty="0" smtClean="0">
-                          <a:hlinkClick r:id="rId3"/>
-                        </a:rPr>
-                        <a:t>https://github.com/msmbaldwin/Azure-RMSDocs-pr</a:t>
+                        <a:rPr lang="en-US" sz="1200" baseline="0" dirty="0" smtClean="0"/>
+                        <a:t> in a branch of your clone of a fork</a:t>
                       </a:r>
-                      <a:r>
-                        <a:rPr lang="en-US" sz="1400" dirty="0" smtClean="0"/>
-                        <a:t>.  </a:t>
-                      </a:r>
-                      <a:r>
-                        <a:rPr lang="en-US" sz="1400" dirty="0"/>
-                        <a:t>At the command line, commands that include “origin” are acting on your fork of the repo.</a:t>
-                      </a:r>
+                      <a:endParaRPr lang="en-US" sz="1200" dirty="0"/>
                     </a:p>
                   </a:txBody>
                   <a:tcPr/>
                 </a:tc>
                 <a:extLst>
                   <a:ext uri="{0D108BD9-81ED-4DB2-BD59-A6C34878D82A}">
-                    <a16:rowId xmlns:a16="http://schemas.microsoft.com/office/drawing/2014/main" val="10005"/>
+                    <a16:rowId xmlns:a16="http://schemas.microsoft.com/office/drawing/2014/main" val="10007"/>
                   </a:ext>
                 </a:extLst>
               </a:tr>
@@ -8525,44 +8471,10 @@
                     <a:lstStyle/>
                     <a:p>
                       <a:r>
-                        <a:rPr lang="en-US" sz="1600" b="1" dirty="0"/>
-                        <a:t>clone</a:t>
+                        <a:rPr lang="en-US" sz="1200" b="1" dirty="0" smtClean="0"/>
+                        <a:t>merge</a:t>
                       </a:r>
-                      <a:endParaRPr lang="en-US" sz="1600" dirty="0"/>
-                    </a:p>
-                  </a:txBody>
-                  <a:tcPr/>
-                </a:tc>
-                <a:tc>
-                  <a:txBody>
-                    <a:bodyPr/>
-                    <a:lstStyle/>
-                    <a:p>
-                      <a:r>
-                        <a:rPr lang="en-US" sz="1400" dirty="0"/>
-                        <a:t>The local copy of your fork on your computer. </a:t>
-                      </a:r>
-                    </a:p>
-                  </a:txBody>
-                  <a:tcPr/>
-                </a:tc>
-                <a:extLst>
-                  <a:ext uri="{0D108BD9-81ED-4DB2-BD59-A6C34878D82A}">
-                    <a16:rowId xmlns:a16="http://schemas.microsoft.com/office/drawing/2014/main" val="10006"/>
-                  </a:ext>
-                </a:extLst>
-              </a:tr>
-              <a:tr h="370840">
-                <a:tc>
-                  <a:txBody>
-                    <a:bodyPr/>
-                    <a:lstStyle/>
-                    <a:p>
-                      <a:r>
-                        <a:rPr lang="en-US" sz="1600" b="1" dirty="0"/>
-                        <a:t>branch</a:t>
-                      </a:r>
-                      <a:endParaRPr lang="en-US" sz="1600" dirty="0"/>
+                      <a:endParaRPr lang="en-US" sz="1200" b="1" dirty="0"/>
                     </a:p>
                   </a:txBody>
                   <a:tcPr/>
@@ -8590,16 +8502,21 @@
                         <a:defRPr/>
                       </a:pPr>
                       <a:r>
-                        <a:rPr lang="en-US" sz="1400" dirty="0"/>
-                        <a:t>A copy of the repository within each core, fork, or local version of the repo. The core repository has a master branch, a daily publishing branch, and some milestone release branches. You check content into the branch that corresponds to the release you are targeting. On your local computer, you create and author within local working branches.</a:t>
+                        <a:rPr lang="en-US" sz="1200" dirty="0" smtClean="0"/>
+                        <a:t>To integrate the changes made in one branch into another branch.</a:t>
                       </a:r>
+                      <a:r>
+                        <a:rPr lang="en-US" sz="1200" baseline="0" dirty="0" smtClean="0"/>
+                        <a:t> After making changes in your working branch, for instance, you will use a “pull request” (see below) to ask that they be merged into the master branch of the original repo. Two or more sets of changes that modify the same content trigger a “merge conflict”, which much be resolved.</a:t>
+                      </a:r>
+                      <a:endParaRPr lang="en-US" sz="1200" dirty="0"/>
                     </a:p>
                   </a:txBody>
                   <a:tcPr/>
                 </a:tc>
                 <a:extLst>
                   <a:ext uri="{0D108BD9-81ED-4DB2-BD59-A6C34878D82A}">
-                    <a16:rowId xmlns:a16="http://schemas.microsoft.com/office/drawing/2014/main" val="10007"/>
+                    <a16:rowId xmlns:a16="http://schemas.microsoft.com/office/drawing/2014/main" val="1314131489"/>
                   </a:ext>
                 </a:extLst>
               </a:tr>
@@ -8610,14 +8527,14 @@
                     <a:lstStyle/>
                     <a:p>
                       <a:r>
-                        <a:rPr lang="en-US" sz="1600" b="1" dirty="0"/>
+                        <a:rPr lang="en-US" sz="1200" b="1" dirty="0"/>
                         <a:t>pull request</a:t>
                       </a:r>
                       <a:r>
-                        <a:rPr lang="en-US" sz="1600" b="1" baseline="0" dirty="0"/>
+                        <a:rPr lang="en-US" sz="1200" b="1" baseline="0" dirty="0"/>
                         <a:t> </a:t>
                       </a:r>
-                      <a:endParaRPr lang="en-US" sz="1600" dirty="0"/>
+                      <a:endParaRPr lang="en-US" sz="1200" dirty="0"/>
                     </a:p>
                   </a:txBody>
                   <a:tcPr/>
@@ -8645,9 +8562,14 @@
                         <a:defRPr/>
                       </a:pPr>
                       <a:r>
-                        <a:rPr lang="en-US" sz="1400" dirty="0"/>
-                        <a:t>You create a pull request to move changes from your fork to the main repository – the pull request shows all the diffs between your fork and the branch you want to changes to go to in the main repository. All pull requests are reviewed before acceptance to ensure that metadata is present, basic markdown is correct, content regressions are avoided, and that validation issues are resolved.</a:t>
+                        <a:rPr lang="en-US" sz="1200" dirty="0" smtClean="0"/>
+                        <a:t>The mechanism</a:t>
                       </a:r>
+                      <a:r>
+                        <a:rPr lang="en-US" sz="1200" baseline="0" dirty="0" smtClean="0"/>
+                        <a:t> by which you “request” that a branch (typically the master branch of the original repo) “pull” in the changes you made in your working branch. If a PR is accepted, the changes will be merged.</a:t>
+                      </a:r>
+                      <a:endParaRPr lang="en-US" sz="1200" dirty="0"/>
                     </a:p>
                   </a:txBody>
                   <a:tcPr/>
@@ -8658,65 +8580,72 @@
                   </a:ext>
                 </a:extLst>
               </a:tr>
-              <a:tr h="370840">
-                <a:tc>
-                  <a:txBody>
-                    <a:bodyPr/>
-                    <a:lstStyle/>
-                    <a:p>
-                      <a:r>
-                        <a:rPr lang="en-US" sz="1600" b="1" dirty="0"/>
-                        <a:t>merge conflict</a:t>
-                      </a:r>
-                    </a:p>
-                  </a:txBody>
-                  <a:tcPr/>
-                </a:tc>
-                <a:tc>
-                  <a:txBody>
-                    <a:bodyPr/>
-                    <a:lstStyle/>
-                    <a:p>
-                      <a:pPr marL="0" marR="0" indent="0" algn="l" defTabSz="914400" rtl="0" eaLnBrk="1" fontAlgn="auto" latinLnBrk="0" hangingPunct="1">
-                        <a:lnSpc>
-                          <a:spcPct val="100000"/>
-                        </a:lnSpc>
-                        <a:spcBef>
-                          <a:spcPts val="0"/>
-                        </a:spcBef>
-                        <a:spcAft>
-                          <a:spcPts val="0"/>
-                        </a:spcAft>
-                        <a:buClrTx/>
-                        <a:buSzTx/>
-                        <a:buFontTx/>
-                        <a:buNone/>
-                        <a:tabLst/>
-                        <a:defRPr/>
-                      </a:pPr>
-                      <a:r>
-                        <a:rPr lang="en-US" sz="1400" dirty="0"/>
-                        <a:t>When</a:t>
-                      </a:r>
-                      <a:r>
-                        <a:rPr lang="en-US" sz="1400" baseline="0" dirty="0"/>
-                        <a:t> Git cannot automatically merge two different sets of changes to the same file. Merge conflicts have to be resolved manually.</a:t>
-                      </a:r>
-                      <a:endParaRPr lang="en-US" sz="1400" dirty="0"/>
-                    </a:p>
-                  </a:txBody>
-                  <a:tcPr/>
-                </a:tc>
-                <a:extLst>
-                  <a:ext uri="{0D108BD9-81ED-4DB2-BD59-A6C34878D82A}">
-                    <a16:rowId xmlns:a16="http://schemas.microsoft.com/office/drawing/2014/main" val="10009"/>
-                  </a:ext>
-                </a:extLst>
-              </a:tr>
             </a:tbl>
           </a:graphicData>
         </a:graphic>
       </p:graphicFrame>
+      <p:sp>
+        <p:nvSpPr>
+          <p:cNvPr id="4" name="TextBox 3"/>
+          <p:cNvSpPr txBox="1"/>
+          <p:nvPr/>
+        </p:nvSpPr>
+        <p:spPr>
+          <a:xfrm>
+            <a:off x="254334" y="5753100"/>
+            <a:ext cx="11623249" cy="369332"/>
+          </a:xfrm>
+          <a:prstGeom prst="rect">
+            <a:avLst/>
+          </a:prstGeom>
+          <a:noFill/>
+        </p:spPr>
+        <p:txBody>
+          <a:bodyPr wrap="square" rtlCol="0">
+            <a:spAutoFit/>
+          </a:bodyPr>
+          <a:lstStyle/>
+          <a:p>
+            <a:r>
+              <a:rPr lang="en-US" dirty="0" smtClean="0"/>
+              <a:t>See more </a:t>
+            </a:r>
+            <a:r>
+              <a:rPr lang="en-US" dirty="0" err="1" smtClean="0"/>
+              <a:t>git</a:t>
+            </a:r>
+            <a:r>
+              <a:rPr lang="en-US" dirty="0" smtClean="0"/>
+              <a:t> and github terminology </a:t>
+            </a:r>
+            <a:r>
+              <a:rPr lang="en-US" dirty="0"/>
+              <a:t>at </a:t>
+            </a:r>
+            <a:r>
+              <a:rPr lang="en-US" dirty="0" smtClean="0"/>
+              <a:t>the </a:t>
+            </a:r>
+            <a:r>
+              <a:rPr lang="en-US" dirty="0" smtClean="0">
+                <a:hlinkClick r:id="rId6"/>
+              </a:rPr>
+              <a:t>Github</a:t>
+            </a:r>
+            <a:r>
+              <a:rPr lang="en-US" dirty="0" smtClean="0">
+                <a:hlinkClick r:id="rId6"/>
+              </a:rPr>
+              <a:t> Glossary</a:t>
+            </a:r>
+            <a:r>
+              <a:rPr lang="en-US" dirty="0" smtClean="0"/>
+              <a:t>. </a:t>
+            </a:r>
+            <a:endParaRPr lang="en-US" dirty="0"/>
+          </a:p>
+        </p:txBody>
+      </p:sp>
     </p:spTree>
     <p:extLst>
       <p:ext uri="{BB962C8B-B14F-4D97-AF65-F5344CB8AC3E}">
@@ -8812,9 +8741,10 @@
           <a:p>
             <a:pPr algn="ctr"/>
             <a:r>
-              <a:rPr lang="en-US" dirty="0"/>
-              <a:t>DPS</a:t>
-            </a:r>
+              <a:rPr lang="en-US" dirty="0" smtClean="0"/>
+              <a:t>OPS</a:t>
+            </a:r>
+            <a:endParaRPr lang="en-US" dirty="0"/>
           </a:p>
         </p:txBody>
       </p:sp>
@@ -10112,86 +10042,55 @@
           <a:chExt cx="0" cy="0"/>
         </a:xfrm>
       </p:grpSpPr>
-      <p:cxnSp>
-        <p:nvCxnSpPr>
-          <p:cNvPr id="45" name="Straight Arrow Connector 44"/>
-          <p:cNvCxnSpPr>
-            <a:stCxn id="60" idx="0"/>
-          </p:cNvCxnSpPr>
-          <p:nvPr/>
-        </p:nvCxnSpPr>
+      <p:sp>
+        <p:nvSpPr>
+          <p:cNvPr id="2" name="Title 1"/>
+          <p:cNvSpPr>
+            <a:spLocks noGrp="1"/>
+          </p:cNvSpPr>
+          <p:nvPr>
+            <p:ph type="title"/>
+          </p:nvPr>
+        </p:nvSpPr>
         <p:spPr>
-          <a:xfrm flipH="1" flipV="1">
-            <a:off x="5752154" y="2159893"/>
-            <a:ext cx="57045" cy="2406153"/>
-          </a:xfrm>
-          <a:prstGeom prst="straightConnector1">
-            <a:avLst/>
-          </a:prstGeom>
-          <a:ln w="38100">
-            <a:solidFill>
-              <a:schemeClr val="tx1"/>
-            </a:solidFill>
-            <a:tailEnd type="triangle"/>
-          </a:ln>
-        </p:spPr>
-        <p:style>
-          <a:lnRef idx="1">
-            <a:schemeClr val="accent1"/>
-          </a:lnRef>
-          <a:fillRef idx="0">
-            <a:schemeClr val="accent1"/>
-          </a:fillRef>
-          <a:effectRef idx="0">
-            <a:schemeClr val="accent1"/>
-          </a:effectRef>
-          <a:fontRef idx="minor">
-            <a:schemeClr val="tx1"/>
-          </a:fontRef>
-        </p:style>
-      </p:cxnSp>
-      <p:sp>
-        <p:nvSpPr>
-          <p:cNvPr id="4" name="Slide Number Placeholder 3"/>
-          <p:cNvSpPr>
-            <a:spLocks noGrp="1"/>
-          </p:cNvSpPr>
-          <p:nvPr>
-            <p:ph type="sldNum" sz="quarter" idx="12"/>
-          </p:nvPr>
-        </p:nvSpPr>
-        <p:spPr>
-          <a:xfrm>
-            <a:off x="11176252" y="6356350"/>
-            <a:ext cx="2743200" cy="365125"/>
-          </a:xfrm>
-        </p:spPr>
-        <p:txBody>
-          <a:bodyPr/>
-          <a:lstStyle/>
-          <a:p>
-            <a:fld id="{17894036-FA33-48B5-BBDE-1535D6213033}" type="slidenum">
-              <a:rPr lang="en-US" smtClean="0"/>
-              <a:t>4</a:t>
-            </a:fld>
-            <a:endParaRPr lang="en-US"/>
-          </a:p>
-        </p:txBody>
-      </p:sp>
-      <p:sp>
-        <p:nvSpPr>
-          <p:cNvPr id="9" name="Rectangle 8"/>
+          <a:xfrm>
+            <a:off x="381665" y="98559"/>
+            <a:ext cx="8503543" cy="916006"/>
+          </a:xfrm>
+        </p:spPr>
+        <p:txBody>
+          <a:bodyPr>
+            <a:normAutofit/>
+          </a:bodyPr>
+          <a:lstStyle/>
+          <a:p>
+            <a:r>
+              <a:rPr lang="en-US" dirty="0"/>
+              <a:t>Your individual workflow</a:t>
+            </a:r>
+          </a:p>
+        </p:txBody>
+      </p:sp>
+      <p:sp>
+        <p:nvSpPr>
+          <p:cNvPr id="30" name="Rectangle 29"/>
           <p:cNvSpPr/>
           <p:nvPr/>
         </p:nvSpPr>
         <p:spPr>
-          <a:xfrm flipH="1">
-            <a:off x="7087737" y="1239867"/>
-            <a:ext cx="1091953" cy="693537"/>
+          <a:xfrm>
+            <a:off x="1067073" y="1585668"/>
+            <a:ext cx="3512321" cy="803305"/>
           </a:xfrm>
           <a:prstGeom prst="rect">
             <a:avLst/>
           </a:prstGeom>
+          <a:solidFill>
+            <a:srgbClr val="00B0F0"/>
+          </a:solidFill>
+          <a:ln>
+            <a:noFill/>
+          </a:ln>
         </p:spPr>
         <p:style>
           <a:lnRef idx="2">
@@ -10216,25 +10115,33 @@
             <a:pPr algn="ctr"/>
             <a:r>
               <a:rPr lang="en-US" dirty="0"/>
-              <a:t>DPS</a:t>
-            </a:r>
-          </a:p>
-        </p:txBody>
-      </p:sp>
-      <p:sp>
-        <p:nvSpPr>
-          <p:cNvPr id="13" name="Trapezoid 12"/>
+              <a:t>UPSTREAM (repository)</a:t>
+            </a:r>
+          </a:p>
+        </p:txBody>
+      </p:sp>
+      <p:sp>
+        <p:nvSpPr>
+          <p:cNvPr id="31" name="Rectangle 30"/>
           <p:cNvSpPr/>
           <p:nvPr/>
         </p:nvSpPr>
         <p:spPr>
-          <a:xfrm rot="16200000" flipH="1">
-            <a:off x="8086473" y="1333856"/>
-            <a:ext cx="577049" cy="372862"/>
-          </a:xfrm>
-          <a:prstGeom prst="trapezoid">
+          <a:xfrm>
+            <a:off x="7650910" y="1566177"/>
+            <a:ext cx="2920169" cy="803305"/>
+          </a:xfrm>
+          <a:prstGeom prst="rect">
             <a:avLst/>
           </a:prstGeom>
+          <a:solidFill>
+            <a:schemeClr val="accent5">
+              <a:lumMod val="75000"/>
+            </a:schemeClr>
+          </a:solidFill>
+          <a:ln>
+            <a:noFill/>
+          </a:ln>
         </p:spPr>
         <p:style>
           <a:lnRef idx="2">
@@ -10257,107 +10164,29 @@
           <a:lstStyle/>
           <a:p>
             <a:pPr algn="ctr"/>
-            <a:endParaRPr lang="en-US"/>
-          </a:p>
-        </p:txBody>
-      </p:sp>
-      <p:pic>
-        <p:nvPicPr>
-          <p:cNvPr id="1026" name="Picture 2" descr="http://mutinybaywebs.homestead.com/PeopleLookingAtLaptop.jpg"/>
-          <p:cNvPicPr>
-            <a:picLocks noChangeAspect="1" noChangeArrowheads="1"/>
-          </p:cNvPicPr>
-          <p:nvPr/>
-        </p:nvPicPr>
-        <p:blipFill>
-          <a:blip r:embed="rId2" cstate="print">
-            <a:extLst>
-              <a:ext uri="{28A0092B-C50C-407E-A947-70E740481C1C}">
-                <a14:useLocalDpi xmlns:a14="http://schemas.microsoft.com/office/drawing/2010/main" val="0"/>
-              </a:ext>
-            </a:extLst>
-          </a:blip>
-          <a:srcRect/>
-          <a:stretch>
-            <a:fillRect/>
-          </a:stretch>
-        </p:blipFill>
-        <p:spPr bwMode="auto">
-          <a:xfrm flipH="1">
-            <a:off x="293087" y="183526"/>
-            <a:ext cx="1946013" cy="1295050"/>
-          </a:xfrm>
-          <a:prstGeom prst="rect">
-            <a:avLst/>
-          </a:prstGeom>
-          <a:noFill/>
-          <a:extLst>
-            <a:ext uri="{909E8E84-426E-40DD-AFC4-6F175D3DCCD1}">
-              <a14:hiddenFill xmlns:a14="http://schemas.microsoft.com/office/drawing/2010/main">
-                <a:solidFill>
-                  <a:srgbClr val="FFFFFF"/>
-                </a:solidFill>
-              </a14:hiddenFill>
-            </a:ext>
-          </a:extLst>
-        </p:spPr>
-      </p:pic>
-      <p:cxnSp>
-        <p:nvCxnSpPr>
-          <p:cNvPr id="30" name="Straight Arrow Connector 29"/>
-          <p:cNvCxnSpPr>
-            <a:endCxn id="9" idx="3"/>
-          </p:cNvCxnSpPr>
-          <p:nvPr/>
-        </p:nvCxnSpPr>
-        <p:spPr>
-          <a:xfrm>
-            <a:off x="6521598" y="1586636"/>
-            <a:ext cx="566139" cy="0"/>
-          </a:xfrm>
-          <a:prstGeom prst="straightConnector1">
-            <a:avLst/>
-          </a:prstGeom>
-          <a:ln w="38100">
-            <a:solidFill>
-              <a:schemeClr val="tx1"/>
-            </a:solidFill>
-            <a:tailEnd type="triangle"/>
-          </a:ln>
-        </p:spPr>
-        <p:style>
-          <a:lnRef idx="1">
-            <a:schemeClr val="accent1"/>
-          </a:lnRef>
-          <a:fillRef idx="0">
-            <a:schemeClr val="accent1"/>
-          </a:fillRef>
-          <a:effectRef idx="0">
-            <a:schemeClr val="accent1"/>
-          </a:effectRef>
-          <a:fontRef idx="minor">
-            <a:schemeClr val="tx1"/>
-          </a:fontRef>
-        </p:style>
-      </p:cxnSp>
-      <p:sp>
-        <p:nvSpPr>
-          <p:cNvPr id="35" name="Rectangle 34"/>
+            <a:r>
+              <a:rPr lang="en-US" dirty="0"/>
+              <a:t>ORIGIN (your fork)</a:t>
+            </a:r>
+          </a:p>
+        </p:txBody>
+      </p:sp>
+      <p:sp>
+        <p:nvSpPr>
+          <p:cNvPr id="32" name="Rectangle 31"/>
           <p:cNvSpPr/>
           <p:nvPr/>
         </p:nvSpPr>
         <p:spPr>
           <a:xfrm>
-            <a:off x="339726" y="3419803"/>
-            <a:ext cx="3062796" cy="1113960"/>
+            <a:off x="4579394" y="5506023"/>
+            <a:ext cx="3512321" cy="803305"/>
           </a:xfrm>
           <a:prstGeom prst="rect">
             <a:avLst/>
           </a:prstGeom>
           <a:solidFill>
-            <a:schemeClr val="accent5">
-              <a:lumMod val="75000"/>
-            </a:schemeClr>
+            <a:srgbClr val="00B050"/>
           </a:solidFill>
           <a:ln>
             <a:noFill/>
@@ -10380,1094 +10209,6 @@
           </a:fontRef>
         </p:style>
         <p:txBody>
-          <a:bodyPr rtlCol="0" anchor="t"/>
-          <a:lstStyle/>
-          <a:p>
-            <a:r>
-              <a:rPr lang="en-US" sz="1100" b="1" dirty="0"/>
-              <a:t>https://github.com/&lt;account</a:t>
-            </a:r>
-            <a:r>
-              <a:rPr lang="en-US" sz="1100" b="1" dirty="0" smtClean="0"/>
-              <a:t>&gt;/Azure-RMSDocs</a:t>
-            </a:r>
-            <a:endParaRPr lang="en-US" sz="1100" b="1" dirty="0"/>
-          </a:p>
-        </p:txBody>
-      </p:sp>
-      <p:pic>
-        <p:nvPicPr>
-          <p:cNvPr id="36" name="Picture 35"/>
-          <p:cNvPicPr>
-            <a:picLocks noChangeAspect="1"/>
-          </p:cNvPicPr>
-          <p:nvPr/>
-        </p:nvPicPr>
-        <p:blipFill>
-          <a:blip r:embed="rId3"/>
-          <a:stretch>
-            <a:fillRect/>
-          </a:stretch>
-        </p:blipFill>
-        <p:spPr>
-          <a:xfrm>
-            <a:off x="530671" y="3894414"/>
-            <a:ext cx="532542" cy="378924"/>
-          </a:xfrm>
-          <a:prstGeom prst="rect">
-            <a:avLst/>
-          </a:prstGeom>
-        </p:spPr>
-      </p:pic>
-      <p:sp>
-        <p:nvSpPr>
-          <p:cNvPr id="38" name="Oval 37"/>
-          <p:cNvSpPr/>
-          <p:nvPr/>
-        </p:nvSpPr>
-        <p:spPr>
-          <a:xfrm>
-            <a:off x="5044547" y="3316433"/>
-            <a:ext cx="1445079" cy="767443"/>
-          </a:xfrm>
-          <a:prstGeom prst="ellipse">
-            <a:avLst/>
-          </a:prstGeom>
-          <a:solidFill>
-            <a:srgbClr val="FFC000"/>
-          </a:solidFill>
-          <a:ln>
-            <a:noFill/>
-          </a:ln>
-        </p:spPr>
-        <p:style>
-          <a:lnRef idx="2">
-            <a:schemeClr val="accent1">
-              <a:shade val="50000"/>
-            </a:schemeClr>
-          </a:lnRef>
-          <a:fillRef idx="1">
-            <a:schemeClr val="accent1"/>
-          </a:fillRef>
-          <a:effectRef idx="0">
-            <a:schemeClr val="accent1"/>
-          </a:effectRef>
-          <a:fontRef idx="minor">
-            <a:schemeClr val="lt1"/>
-          </a:fontRef>
-        </p:style>
-        <p:txBody>
-          <a:bodyPr rtlCol="0" anchor="ctr"/>
-          <a:lstStyle/>
-          <a:p>
-            <a:pPr algn="ctr"/>
-            <a:r>
-              <a:rPr lang="en-US" sz="2000" b="1" dirty="0"/>
-              <a:t>Pull request</a:t>
-            </a:r>
-          </a:p>
-        </p:txBody>
-      </p:sp>
-      <p:cxnSp>
-        <p:nvCxnSpPr>
-          <p:cNvPr id="50" name="Straight Arrow Connector 49"/>
-          <p:cNvCxnSpPr>
-            <a:stCxn id="86" idx="6"/>
-          </p:cNvCxnSpPr>
-          <p:nvPr/>
-        </p:nvCxnSpPr>
-        <p:spPr>
-          <a:xfrm>
-            <a:off x="2242021" y="5462119"/>
-            <a:ext cx="2753552" cy="490299"/>
-          </a:xfrm>
-          <a:prstGeom prst="straightConnector1">
-            <a:avLst/>
-          </a:prstGeom>
-          <a:ln w="38100">
-            <a:solidFill>
-              <a:schemeClr val="tx1"/>
-            </a:solidFill>
-            <a:tailEnd type="triangle"/>
-          </a:ln>
-        </p:spPr>
-        <p:style>
-          <a:lnRef idx="1">
-            <a:schemeClr val="accent1"/>
-          </a:lnRef>
-          <a:fillRef idx="0">
-            <a:schemeClr val="accent1"/>
-          </a:fillRef>
-          <a:effectRef idx="0">
-            <a:schemeClr val="accent1"/>
-          </a:effectRef>
-          <a:fontRef idx="minor">
-            <a:schemeClr val="tx1"/>
-          </a:fontRef>
-        </p:style>
-      </p:cxnSp>
-      <p:sp>
-        <p:nvSpPr>
-          <p:cNvPr id="33" name="Rectangle 32"/>
-          <p:cNvSpPr/>
-          <p:nvPr/>
-        </p:nvSpPr>
-        <p:spPr>
-          <a:xfrm>
-            <a:off x="1241481" y="3666299"/>
-            <a:ext cx="2206921" cy="803305"/>
-          </a:xfrm>
-          <a:prstGeom prst="rect">
-            <a:avLst/>
-          </a:prstGeom>
-          <a:noFill/>
-          <a:ln>
-            <a:noFill/>
-          </a:ln>
-        </p:spPr>
-        <p:style>
-          <a:lnRef idx="2">
-            <a:schemeClr val="accent1">
-              <a:shade val="50000"/>
-            </a:schemeClr>
-          </a:lnRef>
-          <a:fillRef idx="1">
-            <a:schemeClr val="accent1"/>
-          </a:fillRef>
-          <a:effectRef idx="0">
-            <a:schemeClr val="accent1"/>
-          </a:effectRef>
-          <a:fontRef idx="minor">
-            <a:schemeClr val="lt1"/>
-          </a:fontRef>
-        </p:style>
-        <p:txBody>
-          <a:bodyPr rtlCol="0" anchor="ctr"/>
-          <a:lstStyle/>
-          <a:p>
-            <a:r>
-              <a:rPr lang="en-US" dirty="0">
-                <a:solidFill>
-                  <a:schemeClr val="bg1"/>
-                </a:solidFill>
-              </a:rPr>
-              <a:t>Customer submits changes through their GitHub fork</a:t>
-            </a:r>
-          </a:p>
-        </p:txBody>
-      </p:sp>
-      <p:pic>
-        <p:nvPicPr>
-          <p:cNvPr id="65" name="Picture 64"/>
-          <p:cNvPicPr>
-            <a:picLocks noChangeAspect="1"/>
-          </p:cNvPicPr>
-          <p:nvPr/>
-        </p:nvPicPr>
-        <p:blipFill>
-          <a:blip r:embed="rId3"/>
-          <a:stretch>
-            <a:fillRect/>
-          </a:stretch>
-        </p:blipFill>
-        <p:spPr>
-          <a:xfrm>
-            <a:off x="5455725" y="273426"/>
-            <a:ext cx="532542" cy="378924"/>
-          </a:xfrm>
-          <a:prstGeom prst="rect">
-            <a:avLst/>
-          </a:prstGeom>
-        </p:spPr>
-      </p:pic>
-      <p:sp>
-        <p:nvSpPr>
-          <p:cNvPr id="64" name="TextBox 63"/>
-          <p:cNvSpPr txBox="1"/>
-          <p:nvPr/>
-        </p:nvSpPr>
-        <p:spPr>
-          <a:xfrm>
-            <a:off x="4400062" y="646385"/>
-            <a:ext cx="2723023" cy="369332"/>
-          </a:xfrm>
-          <a:prstGeom prst="rect">
-            <a:avLst/>
-          </a:prstGeom>
-          <a:noFill/>
-        </p:spPr>
-        <p:txBody>
-          <a:bodyPr wrap="square" rtlCol="0">
-            <a:spAutoFit/>
-          </a:bodyPr>
-          <a:lstStyle/>
-          <a:p>
-            <a:r>
-              <a:rPr lang="en-US" dirty="0" smtClean="0"/>
-              <a:t>Azure-</a:t>
-            </a:r>
-            <a:r>
-              <a:rPr lang="en-US" dirty="0" err="1" smtClean="0"/>
-              <a:t>RMSDocs</a:t>
-            </a:r>
-            <a:r>
-              <a:rPr lang="en-US" dirty="0" smtClean="0"/>
-              <a:t>-</a:t>
-            </a:r>
-            <a:r>
-              <a:rPr lang="en-US" dirty="0" err="1" smtClean="0"/>
-              <a:t>pr</a:t>
-            </a:r>
-            <a:r>
-              <a:rPr lang="en-US" dirty="0" smtClean="0"/>
-              <a:t>/master</a:t>
-            </a:r>
-            <a:endParaRPr lang="en-US" dirty="0"/>
-          </a:p>
-        </p:txBody>
-      </p:sp>
-      <p:pic>
-        <p:nvPicPr>
-          <p:cNvPr id="1028" name="Picture 4" descr="http://icons.iconarchive.com/icons/icons-land/vista-people/256/Person-Male-Light-icon.png"/>
-          <p:cNvPicPr>
-            <a:picLocks noChangeAspect="1" noChangeArrowheads="1"/>
-          </p:cNvPicPr>
-          <p:nvPr/>
-        </p:nvPicPr>
-        <p:blipFill>
-          <a:blip r:embed="rId4" cstate="print">
-            <a:extLst>
-              <a:ext uri="{28A0092B-C50C-407E-A947-70E740481C1C}">
-                <a14:useLocalDpi xmlns:a14="http://schemas.microsoft.com/office/drawing/2010/main" val="0"/>
-              </a:ext>
-            </a:extLst>
-          </a:blip>
-          <a:srcRect/>
-          <a:stretch>
-            <a:fillRect/>
-          </a:stretch>
-        </p:blipFill>
-        <p:spPr bwMode="auto">
-          <a:xfrm flipH="1">
-            <a:off x="353231" y="5123671"/>
-            <a:ext cx="443711" cy="443711"/>
-          </a:xfrm>
-          <a:prstGeom prst="rect">
-            <a:avLst/>
-          </a:prstGeom>
-          <a:noFill/>
-          <a:extLst>
-            <a:ext uri="{909E8E84-426E-40DD-AFC4-6F175D3DCCD1}">
-              <a14:hiddenFill xmlns:a14="http://schemas.microsoft.com/office/drawing/2010/main">
-                <a:solidFill>
-                  <a:srgbClr val="FFFFFF"/>
-                </a:solidFill>
-              </a14:hiddenFill>
-            </a:ext>
-          </a:extLst>
-        </p:spPr>
-      </p:pic>
-      <p:cxnSp>
-        <p:nvCxnSpPr>
-          <p:cNvPr id="69" name="Straight Arrow Connector 68"/>
-          <p:cNvCxnSpPr/>
-          <p:nvPr/>
-        </p:nvCxnSpPr>
-        <p:spPr>
-          <a:xfrm>
-            <a:off x="1284068" y="4566046"/>
-            <a:ext cx="32275" cy="495585"/>
-          </a:xfrm>
-          <a:prstGeom prst="straightConnector1">
-            <a:avLst/>
-          </a:prstGeom>
-          <a:ln w="38100">
-            <a:solidFill>
-              <a:schemeClr val="tx1"/>
-            </a:solidFill>
-            <a:tailEnd type="triangle"/>
-          </a:ln>
-        </p:spPr>
-        <p:style>
-          <a:lnRef idx="1">
-            <a:schemeClr val="accent1"/>
-          </a:lnRef>
-          <a:fillRef idx="0">
-            <a:schemeClr val="accent1"/>
-          </a:fillRef>
-          <a:effectRef idx="0">
-            <a:schemeClr val="accent1"/>
-          </a:effectRef>
-          <a:fontRef idx="minor">
-            <a:schemeClr val="tx1"/>
-          </a:fontRef>
-        </p:style>
-      </p:cxnSp>
-      <p:cxnSp>
-        <p:nvCxnSpPr>
-          <p:cNvPr id="74" name="Straight Arrow Connector 73"/>
-          <p:cNvCxnSpPr/>
-          <p:nvPr/>
-        </p:nvCxnSpPr>
-        <p:spPr>
-          <a:xfrm flipV="1">
-            <a:off x="8593980" y="1537570"/>
-            <a:ext cx="442667" cy="20110"/>
-          </a:xfrm>
-          <a:prstGeom prst="straightConnector1">
-            <a:avLst/>
-          </a:prstGeom>
-          <a:ln w="38100">
-            <a:solidFill>
-              <a:schemeClr val="tx1"/>
-            </a:solidFill>
-            <a:tailEnd type="triangle"/>
-          </a:ln>
-        </p:spPr>
-        <p:style>
-          <a:lnRef idx="1">
-            <a:schemeClr val="accent1"/>
-          </a:lnRef>
-          <a:fillRef idx="0">
-            <a:schemeClr val="accent1"/>
-          </a:fillRef>
-          <a:effectRef idx="0">
-            <a:schemeClr val="accent1"/>
-          </a:effectRef>
-          <a:fontRef idx="minor">
-            <a:schemeClr val="tx1"/>
-          </a:fontRef>
-        </p:style>
-      </p:cxnSp>
-      <p:sp>
-        <p:nvSpPr>
-          <p:cNvPr id="81" name="TextBox 80"/>
-          <p:cNvSpPr txBox="1"/>
-          <p:nvPr/>
-        </p:nvSpPr>
-        <p:spPr>
-          <a:xfrm>
-            <a:off x="6535506" y="3385571"/>
-            <a:ext cx="1589705" cy="738664"/>
-          </a:xfrm>
-          <a:prstGeom prst="rect">
-            <a:avLst/>
-          </a:prstGeom>
-          <a:noFill/>
-        </p:spPr>
-        <p:txBody>
-          <a:bodyPr wrap="square" rtlCol="0">
-            <a:spAutoFit/>
-          </a:bodyPr>
-          <a:lstStyle/>
-          <a:p>
-            <a:r>
-              <a:rPr lang="en-US" sz="1400" b="1" dirty="0" err="1"/>
-              <a:t>PubDesk</a:t>
-            </a:r>
-            <a:r>
-              <a:rPr lang="en-US" sz="1400" dirty="0"/>
-              <a:t> creates a PR from public to private</a:t>
-            </a:r>
-          </a:p>
-        </p:txBody>
-      </p:sp>
-      <p:sp>
-        <p:nvSpPr>
-          <p:cNvPr id="82" name="TextBox 81"/>
-          <p:cNvSpPr txBox="1"/>
-          <p:nvPr/>
-        </p:nvSpPr>
-        <p:spPr>
-          <a:xfrm>
-            <a:off x="9036647" y="3053317"/>
-            <a:ext cx="3087634" cy="307777"/>
-          </a:xfrm>
-          <a:prstGeom prst="rect">
-            <a:avLst/>
-          </a:prstGeom>
-          <a:noFill/>
-        </p:spPr>
-        <p:txBody>
-          <a:bodyPr wrap="square" rtlCol="0">
-            <a:spAutoFit/>
-          </a:bodyPr>
-          <a:lstStyle/>
-          <a:p>
-            <a:r>
-              <a:rPr lang="en-US" sz="1400" dirty="0"/>
-              <a:t>Live site: </a:t>
-            </a:r>
-            <a:r>
-              <a:rPr lang="en-US" sz="1400" dirty="0">
-                <a:hlinkClick r:id="rId5"/>
-              </a:rPr>
-              <a:t>https</a:t>
-            </a:r>
-            <a:r>
-              <a:rPr lang="en-US" sz="1400" dirty="0" smtClean="0">
-                <a:hlinkClick r:id="rId5"/>
-              </a:rPr>
-              <a:t>://docs.microsoft.com/</a:t>
-            </a:r>
-            <a:endParaRPr lang="en-US" sz="1400" dirty="0"/>
-          </a:p>
-        </p:txBody>
-      </p:sp>
-      <p:cxnSp>
-        <p:nvCxnSpPr>
-          <p:cNvPr id="83" name="Straight Arrow Connector 82"/>
-          <p:cNvCxnSpPr/>
-          <p:nvPr/>
-        </p:nvCxnSpPr>
-        <p:spPr>
-          <a:xfrm>
-            <a:off x="1248255" y="1478576"/>
-            <a:ext cx="17838" cy="330236"/>
-          </a:xfrm>
-          <a:prstGeom prst="straightConnector1">
-            <a:avLst/>
-          </a:prstGeom>
-          <a:ln w="38100">
-            <a:solidFill>
-              <a:schemeClr val="tx1"/>
-            </a:solidFill>
-            <a:tailEnd type="triangle"/>
-          </a:ln>
-        </p:spPr>
-        <p:style>
-          <a:lnRef idx="1">
-            <a:schemeClr val="accent1"/>
-          </a:lnRef>
-          <a:fillRef idx="0">
-            <a:schemeClr val="accent1"/>
-          </a:fillRef>
-          <a:effectRef idx="0">
-            <a:schemeClr val="accent1"/>
-          </a:effectRef>
-          <a:fontRef idx="minor">
-            <a:schemeClr val="tx1"/>
-          </a:fontRef>
-        </p:style>
-      </p:cxnSp>
-      <p:sp>
-        <p:nvSpPr>
-          <p:cNvPr id="86" name="Oval 85"/>
-          <p:cNvSpPr/>
-          <p:nvPr/>
-        </p:nvSpPr>
-        <p:spPr>
-          <a:xfrm>
-            <a:off x="796942" y="5078397"/>
-            <a:ext cx="1445079" cy="767443"/>
-          </a:xfrm>
-          <a:prstGeom prst="ellipse">
-            <a:avLst/>
-          </a:prstGeom>
-          <a:solidFill>
-            <a:srgbClr val="FFC000"/>
-          </a:solidFill>
-          <a:ln>
-            <a:noFill/>
-          </a:ln>
-        </p:spPr>
-        <p:style>
-          <a:lnRef idx="2">
-            <a:schemeClr val="accent1">
-              <a:shade val="50000"/>
-            </a:schemeClr>
-          </a:lnRef>
-          <a:fillRef idx="1">
-            <a:schemeClr val="accent1"/>
-          </a:fillRef>
-          <a:effectRef idx="0">
-            <a:schemeClr val="accent1"/>
-          </a:effectRef>
-          <a:fontRef idx="minor">
-            <a:schemeClr val="lt1"/>
-          </a:fontRef>
-        </p:style>
-        <p:txBody>
-          <a:bodyPr rtlCol="0" anchor="ctr"/>
-          <a:lstStyle/>
-          <a:p>
-            <a:pPr algn="ctr"/>
-            <a:r>
-              <a:rPr lang="en-US" sz="2000" b="1" dirty="0"/>
-              <a:t>Pull request</a:t>
-            </a:r>
-          </a:p>
-        </p:txBody>
-      </p:sp>
-      <p:pic>
-        <p:nvPicPr>
-          <p:cNvPr id="7" name="Picture 6"/>
-          <p:cNvPicPr>
-            <a:picLocks noChangeAspect="1"/>
-          </p:cNvPicPr>
-          <p:nvPr/>
-        </p:nvPicPr>
-        <p:blipFill>
-          <a:blip r:embed="rId6"/>
-          <a:stretch>
-            <a:fillRect/>
-          </a:stretch>
-        </p:blipFill>
-        <p:spPr>
-          <a:xfrm>
-            <a:off x="549581" y="1843044"/>
-            <a:ext cx="1533525" cy="1085850"/>
-          </a:xfrm>
-          <a:prstGeom prst="rect">
-            <a:avLst/>
-          </a:prstGeom>
-          <a:ln>
-            <a:solidFill>
-              <a:schemeClr val="bg1">
-                <a:lumMod val="85000"/>
-              </a:schemeClr>
-            </a:solidFill>
-          </a:ln>
-        </p:spPr>
-      </p:pic>
-      <p:cxnSp>
-        <p:nvCxnSpPr>
-          <p:cNvPr id="54" name="Straight Arrow Connector 53"/>
-          <p:cNvCxnSpPr/>
-          <p:nvPr/>
-        </p:nvCxnSpPr>
-        <p:spPr>
-          <a:xfrm>
-            <a:off x="1277419" y="2915205"/>
-            <a:ext cx="38924" cy="470366"/>
-          </a:xfrm>
-          <a:prstGeom prst="straightConnector1">
-            <a:avLst/>
-          </a:prstGeom>
-          <a:ln w="38100">
-            <a:solidFill>
-              <a:schemeClr val="tx1"/>
-            </a:solidFill>
-            <a:tailEnd type="triangle"/>
-          </a:ln>
-        </p:spPr>
-        <p:style>
-          <a:lnRef idx="1">
-            <a:schemeClr val="accent1"/>
-          </a:lnRef>
-          <a:fillRef idx="0">
-            <a:schemeClr val="accent1"/>
-          </a:fillRef>
-          <a:effectRef idx="0">
-            <a:schemeClr val="accent1"/>
-          </a:effectRef>
-          <a:fontRef idx="minor">
-            <a:schemeClr val="tx1"/>
-          </a:fontRef>
-        </p:style>
-      </p:cxnSp>
-      <p:pic>
-        <p:nvPicPr>
-          <p:cNvPr id="60" name="Picture 59"/>
-          <p:cNvPicPr>
-            <a:picLocks noChangeAspect="1"/>
-          </p:cNvPicPr>
-          <p:nvPr/>
-        </p:nvPicPr>
-        <p:blipFill>
-          <a:blip r:embed="rId3"/>
-          <a:stretch>
-            <a:fillRect/>
-          </a:stretch>
-        </p:blipFill>
-        <p:spPr>
-          <a:xfrm>
-            <a:off x="5542928" y="4566046"/>
-            <a:ext cx="532542" cy="378924"/>
-          </a:xfrm>
-          <a:prstGeom prst="rect">
-            <a:avLst/>
-          </a:prstGeom>
-        </p:spPr>
-      </p:pic>
-      <p:sp>
-        <p:nvSpPr>
-          <p:cNvPr id="61" name="TextBox 60"/>
-          <p:cNvSpPr txBox="1"/>
-          <p:nvPr/>
-        </p:nvSpPr>
-        <p:spPr>
-          <a:xfrm>
-            <a:off x="4639206" y="4939005"/>
-            <a:ext cx="2475106" cy="369332"/>
-          </a:xfrm>
-          <a:prstGeom prst="rect">
-            <a:avLst/>
-          </a:prstGeom>
-          <a:noFill/>
-        </p:spPr>
-        <p:txBody>
-          <a:bodyPr wrap="square" rtlCol="0">
-            <a:spAutoFit/>
-          </a:bodyPr>
-          <a:lstStyle/>
-          <a:p>
-            <a:r>
-              <a:rPr lang="en-US" dirty="0" smtClean="0"/>
-              <a:t>Azure-</a:t>
-            </a:r>
-            <a:r>
-              <a:rPr lang="en-US" dirty="0" err="1" smtClean="0"/>
-              <a:t>RMSDocs</a:t>
-            </a:r>
-            <a:r>
-              <a:rPr lang="en-US" dirty="0" smtClean="0"/>
-              <a:t>/master</a:t>
-            </a:r>
-            <a:endParaRPr lang="en-US" dirty="0"/>
-          </a:p>
-        </p:txBody>
-      </p:sp>
-      <p:sp>
-        <p:nvSpPr>
-          <p:cNvPr id="43" name="TextBox 42"/>
-          <p:cNvSpPr txBox="1"/>
-          <p:nvPr/>
-        </p:nvSpPr>
-        <p:spPr>
-          <a:xfrm>
-            <a:off x="6176963" y="6460223"/>
-            <a:ext cx="1156589" cy="307777"/>
-          </a:xfrm>
-          <a:prstGeom prst="rect">
-            <a:avLst/>
-          </a:prstGeom>
-          <a:noFill/>
-        </p:spPr>
-        <p:txBody>
-          <a:bodyPr wrap="square" rtlCol="0">
-            <a:spAutoFit/>
-          </a:bodyPr>
-          <a:lstStyle/>
-          <a:p>
-            <a:r>
-              <a:rPr lang="en-US" sz="1400" dirty="0"/>
-              <a:t>(Public repo)</a:t>
-            </a:r>
-          </a:p>
-        </p:txBody>
-      </p:sp>
-      <p:sp>
-        <p:nvSpPr>
-          <p:cNvPr id="71" name="TextBox 70"/>
-          <p:cNvSpPr txBox="1"/>
-          <p:nvPr/>
-        </p:nvSpPr>
-        <p:spPr>
-          <a:xfrm>
-            <a:off x="5862185" y="2160107"/>
-            <a:ext cx="1225552" cy="307777"/>
-          </a:xfrm>
-          <a:prstGeom prst="rect">
-            <a:avLst/>
-          </a:prstGeom>
-          <a:noFill/>
-        </p:spPr>
-        <p:txBody>
-          <a:bodyPr wrap="square" rtlCol="0">
-            <a:spAutoFit/>
-          </a:bodyPr>
-          <a:lstStyle/>
-          <a:p>
-            <a:r>
-              <a:rPr lang="en-US" sz="1400" dirty="0"/>
-              <a:t>(Private repo)</a:t>
-            </a:r>
-          </a:p>
-        </p:txBody>
-      </p:sp>
-      <p:sp>
-        <p:nvSpPr>
-          <p:cNvPr id="73" name="TextBox 72"/>
-          <p:cNvSpPr txBox="1"/>
-          <p:nvPr/>
-        </p:nvSpPr>
-        <p:spPr>
-          <a:xfrm>
-            <a:off x="7633713" y="4338841"/>
-            <a:ext cx="3931081" cy="1938992"/>
-          </a:xfrm>
-          <a:prstGeom prst="rect">
-            <a:avLst/>
-          </a:prstGeom>
-          <a:noFill/>
-        </p:spPr>
-        <p:txBody>
-          <a:bodyPr wrap="square" rtlCol="0">
-            <a:spAutoFit/>
-          </a:bodyPr>
-          <a:lstStyle/>
-          <a:p>
-            <a:pPr algn="ctr"/>
-            <a:r>
-              <a:rPr lang="en-US" sz="4000" dirty="0"/>
-              <a:t>Workflow: external contributions</a:t>
-            </a:r>
-          </a:p>
-        </p:txBody>
-      </p:sp>
-      <p:sp>
-        <p:nvSpPr>
-          <p:cNvPr id="78" name="TextBox 77"/>
-          <p:cNvSpPr txBox="1"/>
-          <p:nvPr/>
-        </p:nvSpPr>
-        <p:spPr>
-          <a:xfrm>
-            <a:off x="407440" y="5924978"/>
-            <a:ext cx="4181287" cy="738664"/>
-          </a:xfrm>
-          <a:prstGeom prst="rect">
-            <a:avLst/>
-          </a:prstGeom>
-          <a:noFill/>
-        </p:spPr>
-        <p:txBody>
-          <a:bodyPr wrap="square" rtlCol="0">
-            <a:spAutoFit/>
-          </a:bodyPr>
-          <a:lstStyle/>
-          <a:p>
-            <a:pPr marL="285750" indent="-285750">
-              <a:buFont typeface="Arial" panose="020B0604020202020204" pitchFamily="34" charset="0"/>
-              <a:buChar char="•"/>
-            </a:pPr>
-            <a:r>
-              <a:rPr lang="en-US" sz="1400" dirty="0"/>
-              <a:t>Proposed changes are sent to author for review</a:t>
-            </a:r>
-          </a:p>
-          <a:p>
-            <a:pPr marL="285750" indent="-285750">
-              <a:buFont typeface="Arial" panose="020B0604020202020204" pitchFamily="34" charset="0"/>
-              <a:buChar char="•"/>
-            </a:pPr>
-            <a:r>
-              <a:rPr lang="en-US" sz="1400" dirty="0"/>
-              <a:t>Feedback/communication to contributor</a:t>
-            </a:r>
-          </a:p>
-          <a:p>
-            <a:pPr marL="285750" indent="-285750">
-              <a:buFont typeface="Arial" panose="020B0604020202020204" pitchFamily="34" charset="0"/>
-              <a:buChar char="•"/>
-            </a:pPr>
-            <a:r>
-              <a:rPr lang="en-US" sz="1400" dirty="0"/>
-              <a:t>Thank contributor</a:t>
-            </a:r>
-          </a:p>
-        </p:txBody>
-      </p:sp>
-      <p:pic>
-        <p:nvPicPr>
-          <p:cNvPr id="79" name="Picture 78"/>
-          <p:cNvPicPr>
-            <a:picLocks noChangeAspect="1"/>
-          </p:cNvPicPr>
-          <p:nvPr/>
-        </p:nvPicPr>
-        <p:blipFill>
-          <a:blip r:embed="rId7">
-            <a:extLst>
-              <a:ext uri="{28A0092B-C50C-407E-A947-70E740481C1C}">
-                <a14:useLocalDpi xmlns:a14="http://schemas.microsoft.com/office/drawing/2010/main" val="0"/>
-              </a:ext>
-            </a:extLst>
-          </a:blip>
-          <a:stretch>
-            <a:fillRect/>
-          </a:stretch>
-        </p:blipFill>
-        <p:spPr>
-          <a:xfrm>
-            <a:off x="3850826" y="6028004"/>
-            <a:ext cx="829996" cy="829996"/>
-          </a:xfrm>
-          <a:prstGeom prst="rect">
-            <a:avLst/>
-          </a:prstGeom>
-        </p:spPr>
-      </p:pic>
-      <p:pic>
-        <p:nvPicPr>
-          <p:cNvPr id="37" name="Picture 36"/>
-          <p:cNvPicPr>
-            <a:picLocks noChangeAspect="1"/>
-          </p:cNvPicPr>
-          <p:nvPr/>
-        </p:nvPicPr>
-        <p:blipFill>
-          <a:blip r:embed="rId8"/>
-          <a:stretch>
-            <a:fillRect/>
-          </a:stretch>
-        </p:blipFill>
-        <p:spPr>
-          <a:xfrm>
-            <a:off x="9228230" y="1236790"/>
-            <a:ext cx="2704467" cy="1677559"/>
-          </a:xfrm>
-          <a:prstGeom prst="rect">
-            <a:avLst/>
-          </a:prstGeom>
-        </p:spPr>
-      </p:pic>
-      <p:pic>
-        <p:nvPicPr>
-          <p:cNvPr id="40" name="Picture 39"/>
-          <p:cNvPicPr>
-            <a:picLocks noChangeAspect="1"/>
-          </p:cNvPicPr>
-          <p:nvPr/>
-        </p:nvPicPr>
-        <p:blipFill>
-          <a:blip r:embed="rId9"/>
-          <a:stretch>
-            <a:fillRect/>
-          </a:stretch>
-        </p:blipFill>
-        <p:spPr>
-          <a:xfrm>
-            <a:off x="4472905" y="968886"/>
-            <a:ext cx="1913479" cy="1179518"/>
-          </a:xfrm>
-          <a:prstGeom prst="rect">
-            <a:avLst/>
-          </a:prstGeom>
-        </p:spPr>
-      </p:pic>
-      <p:pic>
-        <p:nvPicPr>
-          <p:cNvPr id="41" name="Picture 40"/>
-          <p:cNvPicPr>
-            <a:picLocks noChangeAspect="1"/>
-          </p:cNvPicPr>
-          <p:nvPr/>
-        </p:nvPicPr>
-        <p:blipFill>
-          <a:blip r:embed="rId9"/>
-          <a:stretch>
-            <a:fillRect/>
-          </a:stretch>
-        </p:blipFill>
-        <p:spPr>
-          <a:xfrm>
-            <a:off x="5062046" y="5362659"/>
-            <a:ext cx="1913479" cy="1179518"/>
-          </a:xfrm>
-          <a:prstGeom prst="rect">
-            <a:avLst/>
-          </a:prstGeom>
-        </p:spPr>
-      </p:pic>
-    </p:spTree>
-    <p:extLst>
-      <p:ext uri="{BB962C8B-B14F-4D97-AF65-F5344CB8AC3E}">
-        <p14:creationId xmlns:p14="http://schemas.microsoft.com/office/powerpoint/2010/main" val="559895835"/>
-      </p:ext>
-    </p:extLst>
-  </p:cSld>
-  <p:clrMapOvr>
-    <a:masterClrMapping/>
-  </p:clrMapOvr>
-</p:sld>
-</file>
-
-<file path=ppt/slides/slide5.xml><?xml version="1.0" encoding="utf-8"?>
-<p:sld xmlns:a="http://schemas.openxmlformats.org/drawingml/2006/main" xmlns:r="http://schemas.openxmlformats.org/officeDocument/2006/relationships" xmlns:p="http://schemas.openxmlformats.org/presentationml/2006/main">
-  <p:cSld>
-    <p:spTree>
-      <p:nvGrpSpPr>
-        <p:cNvPr id="1" name=""/>
-        <p:cNvGrpSpPr/>
-        <p:nvPr/>
-      </p:nvGrpSpPr>
-      <p:grpSpPr>
-        <a:xfrm>
-          <a:off x="0" y="0"/>
-          <a:ext cx="0" cy="0"/>
-          <a:chOff x="0" y="0"/>
-          <a:chExt cx="0" cy="0"/>
-        </a:xfrm>
-      </p:grpSpPr>
-      <p:sp>
-        <p:nvSpPr>
-          <p:cNvPr id="2" name="Title 1"/>
-          <p:cNvSpPr>
-            <a:spLocks noGrp="1"/>
-          </p:cNvSpPr>
-          <p:nvPr>
-            <p:ph type="title"/>
-          </p:nvPr>
-        </p:nvSpPr>
-        <p:spPr>
-          <a:xfrm>
-            <a:off x="381665" y="98559"/>
-            <a:ext cx="8503543" cy="916006"/>
-          </a:xfrm>
-        </p:spPr>
-        <p:txBody>
-          <a:bodyPr>
-            <a:normAutofit/>
-          </a:bodyPr>
-          <a:lstStyle/>
-          <a:p>
-            <a:r>
-              <a:rPr lang="en-US" dirty="0"/>
-              <a:t>Your individual workflow</a:t>
-            </a:r>
-          </a:p>
-        </p:txBody>
-      </p:sp>
-      <p:sp>
-        <p:nvSpPr>
-          <p:cNvPr id="30" name="Rectangle 29"/>
-          <p:cNvSpPr/>
-          <p:nvPr/>
-        </p:nvSpPr>
-        <p:spPr>
-          <a:xfrm>
-            <a:off x="1067073" y="1585668"/>
-            <a:ext cx="3512321" cy="803305"/>
-          </a:xfrm>
-          <a:prstGeom prst="rect">
-            <a:avLst/>
-          </a:prstGeom>
-          <a:solidFill>
-            <a:srgbClr val="00B0F0"/>
-          </a:solidFill>
-          <a:ln>
-            <a:noFill/>
-          </a:ln>
-        </p:spPr>
-        <p:style>
-          <a:lnRef idx="2">
-            <a:schemeClr val="accent1">
-              <a:shade val="50000"/>
-            </a:schemeClr>
-          </a:lnRef>
-          <a:fillRef idx="1">
-            <a:schemeClr val="accent1"/>
-          </a:fillRef>
-          <a:effectRef idx="0">
-            <a:schemeClr val="accent1"/>
-          </a:effectRef>
-          <a:fontRef idx="minor">
-            <a:schemeClr val="lt1"/>
-          </a:fontRef>
-        </p:style>
-        <p:txBody>
-          <a:bodyPr rtlCol="0" anchor="ctr"/>
-          <a:lstStyle/>
-          <a:p>
-            <a:pPr algn="ctr"/>
-            <a:r>
-              <a:rPr lang="en-US" dirty="0"/>
-              <a:t>UPSTREAM (repository)</a:t>
-            </a:r>
-          </a:p>
-        </p:txBody>
-      </p:sp>
-      <p:sp>
-        <p:nvSpPr>
-          <p:cNvPr id="31" name="Rectangle 30"/>
-          <p:cNvSpPr/>
-          <p:nvPr/>
-        </p:nvSpPr>
-        <p:spPr>
-          <a:xfrm>
-            <a:off x="7650910" y="1566177"/>
-            <a:ext cx="2920169" cy="803305"/>
-          </a:xfrm>
-          <a:prstGeom prst="rect">
-            <a:avLst/>
-          </a:prstGeom>
-          <a:solidFill>
-            <a:schemeClr val="accent5">
-              <a:lumMod val="75000"/>
-            </a:schemeClr>
-          </a:solidFill>
-          <a:ln>
-            <a:noFill/>
-          </a:ln>
-        </p:spPr>
-        <p:style>
-          <a:lnRef idx="2">
-            <a:schemeClr val="accent1">
-              <a:shade val="50000"/>
-            </a:schemeClr>
-          </a:lnRef>
-          <a:fillRef idx="1">
-            <a:schemeClr val="accent1"/>
-          </a:fillRef>
-          <a:effectRef idx="0">
-            <a:schemeClr val="accent1"/>
-          </a:effectRef>
-          <a:fontRef idx="minor">
-            <a:schemeClr val="lt1"/>
-          </a:fontRef>
-        </p:style>
-        <p:txBody>
-          <a:bodyPr rtlCol="0" anchor="ctr"/>
-          <a:lstStyle/>
-          <a:p>
-            <a:pPr algn="ctr"/>
-            <a:r>
-              <a:rPr lang="en-US" dirty="0"/>
-              <a:t>ORIGIN (your fork)</a:t>
-            </a:r>
-          </a:p>
-        </p:txBody>
-      </p:sp>
-      <p:sp>
-        <p:nvSpPr>
-          <p:cNvPr id="32" name="Rectangle 31"/>
-          <p:cNvSpPr/>
-          <p:nvPr/>
-        </p:nvSpPr>
-        <p:spPr>
-          <a:xfrm>
-            <a:off x="4579394" y="5506023"/>
-            <a:ext cx="3512321" cy="803305"/>
-          </a:xfrm>
-          <a:prstGeom prst="rect">
-            <a:avLst/>
-          </a:prstGeom>
-          <a:solidFill>
-            <a:srgbClr val="00B050"/>
-          </a:solidFill>
-          <a:ln>
-            <a:noFill/>
-          </a:ln>
-        </p:spPr>
-        <p:style>
-          <a:lnRef idx="2">
-            <a:schemeClr val="accent1">
-              <a:shade val="50000"/>
-            </a:schemeClr>
-          </a:lnRef>
-          <a:fillRef idx="1">
-            <a:schemeClr val="accent1"/>
-          </a:fillRef>
-          <a:effectRef idx="0">
-            <a:schemeClr val="accent1"/>
-          </a:effectRef>
-          <a:fontRef idx="minor">
-            <a:schemeClr val="lt1"/>
-          </a:fontRef>
-        </p:style>
-        <p:txBody>
           <a:bodyPr rtlCol="0" anchor="ctr"/>
           <a:lstStyle/>
           <a:p>
@@ -11481,11 +10222,7 @@
             </a:br>
             <a:r>
               <a:rPr lang="en-US" dirty="0"/>
-              <a:t>        of </a:t>
-            </a:r>
-            <a:r>
-              <a:rPr lang="en-US" dirty="0"/>
-              <a:t>Azure-</a:t>
+              <a:t>        of Azure-</a:t>
             </a:r>
             <a:r>
               <a:rPr lang="en-US" dirty="0" err="1"/>
@@ -11690,7 +10427,7 @@
           <a:p>
             <a:fld id="{17894036-FA33-48B5-BBDE-1535D6213033}" type="slidenum">
               <a:rPr lang="en-US" smtClean="0"/>
-              <a:t>5</a:t>
+              <a:t>4</a:t>
             </a:fld>
             <a:endParaRPr lang="en-US" dirty="0"/>
           </a:p>
@@ -12448,7 +11185,7 @@
 </p:sld>
 </file>
 
-<file path=ppt/slides/slide6.xml><?xml version="1.0" encoding="utf-8"?>
+<file path=ppt/slides/slide5.xml><?xml version="1.0" encoding="utf-8"?>
 <p:sld xmlns:a="http://schemas.openxmlformats.org/drawingml/2006/main" xmlns:r="http://schemas.openxmlformats.org/officeDocument/2006/relationships" xmlns:p="http://schemas.openxmlformats.org/presentationml/2006/main">
   <p:cSld>
     <p:spTree>
@@ -12801,7 +11538,7 @@
           <a:p>
             <a:fld id="{17894036-FA33-48B5-BBDE-1535D6213033}" type="slidenum">
               <a:rPr lang="en-US" smtClean="0"/>
-              <a:t>6</a:t>
+              <a:t>5</a:t>
             </a:fld>
             <a:endParaRPr lang="en-US" dirty="0"/>
           </a:p>
@@ -12884,7 +11621,7 @@
 </p:sld>
 </file>
 
-<file path=ppt/slides/slide7.xml><?xml version="1.0" encoding="utf-8"?>
+<file path=ppt/slides/slide6.xml><?xml version="1.0" encoding="utf-8"?>
 <p:sld xmlns:a="http://schemas.openxmlformats.org/drawingml/2006/main" xmlns:r="http://schemas.openxmlformats.org/officeDocument/2006/relationships" xmlns:p="http://schemas.openxmlformats.org/presentationml/2006/main">
   <p:cSld>
     <p:spTree>
@@ -13176,7 +11913,7 @@
           <a:p>
             <a:fld id="{17894036-FA33-48B5-BBDE-1535D6213033}" type="slidenum">
               <a:rPr lang="en-US" smtClean="0"/>
-              <a:t>7</a:t>
+              <a:t>6</a:t>
             </a:fld>
             <a:endParaRPr lang="en-US"/>
           </a:p>
@@ -13195,7 +11932,7 @@
 </p:sld>
 </file>
 
-<file path=ppt/slides/slide8.xml><?xml version="1.0" encoding="utf-8"?>
+<file path=ppt/slides/slide7.xml><?xml version="1.0" encoding="utf-8"?>
 <p:sld xmlns:a="http://schemas.openxmlformats.org/drawingml/2006/main" xmlns:r="http://schemas.openxmlformats.org/officeDocument/2006/relationships" xmlns:p="http://schemas.openxmlformats.org/presentationml/2006/main">
   <p:cSld>
     <p:spTree>
@@ -13320,7 +12057,7 @@
           <a:p>
             <a:fld id="{17894036-FA33-48B5-BBDE-1535D6213033}" type="slidenum">
               <a:rPr lang="en-US" smtClean="0"/>
-              <a:t>8</a:t>
+              <a:t>7</a:t>
             </a:fld>
             <a:endParaRPr lang="en-US"/>
           </a:p>
@@ -13659,6 +12396,239 @@
 </p:sld>
 </file>
 
+<file path=ppt/slides/slide8.xml><?xml version="1.0" encoding="utf-8"?>
+<p:sld xmlns:a="http://schemas.openxmlformats.org/drawingml/2006/main" xmlns:r="http://schemas.openxmlformats.org/officeDocument/2006/relationships" xmlns:p="http://schemas.openxmlformats.org/presentationml/2006/main">
+  <p:cSld>
+    <p:spTree>
+      <p:nvGrpSpPr>
+        <p:cNvPr id="1" name=""/>
+        <p:cNvGrpSpPr/>
+        <p:nvPr/>
+      </p:nvGrpSpPr>
+      <p:grpSpPr>
+        <a:xfrm>
+          <a:off x="0" y="0"/>
+          <a:ext cx="0" cy="0"/>
+          <a:chOff x="0" y="0"/>
+          <a:chExt cx="0" cy="0"/>
+        </a:xfrm>
+      </p:grpSpPr>
+      <p:sp>
+        <p:nvSpPr>
+          <p:cNvPr id="2" name="Title 1"/>
+          <p:cNvSpPr>
+            <a:spLocks noGrp="1"/>
+          </p:cNvSpPr>
+          <p:nvPr>
+            <p:ph type="title"/>
+          </p:nvPr>
+        </p:nvSpPr>
+        <p:spPr/>
+        <p:txBody>
+          <a:bodyPr>
+            <a:normAutofit/>
+          </a:bodyPr>
+          <a:lstStyle/>
+          <a:p>
+            <a:r>
+              <a:rPr lang="en-US" sz="3600" dirty="0"/>
+              <a:t>Working with articles using Git commands and a markdown editor</a:t>
+            </a:r>
+          </a:p>
+        </p:txBody>
+      </p:sp>
+      <p:sp>
+        <p:nvSpPr>
+          <p:cNvPr id="3" name="Content Placeholder 2"/>
+          <p:cNvSpPr>
+            <a:spLocks noGrp="1"/>
+          </p:cNvSpPr>
+          <p:nvPr>
+            <p:ph idx="1"/>
+          </p:nvPr>
+        </p:nvSpPr>
+        <p:spPr>
+          <a:xfrm>
+            <a:off x="838200" y="3329126"/>
+            <a:ext cx="5279744" cy="3027224"/>
+          </a:xfrm>
+        </p:spPr>
+        <p:txBody>
+          <a:bodyPr>
+            <a:normAutofit fontScale="92500" lnSpcReduction="10000"/>
+          </a:bodyPr>
+          <a:lstStyle/>
+          <a:p>
+            <a:pPr marL="0" indent="0">
+              <a:buNone/>
+            </a:pPr>
+            <a:r>
+              <a:rPr lang="en-US" sz="2000" b="1" dirty="0" err="1"/>
+              <a:t>git</a:t>
+            </a:r>
+            <a:r>
+              <a:rPr lang="en-US" sz="2000" b="1" dirty="0"/>
+              <a:t> pull upstream master</a:t>
+            </a:r>
+          </a:p>
+          <a:p>
+            <a:pPr marL="0" indent="0">
+              <a:buNone/>
+            </a:pPr>
+            <a:r>
+              <a:rPr lang="en-US" sz="2000" b="1" dirty="0" err="1"/>
+              <a:t>git</a:t>
+            </a:r>
+            <a:r>
+              <a:rPr lang="en-US" sz="2000" b="1" dirty="0"/>
+              <a:t> checkout YOURBRANCH</a:t>
+            </a:r>
+          </a:p>
+          <a:p>
+            <a:pPr marL="0" indent="0">
+              <a:buNone/>
+            </a:pPr>
+            <a:r>
+              <a:rPr lang="en-US" sz="2000" b="1" dirty="0"/>
+              <a:t>Do work</a:t>
+            </a:r>
+          </a:p>
+          <a:p>
+            <a:pPr marL="0" indent="0">
+              <a:buNone/>
+            </a:pPr>
+            <a:r>
+              <a:rPr lang="en-US" sz="2000" b="1" dirty="0" err="1"/>
+              <a:t>git</a:t>
+            </a:r>
+            <a:r>
+              <a:rPr lang="en-US" sz="2000" b="1" dirty="0"/>
+              <a:t> status</a:t>
+            </a:r>
+          </a:p>
+          <a:p>
+            <a:pPr marL="0" indent="0">
+              <a:buNone/>
+            </a:pPr>
+            <a:r>
+              <a:rPr lang="en-US" sz="2000" b="1" dirty="0" err="1"/>
+              <a:t>git</a:t>
+            </a:r>
+            <a:r>
+              <a:rPr lang="en-US" sz="2000" b="1" dirty="0"/>
+              <a:t> add --all</a:t>
+            </a:r>
+          </a:p>
+          <a:p>
+            <a:pPr marL="0" indent="0">
+              <a:buNone/>
+            </a:pPr>
+            <a:r>
+              <a:rPr lang="en-US" sz="2000" b="1" dirty="0" err="1"/>
+              <a:t>git</a:t>
+            </a:r>
+            <a:r>
+              <a:rPr lang="en-US" sz="2000" b="1" dirty="0"/>
+              <a:t> commit -m “Message that everyone will see!”</a:t>
+            </a:r>
+          </a:p>
+          <a:p>
+            <a:pPr marL="0" indent="0">
+              <a:buNone/>
+            </a:pPr>
+            <a:r>
+              <a:rPr lang="en-US" sz="2000" b="1" dirty="0" err="1"/>
+              <a:t>git</a:t>
+            </a:r>
+            <a:r>
+              <a:rPr lang="en-US" sz="2000" b="1" dirty="0"/>
+              <a:t> push origin YOURBRANCH</a:t>
+            </a:r>
+          </a:p>
+          <a:p>
+            <a:pPr marL="0" indent="0">
+              <a:buNone/>
+            </a:pPr>
+            <a:r>
+              <a:rPr lang="en-US" sz="2000" b="1" dirty="0"/>
+              <a:t>Go to </a:t>
+            </a:r>
+            <a:r>
+              <a:rPr lang="en-US" sz="2000" b="1" dirty="0" err="1"/>
+              <a:t>github</a:t>
+            </a:r>
+            <a:r>
+              <a:rPr lang="en-US" sz="2000" b="1" dirty="0"/>
+              <a:t> and create a PR!</a:t>
+            </a:r>
+          </a:p>
+        </p:txBody>
+      </p:sp>
+      <p:sp>
+        <p:nvSpPr>
+          <p:cNvPr id="5" name="Slide Number Placeholder 4"/>
+          <p:cNvSpPr>
+            <a:spLocks noGrp="1"/>
+          </p:cNvSpPr>
+          <p:nvPr>
+            <p:ph type="sldNum" sz="quarter" idx="12"/>
+          </p:nvPr>
+        </p:nvSpPr>
+        <p:spPr/>
+        <p:txBody>
+          <a:bodyPr/>
+          <a:lstStyle/>
+          <a:p>
+            <a:fld id="{17894036-FA33-48B5-BBDE-1535D6213033}" type="slidenum">
+              <a:rPr lang="en-US" smtClean="0"/>
+              <a:t>8</a:t>
+            </a:fld>
+            <a:endParaRPr lang="en-US"/>
+          </a:p>
+        </p:txBody>
+      </p:sp>
+      <p:sp>
+        <p:nvSpPr>
+          <p:cNvPr id="6" name="TextBox 5"/>
+          <p:cNvSpPr txBox="1"/>
+          <p:nvPr/>
+        </p:nvSpPr>
+        <p:spPr>
+          <a:xfrm>
+            <a:off x="5580535" y="3052960"/>
+            <a:ext cx="1514763" cy="523220"/>
+          </a:xfrm>
+          <a:prstGeom prst="rect">
+            <a:avLst/>
+          </a:prstGeom>
+          <a:noFill/>
+        </p:spPr>
+        <p:txBody>
+          <a:bodyPr wrap="square" rtlCol="0">
+            <a:spAutoFit/>
+          </a:bodyPr>
+          <a:lstStyle/>
+          <a:p>
+            <a:r>
+              <a:rPr lang="en-US" sz="2800" dirty="0"/>
+              <a:t>DEMO</a:t>
+            </a:r>
+          </a:p>
+        </p:txBody>
+      </p:sp>
+    </p:spTree>
+    <p:extLst>
+      <p:ext uri="{BB962C8B-B14F-4D97-AF65-F5344CB8AC3E}">
+        <p14:creationId xmlns:p14="http://schemas.microsoft.com/office/powerpoint/2010/main" val="1626027815"/>
+      </p:ext>
+    </p:extLst>
+  </p:cSld>
+  <p:clrMapOvr>
+    <a:masterClrMapping/>
+  </p:clrMapOvr>
+</p:sld>
+</file>
+
 <file path=ppt/slides/slide9.xml><?xml version="1.0" encoding="utf-8"?>
 <p:sld xmlns:a="http://schemas.openxmlformats.org/drawingml/2006/main" xmlns:r="http://schemas.openxmlformats.org/officeDocument/2006/relationships" xmlns:p="http://schemas.openxmlformats.org/presentationml/2006/main">
   <p:cSld>
@@ -13688,148 +12658,83 @@
         </p:nvSpPr>
         <p:spPr/>
         <p:txBody>
+          <a:bodyPr/>
+          <a:lstStyle/>
+          <a:p>
+            <a:r>
+              <a:rPr lang="en-US" dirty="0"/>
+              <a:t>Pull request</a:t>
+            </a:r>
+          </a:p>
+        </p:txBody>
+      </p:sp>
+      <p:sp>
+        <p:nvSpPr>
+          <p:cNvPr id="3" name="Content Placeholder 2"/>
+          <p:cNvSpPr>
+            <a:spLocks noGrp="1"/>
+          </p:cNvSpPr>
+          <p:nvPr>
+            <p:ph idx="1"/>
+          </p:nvPr>
+        </p:nvSpPr>
+        <p:spPr>
+          <a:xfrm>
+            <a:off x="265176" y="1825625"/>
+            <a:ext cx="3813048" cy="4351338"/>
+          </a:xfrm>
+        </p:spPr>
+        <p:txBody>
           <a:bodyPr>
-            <a:normAutofit/>
+            <a:normAutofit fontScale="85000" lnSpcReduction="20000"/>
           </a:bodyPr>
           <a:lstStyle/>
           <a:p>
             <a:r>
-              <a:rPr lang="en-US" sz="3600" dirty="0"/>
-              <a:t>Working with articles using Git commands and a markdown editor</a:t>
-            </a:r>
-          </a:p>
-        </p:txBody>
-      </p:sp>
-      <p:sp>
-        <p:nvSpPr>
-          <p:cNvPr id="3" name="Content Placeholder 2"/>
-          <p:cNvSpPr>
-            <a:spLocks noGrp="1"/>
-          </p:cNvSpPr>
-          <p:nvPr>
-            <p:ph idx="1"/>
-          </p:nvPr>
-        </p:nvSpPr>
-        <p:spPr>
-          <a:xfrm>
-            <a:off x="838200" y="3329126"/>
-            <a:ext cx="5279744" cy="3027224"/>
-          </a:xfrm>
-        </p:spPr>
-        <p:txBody>
-          <a:bodyPr>
-            <a:normAutofit fontScale="92500" lnSpcReduction="10000"/>
-          </a:bodyPr>
-          <a:lstStyle/>
-          <a:p>
-            <a:pPr marL="0" indent="0">
-              <a:buNone/>
-            </a:pPr>
-            <a:r>
-              <a:rPr lang="en-US" sz="2000" b="1" dirty="0" err="1"/>
-              <a:t>git</a:t>
-            </a:r>
-            <a:r>
-              <a:rPr lang="en-US" sz="2000" b="1" dirty="0"/>
-              <a:t> pull upstream master</a:t>
-            </a:r>
-          </a:p>
-          <a:p>
-            <a:pPr marL="0" indent="0">
-              <a:buNone/>
-            </a:pPr>
-            <a:r>
-              <a:rPr lang="en-US" sz="2000" b="1" dirty="0" err="1"/>
-              <a:t>git</a:t>
-            </a:r>
-            <a:r>
-              <a:rPr lang="en-US" sz="2000" b="1" dirty="0"/>
-              <a:t> checkout YOURBRANCH</a:t>
-            </a:r>
-          </a:p>
-          <a:p>
-            <a:pPr marL="0" indent="0">
-              <a:buNone/>
-            </a:pPr>
-            <a:r>
-              <a:rPr lang="en-US" sz="2000" b="1" dirty="0"/>
-              <a:t>Do work</a:t>
-            </a:r>
-          </a:p>
-          <a:p>
-            <a:pPr marL="0" indent="0">
-              <a:buNone/>
-            </a:pPr>
-            <a:r>
-              <a:rPr lang="en-US" sz="2000" b="1" dirty="0" err="1"/>
-              <a:t>git</a:t>
-            </a:r>
-            <a:r>
-              <a:rPr lang="en-US" sz="2000" b="1" dirty="0"/>
-              <a:t> status</a:t>
-            </a:r>
-          </a:p>
-          <a:p>
-            <a:pPr marL="0" indent="0">
-              <a:buNone/>
-            </a:pPr>
-            <a:r>
-              <a:rPr lang="en-US" sz="2000" b="1" dirty="0" err="1"/>
-              <a:t>git</a:t>
-            </a:r>
-            <a:r>
-              <a:rPr lang="en-US" sz="2000" b="1" dirty="0"/>
-              <a:t> add --all</a:t>
-            </a:r>
-          </a:p>
-          <a:p>
-            <a:pPr marL="0" indent="0">
-              <a:buNone/>
-            </a:pPr>
-            <a:r>
-              <a:rPr lang="en-US" sz="2000" b="1" dirty="0" err="1"/>
-              <a:t>git</a:t>
-            </a:r>
-            <a:r>
-              <a:rPr lang="en-US" sz="2000" b="1" dirty="0"/>
-              <a:t> commit -m “Message that everyone will see!”</a:t>
-            </a:r>
-          </a:p>
-          <a:p>
-            <a:pPr marL="0" indent="0">
-              <a:buNone/>
-            </a:pPr>
-            <a:r>
-              <a:rPr lang="en-US" sz="2000" b="1" dirty="0" err="1"/>
-              <a:t>git</a:t>
-            </a:r>
-            <a:r>
-              <a:rPr lang="en-US" sz="2000" b="1" dirty="0"/>
-              <a:t> push origin YOURBRANCH</a:t>
-            </a:r>
-          </a:p>
-          <a:p>
-            <a:pPr marL="0" indent="0">
-              <a:buNone/>
-            </a:pPr>
-            <a:r>
-              <a:rPr lang="en-US" sz="2000" b="1" dirty="0"/>
-              <a:t>Go to </a:t>
-            </a:r>
-            <a:r>
-              <a:rPr lang="en-US" sz="2000" b="1" dirty="0" err="1"/>
-              <a:t>github</a:t>
-            </a:r>
-            <a:r>
-              <a:rPr lang="en-US" sz="2000" b="1" dirty="0"/>
-              <a:t> and create a PR!</a:t>
-            </a:r>
-          </a:p>
-        </p:txBody>
-      </p:sp>
-      <p:sp>
-        <p:nvSpPr>
-          <p:cNvPr id="5" name="Slide Number Placeholder 4"/>
+              <a:rPr lang="en-US" dirty="0"/>
+              <a:t>You move changes from one branch to another using a pull request.</a:t>
+            </a:r>
+            <a:br>
+              <a:rPr lang="en-US" dirty="0"/>
+            </a:br>
+            <a:endParaRPr lang="en-US" dirty="0"/>
+          </a:p>
+          <a:p>
+            <a:r>
+              <a:rPr lang="en-US" dirty="0"/>
+              <a:t>All pull requests must be reviewed and accepted by a pull request acceptor.</a:t>
+            </a:r>
+            <a:br>
+              <a:rPr lang="en-US" dirty="0"/>
+            </a:br>
+            <a:endParaRPr lang="en-US" dirty="0"/>
+          </a:p>
+          <a:p>
+            <a:r>
+              <a:rPr lang="en-US" dirty="0"/>
+              <a:t>Pull requests protect the repo’s integrity.</a:t>
+            </a:r>
+            <a:br>
+              <a:rPr lang="en-US" dirty="0"/>
+            </a:br>
+            <a:endParaRPr lang="en-US" dirty="0"/>
+          </a:p>
+          <a:p>
+            <a:r>
+              <a:rPr lang="en-US" dirty="0"/>
+              <a:t>Pull requests are reviewed by a designated person on the content team. </a:t>
+            </a:r>
+            <a:r>
+              <a:rPr lang="en-US"/>
+              <a:t>Expect feedback!</a:t>
+            </a:r>
+            <a:endParaRPr lang="en-US" dirty="0"/>
+          </a:p>
+        </p:txBody>
+      </p:sp>
+      <p:sp>
+        <p:nvSpPr>
+          <p:cNvPr id="4" name="Slide Number Placeholder 3"/>
           <p:cNvSpPr>
             <a:spLocks noGrp="1"/>
           </p:cNvSpPr>
@@ -13850,31 +12755,174 @@
           </a:p>
         </p:txBody>
       </p:sp>
-      <p:sp>
-        <p:nvSpPr>
-          <p:cNvPr id="6" name="TextBox 5"/>
-          <p:cNvSpPr txBox="1"/>
+      <p:pic>
+        <p:nvPicPr>
+          <p:cNvPr id="2050" name="Picture 2"/>
+          <p:cNvPicPr>
+            <a:picLocks noChangeAspect="1" noChangeArrowheads="1"/>
+          </p:cNvPicPr>
           <p:nvPr/>
-        </p:nvSpPr>
-        <p:spPr>
-          <a:xfrm>
-            <a:off x="5580535" y="3052960"/>
-            <a:ext cx="1514763" cy="523220"/>
+        </p:nvPicPr>
+        <p:blipFill>
+          <a:blip r:embed="rId2">
+            <a:extLst>
+              <a:ext uri="{28A0092B-C50C-407E-A947-70E740481C1C}">
+                <a14:useLocalDpi xmlns:a14="http://schemas.microsoft.com/office/drawing/2010/main" val="0"/>
+              </a:ext>
+            </a:extLst>
+          </a:blip>
+          <a:srcRect/>
+          <a:stretch>
+            <a:fillRect/>
+          </a:stretch>
+        </p:blipFill>
+        <p:spPr bwMode="auto">
+          <a:xfrm>
+            <a:off x="4620104" y="1563623"/>
+            <a:ext cx="7096408" cy="4817745"/>
           </a:xfrm>
           <a:prstGeom prst="rect">
             <a:avLst/>
           </a:prstGeom>
           <a:noFill/>
-        </p:spPr>
-        <p:txBody>
-          <a:bodyPr wrap="square" rtlCol="0">
-            <a:spAutoFit/>
-          </a:bodyPr>
-          <a:lstStyle/>
-          <a:p>
-            <a:r>
-              <a:rPr lang="en-US" sz="2800" dirty="0"/>
-              <a:t>DEMO</a:t>
+          <a:ln>
+            <a:noFill/>
+          </a:ln>
+          <a:extLst>
+            <a:ext uri="{909E8E84-426E-40DD-AFC4-6F175D3DCCD1}">
+              <a14:hiddenFill xmlns:a14="http://schemas.microsoft.com/office/drawing/2010/main">
+                <a:solidFill>
+                  <a:schemeClr val="accent1"/>
+                </a:solidFill>
+              </a14:hiddenFill>
+            </a:ext>
+            <a:ext uri="{91240B29-F687-4F45-9708-019B960494DF}">
+              <a14:hiddenLine xmlns:a14="http://schemas.microsoft.com/office/drawing/2010/main" w="9525">
+                <a:solidFill>
+                  <a:schemeClr val="tx1"/>
+                </a:solidFill>
+                <a:miter lim="800000"/>
+                <a:headEnd/>
+                <a:tailEnd/>
+              </a14:hiddenLine>
+            </a:ext>
+          </a:extLst>
+        </p:spPr>
+      </p:pic>
+      <p:sp>
+        <p:nvSpPr>
+          <p:cNvPr id="7" name="Rectangular Callout 6"/>
+          <p:cNvSpPr/>
+          <p:nvPr/>
+        </p:nvSpPr>
+        <p:spPr>
+          <a:xfrm>
+            <a:off x="4150070" y="188519"/>
+            <a:ext cx="1839250" cy="1042002"/>
+          </a:xfrm>
+          <a:prstGeom prst="wedgeRectCallout">
+            <a:avLst>
+              <a:gd name="adj1" fmla="val 65427"/>
+              <a:gd name="adj2" fmla="val 172364"/>
+            </a:avLst>
+          </a:prstGeom>
+          <a:solidFill>
+            <a:srgbClr val="00B0F0"/>
+          </a:solidFill>
+          <a:ln>
+            <a:solidFill>
+              <a:schemeClr val="bg1">
+                <a:lumMod val="75000"/>
+              </a:schemeClr>
+            </a:solidFill>
+          </a:ln>
+        </p:spPr>
+        <p:style>
+          <a:lnRef idx="2">
+            <a:schemeClr val="accent1">
+              <a:shade val="50000"/>
+            </a:schemeClr>
+          </a:lnRef>
+          <a:fillRef idx="1">
+            <a:schemeClr val="accent1"/>
+          </a:fillRef>
+          <a:effectRef idx="0">
+            <a:schemeClr val="accent1"/>
+          </a:effectRef>
+          <a:fontRef idx="minor">
+            <a:schemeClr val="lt1"/>
+          </a:fontRef>
+        </p:style>
+        <p:txBody>
+          <a:bodyPr rtlCol="0" anchor="ctr"/>
+          <a:lstStyle/>
+          <a:p>
+            <a:r>
+              <a:rPr lang="en-US" sz="1200" dirty="0">
+                <a:solidFill>
+                  <a:schemeClr val="tx1"/>
+                </a:solidFill>
+              </a:rPr>
+              <a:t>On the left, you select where you want to move the changes to. Usually, it is to the upstream repo.</a:t>
+            </a:r>
+          </a:p>
+        </p:txBody>
+      </p:sp>
+      <p:sp>
+        <p:nvSpPr>
+          <p:cNvPr id="8" name="Rectangular Callout 7"/>
+          <p:cNvSpPr/>
+          <p:nvPr/>
+        </p:nvSpPr>
+        <p:spPr>
+          <a:xfrm>
+            <a:off x="8563574" y="188519"/>
+            <a:ext cx="1839250" cy="1042002"/>
+          </a:xfrm>
+          <a:prstGeom prst="wedgeRectCallout">
+            <a:avLst>
+              <a:gd name="adj1" fmla="val -35496"/>
+              <a:gd name="adj2" fmla="val 175874"/>
+            </a:avLst>
+          </a:prstGeom>
+          <a:solidFill>
+            <a:srgbClr val="00B0F0"/>
+          </a:solidFill>
+          <a:ln>
+            <a:solidFill>
+              <a:schemeClr val="bg1">
+                <a:lumMod val="75000"/>
+              </a:schemeClr>
+            </a:solidFill>
+          </a:ln>
+        </p:spPr>
+        <p:style>
+          <a:lnRef idx="2">
+            <a:schemeClr val="accent1">
+              <a:shade val="50000"/>
+            </a:schemeClr>
+          </a:lnRef>
+          <a:fillRef idx="1">
+            <a:schemeClr val="accent1"/>
+          </a:fillRef>
+          <a:effectRef idx="0">
+            <a:schemeClr val="accent1"/>
+          </a:effectRef>
+          <a:fontRef idx="minor">
+            <a:schemeClr val="lt1"/>
+          </a:fontRef>
+        </p:style>
+        <p:txBody>
+          <a:bodyPr rtlCol="0" anchor="ctr"/>
+          <a:lstStyle/>
+          <a:p>
+            <a:r>
+              <a:rPr lang="en-US" sz="1200" dirty="0">
+                <a:solidFill>
+                  <a:schemeClr val="tx1"/>
+                </a:solidFill>
+              </a:rPr>
+              <a:t>On the right, you select the source of the changes. Usually, this is your fork and a branch in your fork.</a:t>
             </a:r>
           </a:p>
         </p:txBody>
@@ -13882,7 +12930,7 @@
     </p:spTree>
     <p:extLst>
       <p:ext uri="{BB962C8B-B14F-4D97-AF65-F5344CB8AC3E}">
-        <p14:creationId xmlns:p14="http://schemas.microsoft.com/office/powerpoint/2010/main" val="1626027815"/>
+        <p14:creationId xmlns:p14="http://schemas.microsoft.com/office/powerpoint/2010/main" val="175369041"/>
       </p:ext>
     </p:extLst>
   </p:cSld>
@@ -14700,6 +13748,21 @@
 </file>
 
 <file path=customXml/item1.xml><?xml version="1.0" encoding="utf-8"?>
+<p:properties xmlns:p="http://schemas.microsoft.com/office/2006/metadata/properties" xmlns:xsi="http://www.w3.org/2001/XMLSchema-instance" xmlns:pc="http://schemas.microsoft.com/office/infopath/2007/PartnerControls">
+  <documentManagement/>
+</p:properties>
+</file>
+
+<file path=customXml/item2.xml><?xml version="1.0" encoding="utf-8"?>
+<?mso-contentType ?>
+<FormTemplates xmlns="http://schemas.microsoft.com/sharepoint/v3/contenttype/forms">
+  <Display>DocumentLibraryForm</Display>
+  <Edit>DocumentLibraryForm</Edit>
+  <New>DocumentLibraryForm</New>
+</FormTemplates>
+</file>
+
+<file path=customXml/item3.xml><?xml version="1.0" encoding="utf-8"?>
 <ct:contentTypeSchema xmlns:ct="http://schemas.microsoft.com/office/2006/metadata/contentType" xmlns:ma="http://schemas.microsoft.com/office/2006/metadata/properties/metaAttributes" ct:_="" ma:_="" ma:contentTypeName="Document" ma:contentTypeID="0x0101002D8D517D403438489EB1B5FF459F45BC" ma:contentTypeVersion="8" ma:contentTypeDescription="Create a new document." ma:contentTypeScope="" ma:versionID="cc5d5d9a5225c9afe3d4d0cdec872e70">
   <xsd:schema xmlns:xsd="http://www.w3.org/2001/XMLSchema" xmlns:xs="http://www.w3.org/2001/XMLSchema" xmlns:p="http://schemas.microsoft.com/office/2006/metadata/properties" xmlns:ns2="2e11b04f-6e8d-4882-a142-63014911b215" targetNamespace="http://schemas.microsoft.com/office/2006/metadata/properties" ma:root="true" ma:fieldsID="336bede8c77ac453e9b0ba994f160122" ns2:_="">
     <xsd:import namespace="2e11b04f-6e8d-4882-a142-63014911b215"/>
@@ -14847,22 +13910,31 @@
 </ct:contentTypeSchema>
 </file>
 
-<file path=customXml/item2.xml><?xml version="1.0" encoding="utf-8"?>
-<?mso-contentType ?>
-<FormTemplates xmlns="http://schemas.microsoft.com/sharepoint/v3/contenttype/forms">
-  <Display>DocumentLibraryForm</Display>
-  <Edit>DocumentLibraryForm</Edit>
-  <New>DocumentLibraryForm</New>
-</FormTemplates>
+<file path=customXml/itemProps1.xml><?xml version="1.0" encoding="utf-8"?>
+<ds:datastoreItem xmlns:ds="http://schemas.openxmlformats.org/officeDocument/2006/customXml" ds:itemID="{A5F7F9F1-12BA-452E-90D7-DE79BA87BD84}">
+  <ds:schemaRefs>
+    <ds:schemaRef ds:uri="http://schemas.microsoft.com/office/2006/documentManagement/types"/>
+    <ds:schemaRef ds:uri="http://purl.org/dc/elements/1.1/"/>
+    <ds:schemaRef ds:uri="http://schemas.microsoft.com/office/infopath/2007/PartnerControls"/>
+    <ds:schemaRef ds:uri="http://schemas.openxmlformats.org/package/2006/metadata/core-properties"/>
+    <ds:schemaRef ds:uri="2e11b04f-6e8d-4882-a142-63014911b215"/>
+    <ds:schemaRef ds:uri="http://purl.org/dc/terms/"/>
+    <ds:schemaRef ds:uri="http://schemas.microsoft.com/office/2006/metadata/properties"/>
+    <ds:schemaRef ds:uri="http://www.w3.org/XML/1998/namespace"/>
+    <ds:schemaRef ds:uri="http://purl.org/dc/dcmitype/"/>
+  </ds:schemaRefs>
+</ds:datastoreItem>
 </file>
 
-<file path=customXml/item3.xml><?xml version="1.0" encoding="utf-8"?>
-<p:properties xmlns:p="http://schemas.microsoft.com/office/2006/metadata/properties" xmlns:xsi="http://www.w3.org/2001/XMLSchema-instance" xmlns:pc="http://schemas.microsoft.com/office/infopath/2007/PartnerControls">
-  <documentManagement/>
-</p:properties>
+<file path=customXml/itemProps2.xml><?xml version="1.0" encoding="utf-8"?>
+<ds:datastoreItem xmlns:ds="http://schemas.openxmlformats.org/officeDocument/2006/customXml" ds:itemID="{5714A384-EA5A-49BA-A851-7DD4B651B8C6}">
+  <ds:schemaRefs>
+    <ds:schemaRef ds:uri="http://schemas.microsoft.com/sharepoint/v3/contenttype/forms"/>
+  </ds:schemaRefs>
+</ds:datastoreItem>
 </file>
 
-<file path=customXml/itemProps1.xml><?xml version="1.0" encoding="utf-8"?>
+<file path=customXml/itemProps3.xml><?xml version="1.0" encoding="utf-8"?>
 <ds:datastoreItem xmlns:ds="http://schemas.openxmlformats.org/officeDocument/2006/customXml" ds:itemID="{4445427E-74DF-425E-82DE-958D8AF50D30}">
   <ds:schemaRefs>
     <ds:schemaRef ds:uri="http://schemas.microsoft.com/office/2006/metadata/contentType"/>
@@ -14878,28 +13950,4 @@
     <ds:schemaRef ds:uri="http://schemas.microsoft.com/internal/obd"/>
   </ds:schemaRefs>
 </ds:datastoreItem>
-</file>
-
-<file path=customXml/itemProps2.xml><?xml version="1.0" encoding="utf-8"?>
-<ds:datastoreItem xmlns:ds="http://schemas.openxmlformats.org/officeDocument/2006/customXml" ds:itemID="{5714A384-EA5A-49BA-A851-7DD4B651B8C6}">
-  <ds:schemaRefs>
-    <ds:schemaRef ds:uri="http://schemas.microsoft.com/sharepoint/v3/contenttype/forms"/>
-  </ds:schemaRefs>
-</ds:datastoreItem>
-</file>
-
-<file path=customXml/itemProps3.xml><?xml version="1.0" encoding="utf-8"?>
-<ds:datastoreItem xmlns:ds="http://schemas.openxmlformats.org/officeDocument/2006/customXml" ds:itemID="{A5F7F9F1-12BA-452E-90D7-DE79BA87BD84}">
-  <ds:schemaRefs>
-    <ds:schemaRef ds:uri="http://schemas.microsoft.com/office/2006/documentManagement/types"/>
-    <ds:schemaRef ds:uri="http://purl.org/dc/elements/1.1/"/>
-    <ds:schemaRef ds:uri="http://schemas.microsoft.com/office/infopath/2007/PartnerControls"/>
-    <ds:schemaRef ds:uri="http://schemas.openxmlformats.org/package/2006/metadata/core-properties"/>
-    <ds:schemaRef ds:uri="2e11b04f-6e8d-4882-a142-63014911b215"/>
-    <ds:schemaRef ds:uri="http://purl.org/dc/terms/"/>
-    <ds:schemaRef ds:uri="http://schemas.microsoft.com/office/2006/metadata/properties"/>
-    <ds:schemaRef ds:uri="http://www.w3.org/XML/1998/namespace"/>
-    <ds:schemaRef ds:uri="http://purl.org/dc/dcmitype/"/>
-  </ds:schemaRefs>
-</ds:datastoreItem>
 </file>